--- a/Présentation/XML_VS_JSON.pptx
+++ b/Présentation/XML_VS_JSON.pptx
@@ -3665,6 +3665,13 @@
         </dgm:presLayoutVars>
       </dgm:prSet>
       <dgm:spPr/>
+      <dgm:t>
+        <a:bodyPr/>
+        <a:lstStyle/>
+        <a:p>
+          <a:endParaRPr lang="fr-FR"/>
+        </a:p>
+      </dgm:t>
     </dgm:pt>
     <dgm:pt modelId="{7FFB0513-FA71-4725-AC10-8CEFD90C043E}" type="pres">
       <dgm:prSet presAssocID="{A4BC30B5-AB2E-479D-A9D3-D3AAAE2C5ADD}" presName="parentLin" presStyleCnt="0"/>
@@ -3673,6 +3680,13 @@
     <dgm:pt modelId="{3D45623C-260D-4743-944D-FB4BA2CA5026}" type="pres">
       <dgm:prSet presAssocID="{A4BC30B5-AB2E-479D-A9D3-D3AAAE2C5ADD}" presName="parentLeftMargin" presStyleLbl="node1" presStyleIdx="0" presStyleCnt="3"/>
       <dgm:spPr/>
+      <dgm:t>
+        <a:bodyPr/>
+        <a:lstStyle/>
+        <a:p>
+          <a:endParaRPr lang="fr-FR"/>
+        </a:p>
+      </dgm:t>
     </dgm:pt>
     <dgm:pt modelId="{686C560D-46BE-4C58-B1B0-F28C1DDBB264}" type="pres">
       <dgm:prSet presAssocID="{A4BC30B5-AB2E-479D-A9D3-D3AAAE2C5ADD}" presName="parentText" presStyleLbl="node1" presStyleIdx="0" presStyleCnt="3">
@@ -3682,6 +3696,13 @@
         </dgm:presLayoutVars>
       </dgm:prSet>
       <dgm:spPr/>
+      <dgm:t>
+        <a:bodyPr/>
+        <a:lstStyle/>
+        <a:p>
+          <a:endParaRPr lang="fr-FR"/>
+        </a:p>
+      </dgm:t>
     </dgm:pt>
     <dgm:pt modelId="{955FBD61-D450-4B37-9D93-D22B894AFBD4}" type="pres">
       <dgm:prSet presAssocID="{A4BC30B5-AB2E-479D-A9D3-D3AAAE2C5ADD}" presName="negativeSpace" presStyleCnt="0"/>
@@ -3694,6 +3715,13 @@
         </dgm:presLayoutVars>
       </dgm:prSet>
       <dgm:spPr/>
+      <dgm:t>
+        <a:bodyPr/>
+        <a:lstStyle/>
+        <a:p>
+          <a:endParaRPr lang="fr-FR"/>
+        </a:p>
+      </dgm:t>
     </dgm:pt>
     <dgm:pt modelId="{8126054C-A6B5-403C-BE30-3CDD12D64FCA}" type="pres">
       <dgm:prSet presAssocID="{57C8C671-3092-477C-A770-DB83DF935346}" presName="spaceBetweenRectangles" presStyleCnt="0"/>
@@ -3706,6 +3734,13 @@
     <dgm:pt modelId="{79F5AC99-53B0-4C44-9BA2-7F3F3F9A32A8}" type="pres">
       <dgm:prSet presAssocID="{287E08E6-10BC-4C2B-833E-D58CBC2AE39F}" presName="parentLeftMargin" presStyleLbl="node1" presStyleIdx="0" presStyleCnt="3"/>
       <dgm:spPr/>
+      <dgm:t>
+        <a:bodyPr/>
+        <a:lstStyle/>
+        <a:p>
+          <a:endParaRPr lang="fr-FR"/>
+        </a:p>
+      </dgm:t>
     </dgm:pt>
     <dgm:pt modelId="{4FF9174A-CD4F-4FA6-89B1-F7A06E2BB4BB}" type="pres">
       <dgm:prSet presAssocID="{287E08E6-10BC-4C2B-833E-D58CBC2AE39F}" presName="parentText" presStyleLbl="node1" presStyleIdx="1" presStyleCnt="3">
@@ -3715,6 +3750,13 @@
         </dgm:presLayoutVars>
       </dgm:prSet>
       <dgm:spPr/>
+      <dgm:t>
+        <a:bodyPr/>
+        <a:lstStyle/>
+        <a:p>
+          <a:endParaRPr lang="fr-FR"/>
+        </a:p>
+      </dgm:t>
     </dgm:pt>
     <dgm:pt modelId="{8B159B17-90BB-410B-9643-6211D6290725}" type="pres">
       <dgm:prSet presAssocID="{287E08E6-10BC-4C2B-833E-D58CBC2AE39F}" presName="negativeSpace" presStyleCnt="0"/>
@@ -3727,6 +3769,13 @@
         </dgm:presLayoutVars>
       </dgm:prSet>
       <dgm:spPr/>
+      <dgm:t>
+        <a:bodyPr/>
+        <a:lstStyle/>
+        <a:p>
+          <a:endParaRPr lang="fr-FR"/>
+        </a:p>
+      </dgm:t>
     </dgm:pt>
     <dgm:pt modelId="{897808B2-85FE-46AB-A6FC-FF5F5E622806}" type="pres">
       <dgm:prSet presAssocID="{DBC31C62-0427-4F4E-A849-8EBB73A8F245}" presName="spaceBetweenRectangles" presStyleCnt="0"/>
@@ -3739,6 +3788,13 @@
     <dgm:pt modelId="{366908CB-19F7-4A15-A7DC-58DCBB837E27}" type="pres">
       <dgm:prSet presAssocID="{0DBE68F0-E79A-41D7-9D88-F55A953C3185}" presName="parentLeftMargin" presStyleLbl="node1" presStyleIdx="1" presStyleCnt="3"/>
       <dgm:spPr/>
+      <dgm:t>
+        <a:bodyPr/>
+        <a:lstStyle/>
+        <a:p>
+          <a:endParaRPr lang="fr-FR"/>
+        </a:p>
+      </dgm:t>
     </dgm:pt>
     <dgm:pt modelId="{1A1DCB90-3AA2-445D-BF4C-C4BFBEE4AF9C}" type="pres">
       <dgm:prSet presAssocID="{0DBE68F0-E79A-41D7-9D88-F55A953C3185}" presName="parentText" presStyleLbl="node1" presStyleIdx="2" presStyleCnt="3">
@@ -3748,6 +3804,13 @@
         </dgm:presLayoutVars>
       </dgm:prSet>
       <dgm:spPr/>
+      <dgm:t>
+        <a:bodyPr/>
+        <a:lstStyle/>
+        <a:p>
+          <a:endParaRPr lang="fr-FR"/>
+        </a:p>
+      </dgm:t>
     </dgm:pt>
     <dgm:pt modelId="{AD4A149F-267D-49E8-B11B-CA6CE54DA11F}" type="pres">
       <dgm:prSet presAssocID="{0DBE68F0-E79A-41D7-9D88-F55A953C3185}" presName="negativeSpace" presStyleCnt="0"/>
@@ -3760,39 +3823,46 @@
         </dgm:presLayoutVars>
       </dgm:prSet>
       <dgm:spPr/>
+      <dgm:t>
+        <a:bodyPr/>
+        <a:lstStyle/>
+        <a:p>
+          <a:endParaRPr lang="fr-FR"/>
+        </a:p>
+      </dgm:t>
     </dgm:pt>
   </dgm:ptLst>
   <dgm:cxnLst>
+    <dgm:cxn modelId="{BF3DDF60-FEC1-4C07-BFC3-C42A26254434}" srcId="{0DBE68F0-E79A-41D7-9D88-F55A953C3185}" destId="{2A1C540F-DBAB-449D-BB0C-0E01B8F0FE92}" srcOrd="2" destOrd="0" parTransId="{A4EC2E66-C518-43B8-88EB-EFDD47361EFD}" sibTransId="{6B8FEE4A-1F83-465E-9B4A-11CC342CFD56}"/>
+    <dgm:cxn modelId="{53F8626A-900F-469E-AE99-1B68BF64AC4D}" type="presOf" srcId="{287E08E6-10BC-4C2B-833E-D58CBC2AE39F}" destId="{79F5AC99-53B0-4C44-9BA2-7F3F3F9A32A8}" srcOrd="0" destOrd="0" presId="urn:microsoft.com/office/officeart/2005/8/layout/list1"/>
+    <dgm:cxn modelId="{8FFA6BD2-36E1-4D03-8D25-B2F26C5CEC2B}" srcId="{645C5C31-082C-4CEB-9EB5-58AC7AB1A67F}" destId="{0DBE68F0-E79A-41D7-9D88-F55A953C3185}" srcOrd="2" destOrd="0" parTransId="{42FC2F57-4922-41FC-B1FC-C5B739630F3B}" sibTransId="{E5703E3E-4CF2-4CC3-BBA5-0298D5DDB096}"/>
+    <dgm:cxn modelId="{6568B764-DCFC-4CFD-A967-A74519AB4CD7}" srcId="{0DBE68F0-E79A-41D7-9D88-F55A953C3185}" destId="{CEE9E630-BC95-430C-8EC0-E4324FC385F1}" srcOrd="3" destOrd="0" parTransId="{0C89B383-8D42-4C89-BAA9-DE37A639607E}" sibTransId="{C188FF16-9A20-47A9-B32A-7D2FAC9EBD36}"/>
+    <dgm:cxn modelId="{525F5D82-B964-4DDE-A199-986F509DC165}" srcId="{287E08E6-10BC-4C2B-833E-D58CBC2AE39F}" destId="{3EE2E2E3-C0CC-4F39-9778-B41C01F46580}" srcOrd="1" destOrd="0" parTransId="{4877CC26-EC95-4F61-9065-89D8290E57AC}" sibTransId="{25332743-AB82-48A8-92EB-D45FFAF39B12}"/>
+    <dgm:cxn modelId="{6473E8DD-7F47-4A0F-B618-2CE72CA52131}" type="presOf" srcId="{287E08E6-10BC-4C2B-833E-D58CBC2AE39F}" destId="{4FF9174A-CD4F-4FA6-89B1-F7A06E2BB4BB}" srcOrd="1" destOrd="0" presId="urn:microsoft.com/office/officeart/2005/8/layout/list1"/>
+    <dgm:cxn modelId="{166DA5BD-CDB5-47D3-AEFA-C278E1237D3F}" type="presOf" srcId="{0DBE68F0-E79A-41D7-9D88-F55A953C3185}" destId="{1A1DCB90-3AA2-445D-BF4C-C4BFBEE4AF9C}" srcOrd="1" destOrd="0" presId="urn:microsoft.com/office/officeart/2005/8/layout/list1"/>
+    <dgm:cxn modelId="{7DC4BB2C-79BC-403C-BC4A-C3A745561B87}" srcId="{645C5C31-082C-4CEB-9EB5-58AC7AB1A67F}" destId="{A4BC30B5-AB2E-479D-A9D3-D3AAAE2C5ADD}" srcOrd="0" destOrd="0" parTransId="{70A7E2F8-1CC3-4C17-83C6-1B960055188A}" sibTransId="{57C8C671-3092-477C-A770-DB83DF935346}"/>
+    <dgm:cxn modelId="{21B8AD7E-D0F0-4CA6-9D3B-9C26AA01C4DD}" type="presOf" srcId="{2A1C540F-DBAB-449D-BB0C-0E01B8F0FE92}" destId="{E47E4FE4-3D19-4889-B8D1-827F091B0FE0}" srcOrd="0" destOrd="2" presId="urn:microsoft.com/office/officeart/2005/8/layout/list1"/>
+    <dgm:cxn modelId="{41B9FCC7-3F57-4845-B4E0-8D615C2AEBFC}" srcId="{A4BC30B5-AB2E-479D-A9D3-D3AAAE2C5ADD}" destId="{1D12D819-E443-4B4C-807C-70F6AE01AFD3}" srcOrd="0" destOrd="0" parTransId="{23875108-FF22-45F9-BA09-926463B3D12B}" sibTransId="{8594B8FC-4ABD-44EB-9B11-7E2D976C1F14}"/>
+    <dgm:cxn modelId="{2AF5B974-138B-4BF3-9A78-49D403B56968}" type="presOf" srcId="{3EE2E2E3-C0CC-4F39-9778-B41C01F46580}" destId="{657BED9F-76CB-4AFC-8593-B7813B00CEC1}" srcOrd="0" destOrd="1" presId="urn:microsoft.com/office/officeart/2005/8/layout/list1"/>
+    <dgm:cxn modelId="{E93EFB1B-BD4F-4FD1-80B1-538CDAE5BD12}" srcId="{A4BC30B5-AB2E-479D-A9D3-D3AAAE2C5ADD}" destId="{8220FD00-F440-4377-B775-AD5EF1EF920F}" srcOrd="1" destOrd="0" parTransId="{201141BB-EFDD-44D4-8582-E4D5046728EE}" sibTransId="{83D72169-D576-4FC6-BC6A-63D0361E29D0}"/>
+    <dgm:cxn modelId="{24CB7EDA-4F6B-4BA7-B671-6B46634E68C9}" srcId="{287E08E6-10BC-4C2B-833E-D58CBC2AE39F}" destId="{8916ACF3-2CA2-4A98-8FD0-B38F46633D75}" srcOrd="2" destOrd="0" parTransId="{6E811762-A209-44EB-830B-64B9BFD68BFF}" sibTransId="{49E10489-1F53-4A7B-9617-346DC019BB68}"/>
+    <dgm:cxn modelId="{50D4BA66-3CD5-43D8-B36E-424B6B19E991}" srcId="{287E08E6-10BC-4C2B-833E-D58CBC2AE39F}" destId="{B0549414-53A3-4D70-8A56-97E533233F3F}" srcOrd="0" destOrd="0" parTransId="{222749BE-F0F1-4D5C-8913-F6B896D3467D}" sibTransId="{F9D12FB2-4347-4717-AF3D-1B3F5796DC44}"/>
+    <dgm:cxn modelId="{AAA64E13-2212-42B3-AB6D-0D6EBFD95A63}" type="presOf" srcId="{F05CFBF9-CC62-4D83-BAD2-6EFEB1B24ED2}" destId="{87A17971-98CC-4444-88D2-FE80BEFAF312}" srcOrd="0" destOrd="2" presId="urn:microsoft.com/office/officeart/2005/8/layout/list1"/>
+    <dgm:cxn modelId="{67EDC39A-1A65-4E7A-9C29-B9F6B09C0220}" srcId="{645C5C31-082C-4CEB-9EB5-58AC7AB1A67F}" destId="{287E08E6-10BC-4C2B-833E-D58CBC2AE39F}" srcOrd="1" destOrd="0" parTransId="{D4D7A146-3B29-42DF-87F4-613CD503BEC8}" sibTransId="{DBC31C62-0427-4F4E-A849-8EBB73A8F245}"/>
+    <dgm:cxn modelId="{0606572B-EDAA-4BE7-A4B7-EFEB73B861C7}" type="presOf" srcId="{B0549414-53A3-4D70-8A56-97E533233F3F}" destId="{657BED9F-76CB-4AFC-8593-B7813B00CEC1}" srcOrd="0" destOrd="0" presId="urn:microsoft.com/office/officeart/2005/8/layout/list1"/>
+    <dgm:cxn modelId="{41E52ECB-BEB3-4CB8-965C-AF3A3D038E8B}" type="presOf" srcId="{645C5C31-082C-4CEB-9EB5-58AC7AB1A67F}" destId="{750BEEDC-3203-4DE0-97EC-7C7D52A2A8D9}" srcOrd="0" destOrd="0" presId="urn:microsoft.com/office/officeart/2005/8/layout/list1"/>
+    <dgm:cxn modelId="{F204618A-466C-468D-B61D-4C24D03BB228}" type="presOf" srcId="{0DBE68F0-E79A-41D7-9D88-F55A953C3185}" destId="{366908CB-19F7-4A15-A7DC-58DCBB837E27}" srcOrd="0" destOrd="0" presId="urn:microsoft.com/office/officeart/2005/8/layout/list1"/>
+    <dgm:cxn modelId="{428FF511-2AD4-4F41-B288-961B5ED2F2A7}" type="presOf" srcId="{8916ACF3-2CA2-4A98-8FD0-B38F46633D75}" destId="{657BED9F-76CB-4AFC-8593-B7813B00CEC1}" srcOrd="0" destOrd="2" presId="urn:microsoft.com/office/officeart/2005/8/layout/list1"/>
+    <dgm:cxn modelId="{A64721D4-963E-4EC2-A1D2-09619D17E15C}" type="presOf" srcId="{A4BC30B5-AB2E-479D-A9D3-D3AAAE2C5ADD}" destId="{3D45623C-260D-4743-944D-FB4BA2CA5026}" srcOrd="0" destOrd="0" presId="urn:microsoft.com/office/officeart/2005/8/layout/list1"/>
+    <dgm:cxn modelId="{487746F1-3DFF-4836-B110-152611B2FDC1}" srcId="{0DBE68F0-E79A-41D7-9D88-F55A953C3185}" destId="{E99D0F6F-10FE-4101-BC75-69AD30B076CB}" srcOrd="0" destOrd="0" parTransId="{2A6727FA-A17D-4ADC-8A60-5FB39ACCF240}" sibTransId="{59C26EAF-6918-45AB-846B-409F8843F7CF}"/>
+    <dgm:cxn modelId="{4C7172C4-5591-49E1-B705-618AA7D9C443}" srcId="{A4BC30B5-AB2E-479D-A9D3-D3AAAE2C5ADD}" destId="{F05CFBF9-CC62-4D83-BAD2-6EFEB1B24ED2}" srcOrd="2" destOrd="0" parTransId="{32CE1C97-61AB-4A00-B6BA-ADECE1E4E2D6}" sibTransId="{B41884B0-548A-4A1A-BBF6-BF06B25595C1}"/>
+    <dgm:cxn modelId="{4C0D34FD-4CF6-496E-87D2-173D84192946}" type="presOf" srcId="{E99D0F6F-10FE-4101-BC75-69AD30B076CB}" destId="{E47E4FE4-3D19-4889-B8D1-827F091B0FE0}" srcOrd="0" destOrd="0" presId="urn:microsoft.com/office/officeart/2005/8/layout/list1"/>
+    <dgm:cxn modelId="{7E321DDC-B1F1-4742-B8CB-0AE393151BC8}" srcId="{0DBE68F0-E79A-41D7-9D88-F55A953C3185}" destId="{B7CBFFF5-014D-4CF7-BA58-4F00E58B034C}" srcOrd="1" destOrd="0" parTransId="{A9717DD2-1ACC-438E-9358-1B6CC68E50BA}" sibTransId="{546779E9-B03A-4F65-9785-555FC3729109}"/>
+    <dgm:cxn modelId="{8EED9715-2F2F-4F0D-8A80-EDE35D038F2C}" type="presOf" srcId="{8220FD00-F440-4377-B775-AD5EF1EF920F}" destId="{87A17971-98CC-4444-88D2-FE80BEFAF312}" srcOrd="0" destOrd="1" presId="urn:microsoft.com/office/officeart/2005/8/layout/list1"/>
     <dgm:cxn modelId="{3DE7470D-59C2-4AB3-A0B7-B4B4C337EB22}" type="presOf" srcId="{CEE9E630-BC95-430C-8EC0-E4324FC385F1}" destId="{E47E4FE4-3D19-4889-B8D1-827F091B0FE0}" srcOrd="0" destOrd="3" presId="urn:microsoft.com/office/officeart/2005/8/layout/list1"/>
-    <dgm:cxn modelId="{428FF511-2AD4-4F41-B288-961B5ED2F2A7}" type="presOf" srcId="{8916ACF3-2CA2-4A98-8FD0-B38F46633D75}" destId="{657BED9F-76CB-4AFC-8593-B7813B00CEC1}" srcOrd="0" destOrd="2" presId="urn:microsoft.com/office/officeart/2005/8/layout/list1"/>
-    <dgm:cxn modelId="{AAA64E13-2212-42B3-AB6D-0D6EBFD95A63}" type="presOf" srcId="{F05CFBF9-CC62-4D83-BAD2-6EFEB1B24ED2}" destId="{87A17971-98CC-4444-88D2-FE80BEFAF312}" srcOrd="0" destOrd="2" presId="urn:microsoft.com/office/officeart/2005/8/layout/list1"/>
-    <dgm:cxn modelId="{8EED9715-2F2F-4F0D-8A80-EDE35D038F2C}" type="presOf" srcId="{8220FD00-F440-4377-B775-AD5EF1EF920F}" destId="{87A17971-98CC-4444-88D2-FE80BEFAF312}" srcOrd="0" destOrd="1" presId="urn:microsoft.com/office/officeart/2005/8/layout/list1"/>
-    <dgm:cxn modelId="{E93EFB1B-BD4F-4FD1-80B1-538CDAE5BD12}" srcId="{A4BC30B5-AB2E-479D-A9D3-D3AAAE2C5ADD}" destId="{8220FD00-F440-4377-B775-AD5EF1EF920F}" srcOrd="1" destOrd="0" parTransId="{201141BB-EFDD-44D4-8582-E4D5046728EE}" sibTransId="{83D72169-D576-4FC6-BC6A-63D0361E29D0}"/>
-    <dgm:cxn modelId="{0606572B-EDAA-4BE7-A4B7-EFEB73B861C7}" type="presOf" srcId="{B0549414-53A3-4D70-8A56-97E533233F3F}" destId="{657BED9F-76CB-4AFC-8593-B7813B00CEC1}" srcOrd="0" destOrd="0" presId="urn:microsoft.com/office/officeart/2005/8/layout/list1"/>
-    <dgm:cxn modelId="{7DC4BB2C-79BC-403C-BC4A-C3A745561B87}" srcId="{645C5C31-082C-4CEB-9EB5-58AC7AB1A67F}" destId="{A4BC30B5-AB2E-479D-A9D3-D3AAAE2C5ADD}" srcOrd="0" destOrd="0" parTransId="{70A7E2F8-1CC3-4C17-83C6-1B960055188A}" sibTransId="{57C8C671-3092-477C-A770-DB83DF935346}"/>
+    <dgm:cxn modelId="{987BFBF7-1AD2-4F2E-B270-DC78C93885FD}" type="presOf" srcId="{1D12D819-E443-4B4C-807C-70F6AE01AFD3}" destId="{87A17971-98CC-4444-88D2-FE80BEFAF312}" srcOrd="0" destOrd="0" presId="urn:microsoft.com/office/officeart/2005/8/layout/list1"/>
+    <dgm:cxn modelId="{67082165-75C1-4D45-9503-397863F5478A}" type="presOf" srcId="{A4BC30B5-AB2E-479D-A9D3-D3AAAE2C5ADD}" destId="{686C560D-46BE-4C58-B1B0-F28C1DDBB264}" srcOrd="1" destOrd="0" presId="urn:microsoft.com/office/officeart/2005/8/layout/list1"/>
     <dgm:cxn modelId="{111BF338-F339-4C0F-9AC3-390C1B14657F}" type="presOf" srcId="{B7CBFFF5-014D-4CF7-BA58-4F00E58B034C}" destId="{E47E4FE4-3D19-4889-B8D1-827F091B0FE0}" srcOrd="0" destOrd="1" presId="urn:microsoft.com/office/officeart/2005/8/layout/list1"/>
-    <dgm:cxn modelId="{BF3DDF60-FEC1-4C07-BFC3-C42A26254434}" srcId="{0DBE68F0-E79A-41D7-9D88-F55A953C3185}" destId="{2A1C540F-DBAB-449D-BB0C-0E01B8F0FE92}" srcOrd="2" destOrd="0" parTransId="{A4EC2E66-C518-43B8-88EB-EFDD47361EFD}" sibTransId="{6B8FEE4A-1F83-465E-9B4A-11CC342CFD56}"/>
-    <dgm:cxn modelId="{6568B764-DCFC-4CFD-A967-A74519AB4CD7}" srcId="{0DBE68F0-E79A-41D7-9D88-F55A953C3185}" destId="{CEE9E630-BC95-430C-8EC0-E4324FC385F1}" srcOrd="3" destOrd="0" parTransId="{0C89B383-8D42-4C89-BAA9-DE37A639607E}" sibTransId="{C188FF16-9A20-47A9-B32A-7D2FAC9EBD36}"/>
-    <dgm:cxn modelId="{67082165-75C1-4D45-9503-397863F5478A}" type="presOf" srcId="{A4BC30B5-AB2E-479D-A9D3-D3AAAE2C5ADD}" destId="{686C560D-46BE-4C58-B1B0-F28C1DDBB264}" srcOrd="1" destOrd="0" presId="urn:microsoft.com/office/officeart/2005/8/layout/list1"/>
-    <dgm:cxn modelId="{50D4BA66-3CD5-43D8-B36E-424B6B19E991}" srcId="{287E08E6-10BC-4C2B-833E-D58CBC2AE39F}" destId="{B0549414-53A3-4D70-8A56-97E533233F3F}" srcOrd="0" destOrd="0" parTransId="{222749BE-F0F1-4D5C-8913-F6B896D3467D}" sibTransId="{F9D12FB2-4347-4717-AF3D-1B3F5796DC44}"/>
-    <dgm:cxn modelId="{53F8626A-900F-469E-AE99-1B68BF64AC4D}" type="presOf" srcId="{287E08E6-10BC-4C2B-833E-D58CBC2AE39F}" destId="{79F5AC99-53B0-4C44-9BA2-7F3F3F9A32A8}" srcOrd="0" destOrd="0" presId="urn:microsoft.com/office/officeart/2005/8/layout/list1"/>
-    <dgm:cxn modelId="{2AF5B974-138B-4BF3-9A78-49D403B56968}" type="presOf" srcId="{3EE2E2E3-C0CC-4F39-9778-B41C01F46580}" destId="{657BED9F-76CB-4AFC-8593-B7813B00CEC1}" srcOrd="0" destOrd="1" presId="urn:microsoft.com/office/officeart/2005/8/layout/list1"/>
-    <dgm:cxn modelId="{21B8AD7E-D0F0-4CA6-9D3B-9C26AA01C4DD}" type="presOf" srcId="{2A1C540F-DBAB-449D-BB0C-0E01B8F0FE92}" destId="{E47E4FE4-3D19-4889-B8D1-827F091B0FE0}" srcOrd="0" destOrd="2" presId="urn:microsoft.com/office/officeart/2005/8/layout/list1"/>
-    <dgm:cxn modelId="{525F5D82-B964-4DDE-A199-986F509DC165}" srcId="{287E08E6-10BC-4C2B-833E-D58CBC2AE39F}" destId="{3EE2E2E3-C0CC-4F39-9778-B41C01F46580}" srcOrd="1" destOrd="0" parTransId="{4877CC26-EC95-4F61-9065-89D8290E57AC}" sibTransId="{25332743-AB82-48A8-92EB-D45FFAF39B12}"/>
-    <dgm:cxn modelId="{F204618A-466C-468D-B61D-4C24D03BB228}" type="presOf" srcId="{0DBE68F0-E79A-41D7-9D88-F55A953C3185}" destId="{366908CB-19F7-4A15-A7DC-58DCBB837E27}" srcOrd="0" destOrd="0" presId="urn:microsoft.com/office/officeart/2005/8/layout/list1"/>
-    <dgm:cxn modelId="{67EDC39A-1A65-4E7A-9C29-B9F6B09C0220}" srcId="{645C5C31-082C-4CEB-9EB5-58AC7AB1A67F}" destId="{287E08E6-10BC-4C2B-833E-D58CBC2AE39F}" srcOrd="1" destOrd="0" parTransId="{D4D7A146-3B29-42DF-87F4-613CD503BEC8}" sibTransId="{DBC31C62-0427-4F4E-A849-8EBB73A8F245}"/>
-    <dgm:cxn modelId="{166DA5BD-CDB5-47D3-AEFA-C278E1237D3F}" type="presOf" srcId="{0DBE68F0-E79A-41D7-9D88-F55A953C3185}" destId="{1A1DCB90-3AA2-445D-BF4C-C4BFBEE4AF9C}" srcOrd="1" destOrd="0" presId="urn:microsoft.com/office/officeart/2005/8/layout/list1"/>
-    <dgm:cxn modelId="{4C7172C4-5591-49E1-B705-618AA7D9C443}" srcId="{A4BC30B5-AB2E-479D-A9D3-D3AAAE2C5ADD}" destId="{F05CFBF9-CC62-4D83-BAD2-6EFEB1B24ED2}" srcOrd="2" destOrd="0" parTransId="{32CE1C97-61AB-4A00-B6BA-ADECE1E4E2D6}" sibTransId="{B41884B0-548A-4A1A-BBF6-BF06B25595C1}"/>
-    <dgm:cxn modelId="{41B9FCC7-3F57-4845-B4E0-8D615C2AEBFC}" srcId="{A4BC30B5-AB2E-479D-A9D3-D3AAAE2C5ADD}" destId="{1D12D819-E443-4B4C-807C-70F6AE01AFD3}" srcOrd="0" destOrd="0" parTransId="{23875108-FF22-45F9-BA09-926463B3D12B}" sibTransId="{8594B8FC-4ABD-44EB-9B11-7E2D976C1F14}"/>
-    <dgm:cxn modelId="{41E52ECB-BEB3-4CB8-965C-AF3A3D038E8B}" type="presOf" srcId="{645C5C31-082C-4CEB-9EB5-58AC7AB1A67F}" destId="{750BEEDC-3203-4DE0-97EC-7C7D52A2A8D9}" srcOrd="0" destOrd="0" presId="urn:microsoft.com/office/officeart/2005/8/layout/list1"/>
-    <dgm:cxn modelId="{8FFA6BD2-36E1-4D03-8D25-B2F26C5CEC2B}" srcId="{645C5C31-082C-4CEB-9EB5-58AC7AB1A67F}" destId="{0DBE68F0-E79A-41D7-9D88-F55A953C3185}" srcOrd="2" destOrd="0" parTransId="{42FC2F57-4922-41FC-B1FC-C5B739630F3B}" sibTransId="{E5703E3E-4CF2-4CC3-BBA5-0298D5DDB096}"/>
-    <dgm:cxn modelId="{A64721D4-963E-4EC2-A1D2-09619D17E15C}" type="presOf" srcId="{A4BC30B5-AB2E-479D-A9D3-D3AAAE2C5ADD}" destId="{3D45623C-260D-4743-944D-FB4BA2CA5026}" srcOrd="0" destOrd="0" presId="urn:microsoft.com/office/officeart/2005/8/layout/list1"/>
-    <dgm:cxn modelId="{24CB7EDA-4F6B-4BA7-B671-6B46634E68C9}" srcId="{287E08E6-10BC-4C2B-833E-D58CBC2AE39F}" destId="{8916ACF3-2CA2-4A98-8FD0-B38F46633D75}" srcOrd="2" destOrd="0" parTransId="{6E811762-A209-44EB-830B-64B9BFD68BFF}" sibTransId="{49E10489-1F53-4A7B-9617-346DC019BB68}"/>
-    <dgm:cxn modelId="{7E321DDC-B1F1-4742-B8CB-0AE393151BC8}" srcId="{0DBE68F0-E79A-41D7-9D88-F55A953C3185}" destId="{B7CBFFF5-014D-4CF7-BA58-4F00E58B034C}" srcOrd="1" destOrd="0" parTransId="{A9717DD2-1ACC-438E-9358-1B6CC68E50BA}" sibTransId="{546779E9-B03A-4F65-9785-555FC3729109}"/>
-    <dgm:cxn modelId="{6473E8DD-7F47-4A0F-B618-2CE72CA52131}" type="presOf" srcId="{287E08E6-10BC-4C2B-833E-D58CBC2AE39F}" destId="{4FF9174A-CD4F-4FA6-89B1-F7A06E2BB4BB}" srcOrd="1" destOrd="0" presId="urn:microsoft.com/office/officeart/2005/8/layout/list1"/>
-    <dgm:cxn modelId="{487746F1-3DFF-4836-B110-152611B2FDC1}" srcId="{0DBE68F0-E79A-41D7-9D88-F55A953C3185}" destId="{E99D0F6F-10FE-4101-BC75-69AD30B076CB}" srcOrd="0" destOrd="0" parTransId="{2A6727FA-A17D-4ADC-8A60-5FB39ACCF240}" sibTransId="{59C26EAF-6918-45AB-846B-409F8843F7CF}"/>
-    <dgm:cxn modelId="{987BFBF7-1AD2-4F2E-B270-DC78C93885FD}" type="presOf" srcId="{1D12D819-E443-4B4C-807C-70F6AE01AFD3}" destId="{87A17971-98CC-4444-88D2-FE80BEFAF312}" srcOrd="0" destOrd="0" presId="urn:microsoft.com/office/officeart/2005/8/layout/list1"/>
-    <dgm:cxn modelId="{4C0D34FD-4CF6-496E-87D2-173D84192946}" type="presOf" srcId="{E99D0F6F-10FE-4101-BC75-69AD30B076CB}" destId="{E47E4FE4-3D19-4889-B8D1-827F091B0FE0}" srcOrd="0" destOrd="0" presId="urn:microsoft.com/office/officeart/2005/8/layout/list1"/>
     <dgm:cxn modelId="{8D7F0E40-01D5-4513-8E57-58E84D08A871}" type="presParOf" srcId="{750BEEDC-3203-4DE0-97EC-7C7D52A2A8D9}" destId="{7FFB0513-FA71-4725-AC10-8CEFD90C043E}" srcOrd="0" destOrd="0" presId="urn:microsoft.com/office/officeart/2005/8/layout/list1"/>
     <dgm:cxn modelId="{F8836B2C-2FC4-46FD-B884-E54B960F6AB0}" type="presParOf" srcId="{7FFB0513-FA71-4725-AC10-8CEFD90C043E}" destId="{3D45623C-260D-4743-944D-FB4BA2CA5026}" srcOrd="0" destOrd="0" presId="urn:microsoft.com/office/officeart/2005/8/layout/list1"/>
     <dgm:cxn modelId="{41D2963E-C520-45A5-9FCB-21FB8C3F6B76}" type="presParOf" srcId="{7FFB0513-FA71-4725-AC10-8CEFD90C043E}" destId="{686C560D-46BE-4C58-B1B0-F28C1DDBB264}" srcOrd="1" destOrd="0" presId="urn:microsoft.com/office/officeart/2005/8/layout/list1"/>
@@ -4471,6 +4541,13 @@
         </dgm:presLayoutVars>
       </dgm:prSet>
       <dgm:spPr/>
+      <dgm:t>
+        <a:bodyPr/>
+        <a:lstStyle/>
+        <a:p>
+          <a:endParaRPr lang="fr-FR"/>
+        </a:p>
+      </dgm:t>
     </dgm:pt>
     <dgm:pt modelId="{7FFB0513-FA71-4725-AC10-8CEFD90C043E}" type="pres">
       <dgm:prSet presAssocID="{A4BC30B5-AB2E-479D-A9D3-D3AAAE2C5ADD}" presName="parentLin" presStyleCnt="0"/>
@@ -4479,6 +4556,13 @@
     <dgm:pt modelId="{3D45623C-260D-4743-944D-FB4BA2CA5026}" type="pres">
       <dgm:prSet presAssocID="{A4BC30B5-AB2E-479D-A9D3-D3AAAE2C5ADD}" presName="parentLeftMargin" presStyleLbl="node1" presStyleIdx="0" presStyleCnt="3"/>
       <dgm:spPr/>
+      <dgm:t>
+        <a:bodyPr/>
+        <a:lstStyle/>
+        <a:p>
+          <a:endParaRPr lang="fr-FR"/>
+        </a:p>
+      </dgm:t>
     </dgm:pt>
     <dgm:pt modelId="{686C560D-46BE-4C58-B1B0-F28C1DDBB264}" type="pres">
       <dgm:prSet presAssocID="{A4BC30B5-AB2E-479D-A9D3-D3AAAE2C5ADD}" presName="parentText" presStyleLbl="node1" presStyleIdx="0" presStyleCnt="3">
@@ -4488,6 +4572,13 @@
         </dgm:presLayoutVars>
       </dgm:prSet>
       <dgm:spPr/>
+      <dgm:t>
+        <a:bodyPr/>
+        <a:lstStyle/>
+        <a:p>
+          <a:endParaRPr lang="fr-FR"/>
+        </a:p>
+      </dgm:t>
     </dgm:pt>
     <dgm:pt modelId="{955FBD61-D450-4B37-9D93-D22B894AFBD4}" type="pres">
       <dgm:prSet presAssocID="{A4BC30B5-AB2E-479D-A9D3-D3AAAE2C5ADD}" presName="negativeSpace" presStyleCnt="0"/>
@@ -4500,6 +4591,13 @@
         </dgm:presLayoutVars>
       </dgm:prSet>
       <dgm:spPr/>
+      <dgm:t>
+        <a:bodyPr/>
+        <a:lstStyle/>
+        <a:p>
+          <a:endParaRPr lang="fr-FR"/>
+        </a:p>
+      </dgm:t>
     </dgm:pt>
     <dgm:pt modelId="{8126054C-A6B5-403C-BE30-3CDD12D64FCA}" type="pres">
       <dgm:prSet presAssocID="{57C8C671-3092-477C-A770-DB83DF935346}" presName="spaceBetweenRectangles" presStyleCnt="0"/>
@@ -4512,6 +4610,13 @@
     <dgm:pt modelId="{79F5AC99-53B0-4C44-9BA2-7F3F3F9A32A8}" type="pres">
       <dgm:prSet presAssocID="{287E08E6-10BC-4C2B-833E-D58CBC2AE39F}" presName="parentLeftMargin" presStyleLbl="node1" presStyleIdx="0" presStyleCnt="3"/>
       <dgm:spPr/>
+      <dgm:t>
+        <a:bodyPr/>
+        <a:lstStyle/>
+        <a:p>
+          <a:endParaRPr lang="fr-FR"/>
+        </a:p>
+      </dgm:t>
     </dgm:pt>
     <dgm:pt modelId="{4FF9174A-CD4F-4FA6-89B1-F7A06E2BB4BB}" type="pres">
       <dgm:prSet presAssocID="{287E08E6-10BC-4C2B-833E-D58CBC2AE39F}" presName="parentText" presStyleLbl="node1" presStyleIdx="1" presStyleCnt="3">
@@ -4521,6 +4626,13 @@
         </dgm:presLayoutVars>
       </dgm:prSet>
       <dgm:spPr/>
+      <dgm:t>
+        <a:bodyPr/>
+        <a:lstStyle/>
+        <a:p>
+          <a:endParaRPr lang="fr-FR"/>
+        </a:p>
+      </dgm:t>
     </dgm:pt>
     <dgm:pt modelId="{8B159B17-90BB-410B-9643-6211D6290725}" type="pres">
       <dgm:prSet presAssocID="{287E08E6-10BC-4C2B-833E-D58CBC2AE39F}" presName="negativeSpace" presStyleCnt="0"/>
@@ -4533,6 +4645,13 @@
         </dgm:presLayoutVars>
       </dgm:prSet>
       <dgm:spPr/>
+      <dgm:t>
+        <a:bodyPr/>
+        <a:lstStyle/>
+        <a:p>
+          <a:endParaRPr lang="fr-FR"/>
+        </a:p>
+      </dgm:t>
     </dgm:pt>
     <dgm:pt modelId="{897808B2-85FE-46AB-A6FC-FF5F5E622806}" type="pres">
       <dgm:prSet presAssocID="{DBC31C62-0427-4F4E-A849-8EBB73A8F245}" presName="spaceBetweenRectangles" presStyleCnt="0"/>
@@ -4545,6 +4664,13 @@
     <dgm:pt modelId="{366908CB-19F7-4A15-A7DC-58DCBB837E27}" type="pres">
       <dgm:prSet presAssocID="{0DBE68F0-E79A-41D7-9D88-F55A953C3185}" presName="parentLeftMargin" presStyleLbl="node1" presStyleIdx="1" presStyleCnt="3"/>
       <dgm:spPr/>
+      <dgm:t>
+        <a:bodyPr/>
+        <a:lstStyle/>
+        <a:p>
+          <a:endParaRPr lang="fr-FR"/>
+        </a:p>
+      </dgm:t>
     </dgm:pt>
     <dgm:pt modelId="{1A1DCB90-3AA2-445D-BF4C-C4BFBEE4AF9C}" type="pres">
       <dgm:prSet presAssocID="{0DBE68F0-E79A-41D7-9D88-F55A953C3185}" presName="parentText" presStyleLbl="node1" presStyleIdx="2" presStyleCnt="3">
@@ -4554,6 +4680,13 @@
         </dgm:presLayoutVars>
       </dgm:prSet>
       <dgm:spPr/>
+      <dgm:t>
+        <a:bodyPr/>
+        <a:lstStyle/>
+        <a:p>
+          <a:endParaRPr lang="fr-FR"/>
+        </a:p>
+      </dgm:t>
     </dgm:pt>
     <dgm:pt modelId="{AD4A149F-267D-49E8-B11B-CA6CE54DA11F}" type="pres">
       <dgm:prSet presAssocID="{0DBE68F0-E79A-41D7-9D88-F55A953C3185}" presName="negativeSpace" presStyleCnt="0"/>
@@ -4566,39 +4699,46 @@
         </dgm:presLayoutVars>
       </dgm:prSet>
       <dgm:spPr/>
+      <dgm:t>
+        <a:bodyPr/>
+        <a:lstStyle/>
+        <a:p>
+          <a:endParaRPr lang="fr-FR"/>
+        </a:p>
+      </dgm:t>
     </dgm:pt>
   </dgm:ptLst>
   <dgm:cxnLst>
+    <dgm:cxn modelId="{BF3DDF60-FEC1-4C07-BFC3-C42A26254434}" srcId="{0DBE68F0-E79A-41D7-9D88-F55A953C3185}" destId="{2A1C540F-DBAB-449D-BB0C-0E01B8F0FE92}" srcOrd="2" destOrd="0" parTransId="{A4EC2E66-C518-43B8-88EB-EFDD47361EFD}" sibTransId="{6B8FEE4A-1F83-465E-9B4A-11CC342CFD56}"/>
+    <dgm:cxn modelId="{53F8626A-900F-469E-AE99-1B68BF64AC4D}" type="presOf" srcId="{287E08E6-10BC-4C2B-833E-D58CBC2AE39F}" destId="{79F5AC99-53B0-4C44-9BA2-7F3F3F9A32A8}" srcOrd="0" destOrd="0" presId="urn:microsoft.com/office/officeart/2005/8/layout/list1"/>
+    <dgm:cxn modelId="{8FFA6BD2-36E1-4D03-8D25-B2F26C5CEC2B}" srcId="{645C5C31-082C-4CEB-9EB5-58AC7AB1A67F}" destId="{0DBE68F0-E79A-41D7-9D88-F55A953C3185}" srcOrd="2" destOrd="0" parTransId="{42FC2F57-4922-41FC-B1FC-C5B739630F3B}" sibTransId="{E5703E3E-4CF2-4CC3-BBA5-0298D5DDB096}"/>
+    <dgm:cxn modelId="{6568B764-DCFC-4CFD-A967-A74519AB4CD7}" srcId="{0DBE68F0-E79A-41D7-9D88-F55A953C3185}" destId="{CEE9E630-BC95-430C-8EC0-E4324FC385F1}" srcOrd="3" destOrd="0" parTransId="{0C89B383-8D42-4C89-BAA9-DE37A639607E}" sibTransId="{C188FF16-9A20-47A9-B32A-7D2FAC9EBD36}"/>
+    <dgm:cxn modelId="{525F5D82-B964-4DDE-A199-986F509DC165}" srcId="{287E08E6-10BC-4C2B-833E-D58CBC2AE39F}" destId="{3EE2E2E3-C0CC-4F39-9778-B41C01F46580}" srcOrd="1" destOrd="0" parTransId="{4877CC26-EC95-4F61-9065-89D8290E57AC}" sibTransId="{25332743-AB82-48A8-92EB-D45FFAF39B12}"/>
+    <dgm:cxn modelId="{6473E8DD-7F47-4A0F-B618-2CE72CA52131}" type="presOf" srcId="{287E08E6-10BC-4C2B-833E-D58CBC2AE39F}" destId="{4FF9174A-CD4F-4FA6-89B1-F7A06E2BB4BB}" srcOrd="1" destOrd="0" presId="urn:microsoft.com/office/officeart/2005/8/layout/list1"/>
+    <dgm:cxn modelId="{166DA5BD-CDB5-47D3-AEFA-C278E1237D3F}" type="presOf" srcId="{0DBE68F0-E79A-41D7-9D88-F55A953C3185}" destId="{1A1DCB90-3AA2-445D-BF4C-C4BFBEE4AF9C}" srcOrd="1" destOrd="0" presId="urn:microsoft.com/office/officeart/2005/8/layout/list1"/>
+    <dgm:cxn modelId="{7DC4BB2C-79BC-403C-BC4A-C3A745561B87}" srcId="{645C5C31-082C-4CEB-9EB5-58AC7AB1A67F}" destId="{A4BC30B5-AB2E-479D-A9D3-D3AAAE2C5ADD}" srcOrd="0" destOrd="0" parTransId="{70A7E2F8-1CC3-4C17-83C6-1B960055188A}" sibTransId="{57C8C671-3092-477C-A770-DB83DF935346}"/>
+    <dgm:cxn modelId="{21B8AD7E-D0F0-4CA6-9D3B-9C26AA01C4DD}" type="presOf" srcId="{2A1C540F-DBAB-449D-BB0C-0E01B8F0FE92}" destId="{E47E4FE4-3D19-4889-B8D1-827F091B0FE0}" srcOrd="0" destOrd="2" presId="urn:microsoft.com/office/officeart/2005/8/layout/list1"/>
+    <dgm:cxn modelId="{41B9FCC7-3F57-4845-B4E0-8D615C2AEBFC}" srcId="{A4BC30B5-AB2E-479D-A9D3-D3AAAE2C5ADD}" destId="{1D12D819-E443-4B4C-807C-70F6AE01AFD3}" srcOrd="0" destOrd="0" parTransId="{23875108-FF22-45F9-BA09-926463B3D12B}" sibTransId="{8594B8FC-4ABD-44EB-9B11-7E2D976C1F14}"/>
+    <dgm:cxn modelId="{2AF5B974-138B-4BF3-9A78-49D403B56968}" type="presOf" srcId="{3EE2E2E3-C0CC-4F39-9778-B41C01F46580}" destId="{657BED9F-76CB-4AFC-8593-B7813B00CEC1}" srcOrd="0" destOrd="1" presId="urn:microsoft.com/office/officeart/2005/8/layout/list1"/>
+    <dgm:cxn modelId="{E93EFB1B-BD4F-4FD1-80B1-538CDAE5BD12}" srcId="{A4BC30B5-AB2E-479D-A9D3-D3AAAE2C5ADD}" destId="{8220FD00-F440-4377-B775-AD5EF1EF920F}" srcOrd="1" destOrd="0" parTransId="{201141BB-EFDD-44D4-8582-E4D5046728EE}" sibTransId="{83D72169-D576-4FC6-BC6A-63D0361E29D0}"/>
+    <dgm:cxn modelId="{24CB7EDA-4F6B-4BA7-B671-6B46634E68C9}" srcId="{287E08E6-10BC-4C2B-833E-D58CBC2AE39F}" destId="{8916ACF3-2CA2-4A98-8FD0-B38F46633D75}" srcOrd="2" destOrd="0" parTransId="{6E811762-A209-44EB-830B-64B9BFD68BFF}" sibTransId="{49E10489-1F53-4A7B-9617-346DC019BB68}"/>
+    <dgm:cxn modelId="{50D4BA66-3CD5-43D8-B36E-424B6B19E991}" srcId="{287E08E6-10BC-4C2B-833E-D58CBC2AE39F}" destId="{B0549414-53A3-4D70-8A56-97E533233F3F}" srcOrd="0" destOrd="0" parTransId="{222749BE-F0F1-4D5C-8913-F6B896D3467D}" sibTransId="{F9D12FB2-4347-4717-AF3D-1B3F5796DC44}"/>
+    <dgm:cxn modelId="{AAA64E13-2212-42B3-AB6D-0D6EBFD95A63}" type="presOf" srcId="{F05CFBF9-CC62-4D83-BAD2-6EFEB1B24ED2}" destId="{87A17971-98CC-4444-88D2-FE80BEFAF312}" srcOrd="0" destOrd="2" presId="urn:microsoft.com/office/officeart/2005/8/layout/list1"/>
+    <dgm:cxn modelId="{67EDC39A-1A65-4E7A-9C29-B9F6B09C0220}" srcId="{645C5C31-082C-4CEB-9EB5-58AC7AB1A67F}" destId="{287E08E6-10BC-4C2B-833E-D58CBC2AE39F}" srcOrd="1" destOrd="0" parTransId="{D4D7A146-3B29-42DF-87F4-613CD503BEC8}" sibTransId="{DBC31C62-0427-4F4E-A849-8EBB73A8F245}"/>
+    <dgm:cxn modelId="{0606572B-EDAA-4BE7-A4B7-EFEB73B861C7}" type="presOf" srcId="{B0549414-53A3-4D70-8A56-97E533233F3F}" destId="{657BED9F-76CB-4AFC-8593-B7813B00CEC1}" srcOrd="0" destOrd="0" presId="urn:microsoft.com/office/officeart/2005/8/layout/list1"/>
+    <dgm:cxn modelId="{41E52ECB-BEB3-4CB8-965C-AF3A3D038E8B}" type="presOf" srcId="{645C5C31-082C-4CEB-9EB5-58AC7AB1A67F}" destId="{750BEEDC-3203-4DE0-97EC-7C7D52A2A8D9}" srcOrd="0" destOrd="0" presId="urn:microsoft.com/office/officeart/2005/8/layout/list1"/>
+    <dgm:cxn modelId="{F204618A-466C-468D-B61D-4C24D03BB228}" type="presOf" srcId="{0DBE68F0-E79A-41D7-9D88-F55A953C3185}" destId="{366908CB-19F7-4A15-A7DC-58DCBB837E27}" srcOrd="0" destOrd="0" presId="urn:microsoft.com/office/officeart/2005/8/layout/list1"/>
+    <dgm:cxn modelId="{428FF511-2AD4-4F41-B288-961B5ED2F2A7}" type="presOf" srcId="{8916ACF3-2CA2-4A98-8FD0-B38F46633D75}" destId="{657BED9F-76CB-4AFC-8593-B7813B00CEC1}" srcOrd="0" destOrd="2" presId="urn:microsoft.com/office/officeart/2005/8/layout/list1"/>
+    <dgm:cxn modelId="{A64721D4-963E-4EC2-A1D2-09619D17E15C}" type="presOf" srcId="{A4BC30B5-AB2E-479D-A9D3-D3AAAE2C5ADD}" destId="{3D45623C-260D-4743-944D-FB4BA2CA5026}" srcOrd="0" destOrd="0" presId="urn:microsoft.com/office/officeart/2005/8/layout/list1"/>
+    <dgm:cxn modelId="{487746F1-3DFF-4836-B110-152611B2FDC1}" srcId="{0DBE68F0-E79A-41D7-9D88-F55A953C3185}" destId="{E99D0F6F-10FE-4101-BC75-69AD30B076CB}" srcOrd="0" destOrd="0" parTransId="{2A6727FA-A17D-4ADC-8A60-5FB39ACCF240}" sibTransId="{59C26EAF-6918-45AB-846B-409F8843F7CF}"/>
+    <dgm:cxn modelId="{4C7172C4-5591-49E1-B705-618AA7D9C443}" srcId="{A4BC30B5-AB2E-479D-A9D3-D3AAAE2C5ADD}" destId="{F05CFBF9-CC62-4D83-BAD2-6EFEB1B24ED2}" srcOrd="2" destOrd="0" parTransId="{32CE1C97-61AB-4A00-B6BA-ADECE1E4E2D6}" sibTransId="{B41884B0-548A-4A1A-BBF6-BF06B25595C1}"/>
+    <dgm:cxn modelId="{4C0D34FD-4CF6-496E-87D2-173D84192946}" type="presOf" srcId="{E99D0F6F-10FE-4101-BC75-69AD30B076CB}" destId="{E47E4FE4-3D19-4889-B8D1-827F091B0FE0}" srcOrd="0" destOrd="0" presId="urn:microsoft.com/office/officeart/2005/8/layout/list1"/>
+    <dgm:cxn modelId="{7E321DDC-B1F1-4742-B8CB-0AE393151BC8}" srcId="{0DBE68F0-E79A-41D7-9D88-F55A953C3185}" destId="{B7CBFFF5-014D-4CF7-BA58-4F00E58B034C}" srcOrd="1" destOrd="0" parTransId="{A9717DD2-1ACC-438E-9358-1B6CC68E50BA}" sibTransId="{546779E9-B03A-4F65-9785-555FC3729109}"/>
+    <dgm:cxn modelId="{8EED9715-2F2F-4F0D-8A80-EDE35D038F2C}" type="presOf" srcId="{8220FD00-F440-4377-B775-AD5EF1EF920F}" destId="{87A17971-98CC-4444-88D2-FE80BEFAF312}" srcOrd="0" destOrd="1" presId="urn:microsoft.com/office/officeart/2005/8/layout/list1"/>
     <dgm:cxn modelId="{3DE7470D-59C2-4AB3-A0B7-B4B4C337EB22}" type="presOf" srcId="{CEE9E630-BC95-430C-8EC0-E4324FC385F1}" destId="{E47E4FE4-3D19-4889-B8D1-827F091B0FE0}" srcOrd="0" destOrd="3" presId="urn:microsoft.com/office/officeart/2005/8/layout/list1"/>
-    <dgm:cxn modelId="{428FF511-2AD4-4F41-B288-961B5ED2F2A7}" type="presOf" srcId="{8916ACF3-2CA2-4A98-8FD0-B38F46633D75}" destId="{657BED9F-76CB-4AFC-8593-B7813B00CEC1}" srcOrd="0" destOrd="2" presId="urn:microsoft.com/office/officeart/2005/8/layout/list1"/>
-    <dgm:cxn modelId="{AAA64E13-2212-42B3-AB6D-0D6EBFD95A63}" type="presOf" srcId="{F05CFBF9-CC62-4D83-BAD2-6EFEB1B24ED2}" destId="{87A17971-98CC-4444-88D2-FE80BEFAF312}" srcOrd="0" destOrd="2" presId="urn:microsoft.com/office/officeart/2005/8/layout/list1"/>
-    <dgm:cxn modelId="{8EED9715-2F2F-4F0D-8A80-EDE35D038F2C}" type="presOf" srcId="{8220FD00-F440-4377-B775-AD5EF1EF920F}" destId="{87A17971-98CC-4444-88D2-FE80BEFAF312}" srcOrd="0" destOrd="1" presId="urn:microsoft.com/office/officeart/2005/8/layout/list1"/>
-    <dgm:cxn modelId="{E93EFB1B-BD4F-4FD1-80B1-538CDAE5BD12}" srcId="{A4BC30B5-AB2E-479D-A9D3-D3AAAE2C5ADD}" destId="{8220FD00-F440-4377-B775-AD5EF1EF920F}" srcOrd="1" destOrd="0" parTransId="{201141BB-EFDD-44D4-8582-E4D5046728EE}" sibTransId="{83D72169-D576-4FC6-BC6A-63D0361E29D0}"/>
-    <dgm:cxn modelId="{0606572B-EDAA-4BE7-A4B7-EFEB73B861C7}" type="presOf" srcId="{B0549414-53A3-4D70-8A56-97E533233F3F}" destId="{657BED9F-76CB-4AFC-8593-B7813B00CEC1}" srcOrd="0" destOrd="0" presId="urn:microsoft.com/office/officeart/2005/8/layout/list1"/>
-    <dgm:cxn modelId="{7DC4BB2C-79BC-403C-BC4A-C3A745561B87}" srcId="{645C5C31-082C-4CEB-9EB5-58AC7AB1A67F}" destId="{A4BC30B5-AB2E-479D-A9D3-D3AAAE2C5ADD}" srcOrd="0" destOrd="0" parTransId="{70A7E2F8-1CC3-4C17-83C6-1B960055188A}" sibTransId="{57C8C671-3092-477C-A770-DB83DF935346}"/>
+    <dgm:cxn modelId="{987BFBF7-1AD2-4F2E-B270-DC78C93885FD}" type="presOf" srcId="{1D12D819-E443-4B4C-807C-70F6AE01AFD3}" destId="{87A17971-98CC-4444-88D2-FE80BEFAF312}" srcOrd="0" destOrd="0" presId="urn:microsoft.com/office/officeart/2005/8/layout/list1"/>
+    <dgm:cxn modelId="{67082165-75C1-4D45-9503-397863F5478A}" type="presOf" srcId="{A4BC30B5-AB2E-479D-A9D3-D3AAAE2C5ADD}" destId="{686C560D-46BE-4C58-B1B0-F28C1DDBB264}" srcOrd="1" destOrd="0" presId="urn:microsoft.com/office/officeart/2005/8/layout/list1"/>
     <dgm:cxn modelId="{111BF338-F339-4C0F-9AC3-390C1B14657F}" type="presOf" srcId="{B7CBFFF5-014D-4CF7-BA58-4F00E58B034C}" destId="{E47E4FE4-3D19-4889-B8D1-827F091B0FE0}" srcOrd="0" destOrd="1" presId="urn:microsoft.com/office/officeart/2005/8/layout/list1"/>
-    <dgm:cxn modelId="{BF3DDF60-FEC1-4C07-BFC3-C42A26254434}" srcId="{0DBE68F0-E79A-41D7-9D88-F55A953C3185}" destId="{2A1C540F-DBAB-449D-BB0C-0E01B8F0FE92}" srcOrd="2" destOrd="0" parTransId="{A4EC2E66-C518-43B8-88EB-EFDD47361EFD}" sibTransId="{6B8FEE4A-1F83-465E-9B4A-11CC342CFD56}"/>
-    <dgm:cxn modelId="{6568B764-DCFC-4CFD-A967-A74519AB4CD7}" srcId="{0DBE68F0-E79A-41D7-9D88-F55A953C3185}" destId="{CEE9E630-BC95-430C-8EC0-E4324FC385F1}" srcOrd="3" destOrd="0" parTransId="{0C89B383-8D42-4C89-BAA9-DE37A639607E}" sibTransId="{C188FF16-9A20-47A9-B32A-7D2FAC9EBD36}"/>
-    <dgm:cxn modelId="{67082165-75C1-4D45-9503-397863F5478A}" type="presOf" srcId="{A4BC30B5-AB2E-479D-A9D3-D3AAAE2C5ADD}" destId="{686C560D-46BE-4C58-B1B0-F28C1DDBB264}" srcOrd="1" destOrd="0" presId="urn:microsoft.com/office/officeart/2005/8/layout/list1"/>
-    <dgm:cxn modelId="{50D4BA66-3CD5-43D8-B36E-424B6B19E991}" srcId="{287E08E6-10BC-4C2B-833E-D58CBC2AE39F}" destId="{B0549414-53A3-4D70-8A56-97E533233F3F}" srcOrd="0" destOrd="0" parTransId="{222749BE-F0F1-4D5C-8913-F6B896D3467D}" sibTransId="{F9D12FB2-4347-4717-AF3D-1B3F5796DC44}"/>
-    <dgm:cxn modelId="{53F8626A-900F-469E-AE99-1B68BF64AC4D}" type="presOf" srcId="{287E08E6-10BC-4C2B-833E-D58CBC2AE39F}" destId="{79F5AC99-53B0-4C44-9BA2-7F3F3F9A32A8}" srcOrd="0" destOrd="0" presId="urn:microsoft.com/office/officeart/2005/8/layout/list1"/>
-    <dgm:cxn modelId="{2AF5B974-138B-4BF3-9A78-49D403B56968}" type="presOf" srcId="{3EE2E2E3-C0CC-4F39-9778-B41C01F46580}" destId="{657BED9F-76CB-4AFC-8593-B7813B00CEC1}" srcOrd="0" destOrd="1" presId="urn:microsoft.com/office/officeart/2005/8/layout/list1"/>
-    <dgm:cxn modelId="{21B8AD7E-D0F0-4CA6-9D3B-9C26AA01C4DD}" type="presOf" srcId="{2A1C540F-DBAB-449D-BB0C-0E01B8F0FE92}" destId="{E47E4FE4-3D19-4889-B8D1-827F091B0FE0}" srcOrd="0" destOrd="2" presId="urn:microsoft.com/office/officeart/2005/8/layout/list1"/>
-    <dgm:cxn modelId="{525F5D82-B964-4DDE-A199-986F509DC165}" srcId="{287E08E6-10BC-4C2B-833E-D58CBC2AE39F}" destId="{3EE2E2E3-C0CC-4F39-9778-B41C01F46580}" srcOrd="1" destOrd="0" parTransId="{4877CC26-EC95-4F61-9065-89D8290E57AC}" sibTransId="{25332743-AB82-48A8-92EB-D45FFAF39B12}"/>
-    <dgm:cxn modelId="{F204618A-466C-468D-B61D-4C24D03BB228}" type="presOf" srcId="{0DBE68F0-E79A-41D7-9D88-F55A953C3185}" destId="{366908CB-19F7-4A15-A7DC-58DCBB837E27}" srcOrd="0" destOrd="0" presId="urn:microsoft.com/office/officeart/2005/8/layout/list1"/>
-    <dgm:cxn modelId="{67EDC39A-1A65-4E7A-9C29-B9F6B09C0220}" srcId="{645C5C31-082C-4CEB-9EB5-58AC7AB1A67F}" destId="{287E08E6-10BC-4C2B-833E-D58CBC2AE39F}" srcOrd="1" destOrd="0" parTransId="{D4D7A146-3B29-42DF-87F4-613CD503BEC8}" sibTransId="{DBC31C62-0427-4F4E-A849-8EBB73A8F245}"/>
-    <dgm:cxn modelId="{166DA5BD-CDB5-47D3-AEFA-C278E1237D3F}" type="presOf" srcId="{0DBE68F0-E79A-41D7-9D88-F55A953C3185}" destId="{1A1DCB90-3AA2-445D-BF4C-C4BFBEE4AF9C}" srcOrd="1" destOrd="0" presId="urn:microsoft.com/office/officeart/2005/8/layout/list1"/>
-    <dgm:cxn modelId="{4C7172C4-5591-49E1-B705-618AA7D9C443}" srcId="{A4BC30B5-AB2E-479D-A9D3-D3AAAE2C5ADD}" destId="{F05CFBF9-CC62-4D83-BAD2-6EFEB1B24ED2}" srcOrd="2" destOrd="0" parTransId="{32CE1C97-61AB-4A00-B6BA-ADECE1E4E2D6}" sibTransId="{B41884B0-548A-4A1A-BBF6-BF06B25595C1}"/>
-    <dgm:cxn modelId="{41B9FCC7-3F57-4845-B4E0-8D615C2AEBFC}" srcId="{A4BC30B5-AB2E-479D-A9D3-D3AAAE2C5ADD}" destId="{1D12D819-E443-4B4C-807C-70F6AE01AFD3}" srcOrd="0" destOrd="0" parTransId="{23875108-FF22-45F9-BA09-926463B3D12B}" sibTransId="{8594B8FC-4ABD-44EB-9B11-7E2D976C1F14}"/>
-    <dgm:cxn modelId="{41E52ECB-BEB3-4CB8-965C-AF3A3D038E8B}" type="presOf" srcId="{645C5C31-082C-4CEB-9EB5-58AC7AB1A67F}" destId="{750BEEDC-3203-4DE0-97EC-7C7D52A2A8D9}" srcOrd="0" destOrd="0" presId="urn:microsoft.com/office/officeart/2005/8/layout/list1"/>
-    <dgm:cxn modelId="{8FFA6BD2-36E1-4D03-8D25-B2F26C5CEC2B}" srcId="{645C5C31-082C-4CEB-9EB5-58AC7AB1A67F}" destId="{0DBE68F0-E79A-41D7-9D88-F55A953C3185}" srcOrd="2" destOrd="0" parTransId="{42FC2F57-4922-41FC-B1FC-C5B739630F3B}" sibTransId="{E5703E3E-4CF2-4CC3-BBA5-0298D5DDB096}"/>
-    <dgm:cxn modelId="{A64721D4-963E-4EC2-A1D2-09619D17E15C}" type="presOf" srcId="{A4BC30B5-AB2E-479D-A9D3-D3AAAE2C5ADD}" destId="{3D45623C-260D-4743-944D-FB4BA2CA5026}" srcOrd="0" destOrd="0" presId="urn:microsoft.com/office/officeart/2005/8/layout/list1"/>
-    <dgm:cxn modelId="{24CB7EDA-4F6B-4BA7-B671-6B46634E68C9}" srcId="{287E08E6-10BC-4C2B-833E-D58CBC2AE39F}" destId="{8916ACF3-2CA2-4A98-8FD0-B38F46633D75}" srcOrd="2" destOrd="0" parTransId="{6E811762-A209-44EB-830B-64B9BFD68BFF}" sibTransId="{49E10489-1F53-4A7B-9617-346DC019BB68}"/>
-    <dgm:cxn modelId="{7E321DDC-B1F1-4742-B8CB-0AE393151BC8}" srcId="{0DBE68F0-E79A-41D7-9D88-F55A953C3185}" destId="{B7CBFFF5-014D-4CF7-BA58-4F00E58B034C}" srcOrd="1" destOrd="0" parTransId="{A9717DD2-1ACC-438E-9358-1B6CC68E50BA}" sibTransId="{546779E9-B03A-4F65-9785-555FC3729109}"/>
-    <dgm:cxn modelId="{6473E8DD-7F47-4A0F-B618-2CE72CA52131}" type="presOf" srcId="{287E08E6-10BC-4C2B-833E-D58CBC2AE39F}" destId="{4FF9174A-CD4F-4FA6-89B1-F7A06E2BB4BB}" srcOrd="1" destOrd="0" presId="urn:microsoft.com/office/officeart/2005/8/layout/list1"/>
-    <dgm:cxn modelId="{487746F1-3DFF-4836-B110-152611B2FDC1}" srcId="{0DBE68F0-E79A-41D7-9D88-F55A953C3185}" destId="{E99D0F6F-10FE-4101-BC75-69AD30B076CB}" srcOrd="0" destOrd="0" parTransId="{2A6727FA-A17D-4ADC-8A60-5FB39ACCF240}" sibTransId="{59C26EAF-6918-45AB-846B-409F8843F7CF}"/>
-    <dgm:cxn modelId="{987BFBF7-1AD2-4F2E-B270-DC78C93885FD}" type="presOf" srcId="{1D12D819-E443-4B4C-807C-70F6AE01AFD3}" destId="{87A17971-98CC-4444-88D2-FE80BEFAF312}" srcOrd="0" destOrd="0" presId="urn:microsoft.com/office/officeart/2005/8/layout/list1"/>
-    <dgm:cxn modelId="{4C0D34FD-4CF6-496E-87D2-173D84192946}" type="presOf" srcId="{E99D0F6F-10FE-4101-BC75-69AD30B076CB}" destId="{E47E4FE4-3D19-4889-B8D1-827F091B0FE0}" srcOrd="0" destOrd="0" presId="urn:microsoft.com/office/officeart/2005/8/layout/list1"/>
     <dgm:cxn modelId="{8D7F0E40-01D5-4513-8E57-58E84D08A871}" type="presParOf" srcId="{750BEEDC-3203-4DE0-97EC-7C7D52A2A8D9}" destId="{7FFB0513-FA71-4725-AC10-8CEFD90C043E}" srcOrd="0" destOrd="0" presId="urn:microsoft.com/office/officeart/2005/8/layout/list1"/>
     <dgm:cxn modelId="{F8836B2C-2FC4-46FD-B884-E54B960F6AB0}" type="presParOf" srcId="{7FFB0513-FA71-4725-AC10-8CEFD90C043E}" destId="{3D45623C-260D-4743-944D-FB4BA2CA5026}" srcOrd="0" destOrd="0" presId="urn:microsoft.com/office/officeart/2005/8/layout/list1"/>
     <dgm:cxn modelId="{41D2963E-C520-45A5-9FCB-21FB8C3F6B76}" type="presParOf" srcId="{7FFB0513-FA71-4725-AC10-8CEFD90C043E}" destId="{686C560D-46BE-4C58-B1B0-F28C1DDBB264}" srcOrd="1" destOrd="0" presId="urn:microsoft.com/office/officeart/2005/8/layout/list1"/>
@@ -5269,6 +5409,13 @@
         </dgm:presLayoutVars>
       </dgm:prSet>
       <dgm:spPr/>
+      <dgm:t>
+        <a:bodyPr/>
+        <a:lstStyle/>
+        <a:p>
+          <a:endParaRPr lang="fr-FR"/>
+        </a:p>
+      </dgm:t>
     </dgm:pt>
     <dgm:pt modelId="{7FFB0513-FA71-4725-AC10-8CEFD90C043E}" type="pres">
       <dgm:prSet presAssocID="{A4BC30B5-AB2E-479D-A9D3-D3AAAE2C5ADD}" presName="parentLin" presStyleCnt="0"/>
@@ -5277,6 +5424,13 @@
     <dgm:pt modelId="{3D45623C-260D-4743-944D-FB4BA2CA5026}" type="pres">
       <dgm:prSet presAssocID="{A4BC30B5-AB2E-479D-A9D3-D3AAAE2C5ADD}" presName="parentLeftMargin" presStyleLbl="node1" presStyleIdx="0" presStyleCnt="3"/>
       <dgm:spPr/>
+      <dgm:t>
+        <a:bodyPr/>
+        <a:lstStyle/>
+        <a:p>
+          <a:endParaRPr lang="fr-FR"/>
+        </a:p>
+      </dgm:t>
     </dgm:pt>
     <dgm:pt modelId="{686C560D-46BE-4C58-B1B0-F28C1DDBB264}" type="pres">
       <dgm:prSet presAssocID="{A4BC30B5-AB2E-479D-A9D3-D3AAAE2C5ADD}" presName="parentText" presStyleLbl="node1" presStyleIdx="0" presStyleCnt="3">
@@ -5286,6 +5440,13 @@
         </dgm:presLayoutVars>
       </dgm:prSet>
       <dgm:spPr/>
+      <dgm:t>
+        <a:bodyPr/>
+        <a:lstStyle/>
+        <a:p>
+          <a:endParaRPr lang="fr-FR"/>
+        </a:p>
+      </dgm:t>
     </dgm:pt>
     <dgm:pt modelId="{955FBD61-D450-4B37-9D93-D22B894AFBD4}" type="pres">
       <dgm:prSet presAssocID="{A4BC30B5-AB2E-479D-A9D3-D3AAAE2C5ADD}" presName="negativeSpace" presStyleCnt="0"/>
@@ -5298,6 +5459,13 @@
         </dgm:presLayoutVars>
       </dgm:prSet>
       <dgm:spPr/>
+      <dgm:t>
+        <a:bodyPr/>
+        <a:lstStyle/>
+        <a:p>
+          <a:endParaRPr lang="fr-FR"/>
+        </a:p>
+      </dgm:t>
     </dgm:pt>
     <dgm:pt modelId="{8126054C-A6B5-403C-BE30-3CDD12D64FCA}" type="pres">
       <dgm:prSet presAssocID="{57C8C671-3092-477C-A770-DB83DF935346}" presName="spaceBetweenRectangles" presStyleCnt="0"/>
@@ -5310,6 +5478,13 @@
     <dgm:pt modelId="{79F5AC99-53B0-4C44-9BA2-7F3F3F9A32A8}" type="pres">
       <dgm:prSet presAssocID="{287E08E6-10BC-4C2B-833E-D58CBC2AE39F}" presName="parentLeftMargin" presStyleLbl="node1" presStyleIdx="0" presStyleCnt="3"/>
       <dgm:spPr/>
+      <dgm:t>
+        <a:bodyPr/>
+        <a:lstStyle/>
+        <a:p>
+          <a:endParaRPr lang="fr-FR"/>
+        </a:p>
+      </dgm:t>
     </dgm:pt>
     <dgm:pt modelId="{4FF9174A-CD4F-4FA6-89B1-F7A06E2BB4BB}" type="pres">
       <dgm:prSet presAssocID="{287E08E6-10BC-4C2B-833E-D58CBC2AE39F}" presName="parentText" presStyleLbl="node1" presStyleIdx="1" presStyleCnt="3">
@@ -5319,6 +5494,13 @@
         </dgm:presLayoutVars>
       </dgm:prSet>
       <dgm:spPr/>
+      <dgm:t>
+        <a:bodyPr/>
+        <a:lstStyle/>
+        <a:p>
+          <a:endParaRPr lang="fr-FR"/>
+        </a:p>
+      </dgm:t>
     </dgm:pt>
     <dgm:pt modelId="{8B159B17-90BB-410B-9643-6211D6290725}" type="pres">
       <dgm:prSet presAssocID="{287E08E6-10BC-4C2B-833E-D58CBC2AE39F}" presName="negativeSpace" presStyleCnt="0"/>
@@ -5331,6 +5513,13 @@
         </dgm:presLayoutVars>
       </dgm:prSet>
       <dgm:spPr/>
+      <dgm:t>
+        <a:bodyPr/>
+        <a:lstStyle/>
+        <a:p>
+          <a:endParaRPr lang="fr-FR"/>
+        </a:p>
+      </dgm:t>
     </dgm:pt>
     <dgm:pt modelId="{897808B2-85FE-46AB-A6FC-FF5F5E622806}" type="pres">
       <dgm:prSet presAssocID="{DBC31C62-0427-4F4E-A849-8EBB73A8F245}" presName="spaceBetweenRectangles" presStyleCnt="0"/>
@@ -5343,6 +5532,13 @@
     <dgm:pt modelId="{366908CB-19F7-4A15-A7DC-58DCBB837E27}" type="pres">
       <dgm:prSet presAssocID="{0DBE68F0-E79A-41D7-9D88-F55A953C3185}" presName="parentLeftMargin" presStyleLbl="node1" presStyleIdx="1" presStyleCnt="3"/>
       <dgm:spPr/>
+      <dgm:t>
+        <a:bodyPr/>
+        <a:lstStyle/>
+        <a:p>
+          <a:endParaRPr lang="fr-FR"/>
+        </a:p>
+      </dgm:t>
     </dgm:pt>
     <dgm:pt modelId="{1A1DCB90-3AA2-445D-BF4C-C4BFBEE4AF9C}" type="pres">
       <dgm:prSet presAssocID="{0DBE68F0-E79A-41D7-9D88-F55A953C3185}" presName="parentText" presStyleLbl="node1" presStyleIdx="2" presStyleCnt="3">
@@ -5352,6 +5548,13 @@
         </dgm:presLayoutVars>
       </dgm:prSet>
       <dgm:spPr/>
+      <dgm:t>
+        <a:bodyPr/>
+        <a:lstStyle/>
+        <a:p>
+          <a:endParaRPr lang="fr-FR"/>
+        </a:p>
+      </dgm:t>
     </dgm:pt>
     <dgm:pt modelId="{AD4A149F-267D-49E8-B11B-CA6CE54DA11F}" type="pres">
       <dgm:prSet presAssocID="{0DBE68F0-E79A-41D7-9D88-F55A953C3185}" presName="negativeSpace" presStyleCnt="0"/>
@@ -5364,39 +5567,46 @@
         </dgm:presLayoutVars>
       </dgm:prSet>
       <dgm:spPr/>
+      <dgm:t>
+        <a:bodyPr/>
+        <a:lstStyle/>
+        <a:p>
+          <a:endParaRPr lang="fr-FR"/>
+        </a:p>
+      </dgm:t>
     </dgm:pt>
   </dgm:ptLst>
   <dgm:cxnLst>
+    <dgm:cxn modelId="{BF3DDF60-FEC1-4C07-BFC3-C42A26254434}" srcId="{0DBE68F0-E79A-41D7-9D88-F55A953C3185}" destId="{2A1C540F-DBAB-449D-BB0C-0E01B8F0FE92}" srcOrd="2" destOrd="0" parTransId="{A4EC2E66-C518-43B8-88EB-EFDD47361EFD}" sibTransId="{6B8FEE4A-1F83-465E-9B4A-11CC342CFD56}"/>
+    <dgm:cxn modelId="{53F8626A-900F-469E-AE99-1B68BF64AC4D}" type="presOf" srcId="{287E08E6-10BC-4C2B-833E-D58CBC2AE39F}" destId="{79F5AC99-53B0-4C44-9BA2-7F3F3F9A32A8}" srcOrd="0" destOrd="0" presId="urn:microsoft.com/office/officeart/2005/8/layout/list1"/>
+    <dgm:cxn modelId="{8FFA6BD2-36E1-4D03-8D25-B2F26C5CEC2B}" srcId="{645C5C31-082C-4CEB-9EB5-58AC7AB1A67F}" destId="{0DBE68F0-E79A-41D7-9D88-F55A953C3185}" srcOrd="2" destOrd="0" parTransId="{42FC2F57-4922-41FC-B1FC-C5B739630F3B}" sibTransId="{E5703E3E-4CF2-4CC3-BBA5-0298D5DDB096}"/>
+    <dgm:cxn modelId="{6568B764-DCFC-4CFD-A967-A74519AB4CD7}" srcId="{0DBE68F0-E79A-41D7-9D88-F55A953C3185}" destId="{CEE9E630-BC95-430C-8EC0-E4324FC385F1}" srcOrd="3" destOrd="0" parTransId="{0C89B383-8D42-4C89-BAA9-DE37A639607E}" sibTransId="{C188FF16-9A20-47A9-B32A-7D2FAC9EBD36}"/>
+    <dgm:cxn modelId="{525F5D82-B964-4DDE-A199-986F509DC165}" srcId="{287E08E6-10BC-4C2B-833E-D58CBC2AE39F}" destId="{3EE2E2E3-C0CC-4F39-9778-B41C01F46580}" srcOrd="1" destOrd="0" parTransId="{4877CC26-EC95-4F61-9065-89D8290E57AC}" sibTransId="{25332743-AB82-48A8-92EB-D45FFAF39B12}"/>
+    <dgm:cxn modelId="{6473E8DD-7F47-4A0F-B618-2CE72CA52131}" type="presOf" srcId="{287E08E6-10BC-4C2B-833E-D58CBC2AE39F}" destId="{4FF9174A-CD4F-4FA6-89B1-F7A06E2BB4BB}" srcOrd="1" destOrd="0" presId="urn:microsoft.com/office/officeart/2005/8/layout/list1"/>
+    <dgm:cxn modelId="{166DA5BD-CDB5-47D3-AEFA-C278E1237D3F}" type="presOf" srcId="{0DBE68F0-E79A-41D7-9D88-F55A953C3185}" destId="{1A1DCB90-3AA2-445D-BF4C-C4BFBEE4AF9C}" srcOrd="1" destOrd="0" presId="urn:microsoft.com/office/officeart/2005/8/layout/list1"/>
+    <dgm:cxn modelId="{7DC4BB2C-79BC-403C-BC4A-C3A745561B87}" srcId="{645C5C31-082C-4CEB-9EB5-58AC7AB1A67F}" destId="{A4BC30B5-AB2E-479D-A9D3-D3AAAE2C5ADD}" srcOrd="0" destOrd="0" parTransId="{70A7E2F8-1CC3-4C17-83C6-1B960055188A}" sibTransId="{57C8C671-3092-477C-A770-DB83DF935346}"/>
+    <dgm:cxn modelId="{21B8AD7E-D0F0-4CA6-9D3B-9C26AA01C4DD}" type="presOf" srcId="{2A1C540F-DBAB-449D-BB0C-0E01B8F0FE92}" destId="{E47E4FE4-3D19-4889-B8D1-827F091B0FE0}" srcOrd="0" destOrd="2" presId="urn:microsoft.com/office/officeart/2005/8/layout/list1"/>
+    <dgm:cxn modelId="{41B9FCC7-3F57-4845-B4E0-8D615C2AEBFC}" srcId="{A4BC30B5-AB2E-479D-A9D3-D3AAAE2C5ADD}" destId="{1D12D819-E443-4B4C-807C-70F6AE01AFD3}" srcOrd="0" destOrd="0" parTransId="{23875108-FF22-45F9-BA09-926463B3D12B}" sibTransId="{8594B8FC-4ABD-44EB-9B11-7E2D976C1F14}"/>
+    <dgm:cxn modelId="{2AF5B974-138B-4BF3-9A78-49D403B56968}" type="presOf" srcId="{3EE2E2E3-C0CC-4F39-9778-B41C01F46580}" destId="{657BED9F-76CB-4AFC-8593-B7813B00CEC1}" srcOrd="0" destOrd="1" presId="urn:microsoft.com/office/officeart/2005/8/layout/list1"/>
+    <dgm:cxn modelId="{E93EFB1B-BD4F-4FD1-80B1-538CDAE5BD12}" srcId="{A4BC30B5-AB2E-479D-A9D3-D3AAAE2C5ADD}" destId="{8220FD00-F440-4377-B775-AD5EF1EF920F}" srcOrd="1" destOrd="0" parTransId="{201141BB-EFDD-44D4-8582-E4D5046728EE}" sibTransId="{83D72169-D576-4FC6-BC6A-63D0361E29D0}"/>
+    <dgm:cxn modelId="{24CB7EDA-4F6B-4BA7-B671-6B46634E68C9}" srcId="{287E08E6-10BC-4C2B-833E-D58CBC2AE39F}" destId="{8916ACF3-2CA2-4A98-8FD0-B38F46633D75}" srcOrd="2" destOrd="0" parTransId="{6E811762-A209-44EB-830B-64B9BFD68BFF}" sibTransId="{49E10489-1F53-4A7B-9617-346DC019BB68}"/>
+    <dgm:cxn modelId="{50D4BA66-3CD5-43D8-B36E-424B6B19E991}" srcId="{287E08E6-10BC-4C2B-833E-D58CBC2AE39F}" destId="{B0549414-53A3-4D70-8A56-97E533233F3F}" srcOrd="0" destOrd="0" parTransId="{222749BE-F0F1-4D5C-8913-F6B896D3467D}" sibTransId="{F9D12FB2-4347-4717-AF3D-1B3F5796DC44}"/>
+    <dgm:cxn modelId="{AAA64E13-2212-42B3-AB6D-0D6EBFD95A63}" type="presOf" srcId="{F05CFBF9-CC62-4D83-BAD2-6EFEB1B24ED2}" destId="{87A17971-98CC-4444-88D2-FE80BEFAF312}" srcOrd="0" destOrd="2" presId="urn:microsoft.com/office/officeart/2005/8/layout/list1"/>
+    <dgm:cxn modelId="{67EDC39A-1A65-4E7A-9C29-B9F6B09C0220}" srcId="{645C5C31-082C-4CEB-9EB5-58AC7AB1A67F}" destId="{287E08E6-10BC-4C2B-833E-D58CBC2AE39F}" srcOrd="1" destOrd="0" parTransId="{D4D7A146-3B29-42DF-87F4-613CD503BEC8}" sibTransId="{DBC31C62-0427-4F4E-A849-8EBB73A8F245}"/>
+    <dgm:cxn modelId="{0606572B-EDAA-4BE7-A4B7-EFEB73B861C7}" type="presOf" srcId="{B0549414-53A3-4D70-8A56-97E533233F3F}" destId="{657BED9F-76CB-4AFC-8593-B7813B00CEC1}" srcOrd="0" destOrd="0" presId="urn:microsoft.com/office/officeart/2005/8/layout/list1"/>
+    <dgm:cxn modelId="{41E52ECB-BEB3-4CB8-965C-AF3A3D038E8B}" type="presOf" srcId="{645C5C31-082C-4CEB-9EB5-58AC7AB1A67F}" destId="{750BEEDC-3203-4DE0-97EC-7C7D52A2A8D9}" srcOrd="0" destOrd="0" presId="urn:microsoft.com/office/officeart/2005/8/layout/list1"/>
+    <dgm:cxn modelId="{F204618A-466C-468D-B61D-4C24D03BB228}" type="presOf" srcId="{0DBE68F0-E79A-41D7-9D88-F55A953C3185}" destId="{366908CB-19F7-4A15-A7DC-58DCBB837E27}" srcOrd="0" destOrd="0" presId="urn:microsoft.com/office/officeart/2005/8/layout/list1"/>
+    <dgm:cxn modelId="{428FF511-2AD4-4F41-B288-961B5ED2F2A7}" type="presOf" srcId="{8916ACF3-2CA2-4A98-8FD0-B38F46633D75}" destId="{657BED9F-76CB-4AFC-8593-B7813B00CEC1}" srcOrd="0" destOrd="2" presId="urn:microsoft.com/office/officeart/2005/8/layout/list1"/>
+    <dgm:cxn modelId="{A64721D4-963E-4EC2-A1D2-09619D17E15C}" type="presOf" srcId="{A4BC30B5-AB2E-479D-A9D3-D3AAAE2C5ADD}" destId="{3D45623C-260D-4743-944D-FB4BA2CA5026}" srcOrd="0" destOrd="0" presId="urn:microsoft.com/office/officeart/2005/8/layout/list1"/>
+    <dgm:cxn modelId="{487746F1-3DFF-4836-B110-152611B2FDC1}" srcId="{0DBE68F0-E79A-41D7-9D88-F55A953C3185}" destId="{E99D0F6F-10FE-4101-BC75-69AD30B076CB}" srcOrd="0" destOrd="0" parTransId="{2A6727FA-A17D-4ADC-8A60-5FB39ACCF240}" sibTransId="{59C26EAF-6918-45AB-846B-409F8843F7CF}"/>
+    <dgm:cxn modelId="{4C7172C4-5591-49E1-B705-618AA7D9C443}" srcId="{A4BC30B5-AB2E-479D-A9D3-D3AAAE2C5ADD}" destId="{F05CFBF9-CC62-4D83-BAD2-6EFEB1B24ED2}" srcOrd="2" destOrd="0" parTransId="{32CE1C97-61AB-4A00-B6BA-ADECE1E4E2D6}" sibTransId="{B41884B0-548A-4A1A-BBF6-BF06B25595C1}"/>
+    <dgm:cxn modelId="{4C0D34FD-4CF6-496E-87D2-173D84192946}" type="presOf" srcId="{E99D0F6F-10FE-4101-BC75-69AD30B076CB}" destId="{E47E4FE4-3D19-4889-B8D1-827F091B0FE0}" srcOrd="0" destOrd="0" presId="urn:microsoft.com/office/officeart/2005/8/layout/list1"/>
+    <dgm:cxn modelId="{7E321DDC-B1F1-4742-B8CB-0AE393151BC8}" srcId="{0DBE68F0-E79A-41D7-9D88-F55A953C3185}" destId="{B7CBFFF5-014D-4CF7-BA58-4F00E58B034C}" srcOrd="1" destOrd="0" parTransId="{A9717DD2-1ACC-438E-9358-1B6CC68E50BA}" sibTransId="{546779E9-B03A-4F65-9785-555FC3729109}"/>
+    <dgm:cxn modelId="{8EED9715-2F2F-4F0D-8A80-EDE35D038F2C}" type="presOf" srcId="{8220FD00-F440-4377-B775-AD5EF1EF920F}" destId="{87A17971-98CC-4444-88D2-FE80BEFAF312}" srcOrd="0" destOrd="1" presId="urn:microsoft.com/office/officeart/2005/8/layout/list1"/>
     <dgm:cxn modelId="{3DE7470D-59C2-4AB3-A0B7-B4B4C337EB22}" type="presOf" srcId="{CEE9E630-BC95-430C-8EC0-E4324FC385F1}" destId="{E47E4FE4-3D19-4889-B8D1-827F091B0FE0}" srcOrd="0" destOrd="3" presId="urn:microsoft.com/office/officeart/2005/8/layout/list1"/>
-    <dgm:cxn modelId="{428FF511-2AD4-4F41-B288-961B5ED2F2A7}" type="presOf" srcId="{8916ACF3-2CA2-4A98-8FD0-B38F46633D75}" destId="{657BED9F-76CB-4AFC-8593-B7813B00CEC1}" srcOrd="0" destOrd="2" presId="urn:microsoft.com/office/officeart/2005/8/layout/list1"/>
-    <dgm:cxn modelId="{AAA64E13-2212-42B3-AB6D-0D6EBFD95A63}" type="presOf" srcId="{F05CFBF9-CC62-4D83-BAD2-6EFEB1B24ED2}" destId="{87A17971-98CC-4444-88D2-FE80BEFAF312}" srcOrd="0" destOrd="2" presId="urn:microsoft.com/office/officeart/2005/8/layout/list1"/>
-    <dgm:cxn modelId="{8EED9715-2F2F-4F0D-8A80-EDE35D038F2C}" type="presOf" srcId="{8220FD00-F440-4377-B775-AD5EF1EF920F}" destId="{87A17971-98CC-4444-88D2-FE80BEFAF312}" srcOrd="0" destOrd="1" presId="urn:microsoft.com/office/officeart/2005/8/layout/list1"/>
-    <dgm:cxn modelId="{E93EFB1B-BD4F-4FD1-80B1-538CDAE5BD12}" srcId="{A4BC30B5-AB2E-479D-A9D3-D3AAAE2C5ADD}" destId="{8220FD00-F440-4377-B775-AD5EF1EF920F}" srcOrd="1" destOrd="0" parTransId="{201141BB-EFDD-44D4-8582-E4D5046728EE}" sibTransId="{83D72169-D576-4FC6-BC6A-63D0361E29D0}"/>
-    <dgm:cxn modelId="{0606572B-EDAA-4BE7-A4B7-EFEB73B861C7}" type="presOf" srcId="{B0549414-53A3-4D70-8A56-97E533233F3F}" destId="{657BED9F-76CB-4AFC-8593-B7813B00CEC1}" srcOrd="0" destOrd="0" presId="urn:microsoft.com/office/officeart/2005/8/layout/list1"/>
-    <dgm:cxn modelId="{7DC4BB2C-79BC-403C-BC4A-C3A745561B87}" srcId="{645C5C31-082C-4CEB-9EB5-58AC7AB1A67F}" destId="{A4BC30B5-AB2E-479D-A9D3-D3AAAE2C5ADD}" srcOrd="0" destOrd="0" parTransId="{70A7E2F8-1CC3-4C17-83C6-1B960055188A}" sibTransId="{57C8C671-3092-477C-A770-DB83DF935346}"/>
+    <dgm:cxn modelId="{987BFBF7-1AD2-4F2E-B270-DC78C93885FD}" type="presOf" srcId="{1D12D819-E443-4B4C-807C-70F6AE01AFD3}" destId="{87A17971-98CC-4444-88D2-FE80BEFAF312}" srcOrd="0" destOrd="0" presId="urn:microsoft.com/office/officeart/2005/8/layout/list1"/>
+    <dgm:cxn modelId="{67082165-75C1-4D45-9503-397863F5478A}" type="presOf" srcId="{A4BC30B5-AB2E-479D-A9D3-D3AAAE2C5ADD}" destId="{686C560D-46BE-4C58-B1B0-F28C1DDBB264}" srcOrd="1" destOrd="0" presId="urn:microsoft.com/office/officeart/2005/8/layout/list1"/>
     <dgm:cxn modelId="{111BF338-F339-4C0F-9AC3-390C1B14657F}" type="presOf" srcId="{B7CBFFF5-014D-4CF7-BA58-4F00E58B034C}" destId="{E47E4FE4-3D19-4889-B8D1-827F091B0FE0}" srcOrd="0" destOrd="1" presId="urn:microsoft.com/office/officeart/2005/8/layout/list1"/>
-    <dgm:cxn modelId="{BF3DDF60-FEC1-4C07-BFC3-C42A26254434}" srcId="{0DBE68F0-E79A-41D7-9D88-F55A953C3185}" destId="{2A1C540F-DBAB-449D-BB0C-0E01B8F0FE92}" srcOrd="2" destOrd="0" parTransId="{A4EC2E66-C518-43B8-88EB-EFDD47361EFD}" sibTransId="{6B8FEE4A-1F83-465E-9B4A-11CC342CFD56}"/>
-    <dgm:cxn modelId="{6568B764-DCFC-4CFD-A967-A74519AB4CD7}" srcId="{0DBE68F0-E79A-41D7-9D88-F55A953C3185}" destId="{CEE9E630-BC95-430C-8EC0-E4324FC385F1}" srcOrd="3" destOrd="0" parTransId="{0C89B383-8D42-4C89-BAA9-DE37A639607E}" sibTransId="{C188FF16-9A20-47A9-B32A-7D2FAC9EBD36}"/>
-    <dgm:cxn modelId="{67082165-75C1-4D45-9503-397863F5478A}" type="presOf" srcId="{A4BC30B5-AB2E-479D-A9D3-D3AAAE2C5ADD}" destId="{686C560D-46BE-4C58-B1B0-F28C1DDBB264}" srcOrd="1" destOrd="0" presId="urn:microsoft.com/office/officeart/2005/8/layout/list1"/>
-    <dgm:cxn modelId="{50D4BA66-3CD5-43D8-B36E-424B6B19E991}" srcId="{287E08E6-10BC-4C2B-833E-D58CBC2AE39F}" destId="{B0549414-53A3-4D70-8A56-97E533233F3F}" srcOrd="0" destOrd="0" parTransId="{222749BE-F0F1-4D5C-8913-F6B896D3467D}" sibTransId="{F9D12FB2-4347-4717-AF3D-1B3F5796DC44}"/>
-    <dgm:cxn modelId="{53F8626A-900F-469E-AE99-1B68BF64AC4D}" type="presOf" srcId="{287E08E6-10BC-4C2B-833E-D58CBC2AE39F}" destId="{79F5AC99-53B0-4C44-9BA2-7F3F3F9A32A8}" srcOrd="0" destOrd="0" presId="urn:microsoft.com/office/officeart/2005/8/layout/list1"/>
-    <dgm:cxn modelId="{2AF5B974-138B-4BF3-9A78-49D403B56968}" type="presOf" srcId="{3EE2E2E3-C0CC-4F39-9778-B41C01F46580}" destId="{657BED9F-76CB-4AFC-8593-B7813B00CEC1}" srcOrd="0" destOrd="1" presId="urn:microsoft.com/office/officeart/2005/8/layout/list1"/>
-    <dgm:cxn modelId="{21B8AD7E-D0F0-4CA6-9D3B-9C26AA01C4DD}" type="presOf" srcId="{2A1C540F-DBAB-449D-BB0C-0E01B8F0FE92}" destId="{E47E4FE4-3D19-4889-B8D1-827F091B0FE0}" srcOrd="0" destOrd="2" presId="urn:microsoft.com/office/officeart/2005/8/layout/list1"/>
-    <dgm:cxn modelId="{525F5D82-B964-4DDE-A199-986F509DC165}" srcId="{287E08E6-10BC-4C2B-833E-D58CBC2AE39F}" destId="{3EE2E2E3-C0CC-4F39-9778-B41C01F46580}" srcOrd="1" destOrd="0" parTransId="{4877CC26-EC95-4F61-9065-89D8290E57AC}" sibTransId="{25332743-AB82-48A8-92EB-D45FFAF39B12}"/>
-    <dgm:cxn modelId="{F204618A-466C-468D-B61D-4C24D03BB228}" type="presOf" srcId="{0DBE68F0-E79A-41D7-9D88-F55A953C3185}" destId="{366908CB-19F7-4A15-A7DC-58DCBB837E27}" srcOrd="0" destOrd="0" presId="urn:microsoft.com/office/officeart/2005/8/layout/list1"/>
-    <dgm:cxn modelId="{67EDC39A-1A65-4E7A-9C29-B9F6B09C0220}" srcId="{645C5C31-082C-4CEB-9EB5-58AC7AB1A67F}" destId="{287E08E6-10BC-4C2B-833E-D58CBC2AE39F}" srcOrd="1" destOrd="0" parTransId="{D4D7A146-3B29-42DF-87F4-613CD503BEC8}" sibTransId="{DBC31C62-0427-4F4E-A849-8EBB73A8F245}"/>
-    <dgm:cxn modelId="{166DA5BD-CDB5-47D3-AEFA-C278E1237D3F}" type="presOf" srcId="{0DBE68F0-E79A-41D7-9D88-F55A953C3185}" destId="{1A1DCB90-3AA2-445D-BF4C-C4BFBEE4AF9C}" srcOrd="1" destOrd="0" presId="urn:microsoft.com/office/officeart/2005/8/layout/list1"/>
-    <dgm:cxn modelId="{4C7172C4-5591-49E1-B705-618AA7D9C443}" srcId="{A4BC30B5-AB2E-479D-A9D3-D3AAAE2C5ADD}" destId="{F05CFBF9-CC62-4D83-BAD2-6EFEB1B24ED2}" srcOrd="2" destOrd="0" parTransId="{32CE1C97-61AB-4A00-B6BA-ADECE1E4E2D6}" sibTransId="{B41884B0-548A-4A1A-BBF6-BF06B25595C1}"/>
-    <dgm:cxn modelId="{41B9FCC7-3F57-4845-B4E0-8D615C2AEBFC}" srcId="{A4BC30B5-AB2E-479D-A9D3-D3AAAE2C5ADD}" destId="{1D12D819-E443-4B4C-807C-70F6AE01AFD3}" srcOrd="0" destOrd="0" parTransId="{23875108-FF22-45F9-BA09-926463B3D12B}" sibTransId="{8594B8FC-4ABD-44EB-9B11-7E2D976C1F14}"/>
-    <dgm:cxn modelId="{41E52ECB-BEB3-4CB8-965C-AF3A3D038E8B}" type="presOf" srcId="{645C5C31-082C-4CEB-9EB5-58AC7AB1A67F}" destId="{750BEEDC-3203-4DE0-97EC-7C7D52A2A8D9}" srcOrd="0" destOrd="0" presId="urn:microsoft.com/office/officeart/2005/8/layout/list1"/>
-    <dgm:cxn modelId="{8FFA6BD2-36E1-4D03-8D25-B2F26C5CEC2B}" srcId="{645C5C31-082C-4CEB-9EB5-58AC7AB1A67F}" destId="{0DBE68F0-E79A-41D7-9D88-F55A953C3185}" srcOrd="2" destOrd="0" parTransId="{42FC2F57-4922-41FC-B1FC-C5B739630F3B}" sibTransId="{E5703E3E-4CF2-4CC3-BBA5-0298D5DDB096}"/>
-    <dgm:cxn modelId="{A64721D4-963E-4EC2-A1D2-09619D17E15C}" type="presOf" srcId="{A4BC30B5-AB2E-479D-A9D3-D3AAAE2C5ADD}" destId="{3D45623C-260D-4743-944D-FB4BA2CA5026}" srcOrd="0" destOrd="0" presId="urn:microsoft.com/office/officeart/2005/8/layout/list1"/>
-    <dgm:cxn modelId="{24CB7EDA-4F6B-4BA7-B671-6B46634E68C9}" srcId="{287E08E6-10BC-4C2B-833E-D58CBC2AE39F}" destId="{8916ACF3-2CA2-4A98-8FD0-B38F46633D75}" srcOrd="2" destOrd="0" parTransId="{6E811762-A209-44EB-830B-64B9BFD68BFF}" sibTransId="{49E10489-1F53-4A7B-9617-346DC019BB68}"/>
-    <dgm:cxn modelId="{7E321DDC-B1F1-4742-B8CB-0AE393151BC8}" srcId="{0DBE68F0-E79A-41D7-9D88-F55A953C3185}" destId="{B7CBFFF5-014D-4CF7-BA58-4F00E58B034C}" srcOrd="1" destOrd="0" parTransId="{A9717DD2-1ACC-438E-9358-1B6CC68E50BA}" sibTransId="{546779E9-B03A-4F65-9785-555FC3729109}"/>
-    <dgm:cxn modelId="{6473E8DD-7F47-4A0F-B618-2CE72CA52131}" type="presOf" srcId="{287E08E6-10BC-4C2B-833E-D58CBC2AE39F}" destId="{4FF9174A-CD4F-4FA6-89B1-F7A06E2BB4BB}" srcOrd="1" destOrd="0" presId="urn:microsoft.com/office/officeart/2005/8/layout/list1"/>
-    <dgm:cxn modelId="{487746F1-3DFF-4836-B110-152611B2FDC1}" srcId="{0DBE68F0-E79A-41D7-9D88-F55A953C3185}" destId="{E99D0F6F-10FE-4101-BC75-69AD30B076CB}" srcOrd="0" destOrd="0" parTransId="{2A6727FA-A17D-4ADC-8A60-5FB39ACCF240}" sibTransId="{59C26EAF-6918-45AB-846B-409F8843F7CF}"/>
-    <dgm:cxn modelId="{987BFBF7-1AD2-4F2E-B270-DC78C93885FD}" type="presOf" srcId="{1D12D819-E443-4B4C-807C-70F6AE01AFD3}" destId="{87A17971-98CC-4444-88D2-FE80BEFAF312}" srcOrd="0" destOrd="0" presId="urn:microsoft.com/office/officeart/2005/8/layout/list1"/>
-    <dgm:cxn modelId="{4C0D34FD-4CF6-496E-87D2-173D84192946}" type="presOf" srcId="{E99D0F6F-10FE-4101-BC75-69AD30B076CB}" destId="{E47E4FE4-3D19-4889-B8D1-827F091B0FE0}" srcOrd="0" destOrd="0" presId="urn:microsoft.com/office/officeart/2005/8/layout/list1"/>
     <dgm:cxn modelId="{8D7F0E40-01D5-4513-8E57-58E84D08A871}" type="presParOf" srcId="{750BEEDC-3203-4DE0-97EC-7C7D52A2A8D9}" destId="{7FFB0513-FA71-4725-AC10-8CEFD90C043E}" srcOrd="0" destOrd="0" presId="urn:microsoft.com/office/officeart/2005/8/layout/list1"/>
     <dgm:cxn modelId="{F8836B2C-2FC4-46FD-B884-E54B960F6AB0}" type="presParOf" srcId="{7FFB0513-FA71-4725-AC10-8CEFD90C043E}" destId="{3D45623C-260D-4743-944D-FB4BA2CA5026}" srcOrd="0" destOrd="0" presId="urn:microsoft.com/office/officeart/2005/8/layout/list1"/>
     <dgm:cxn modelId="{41D2963E-C520-45A5-9FCB-21FB8C3F6B76}" type="presParOf" srcId="{7FFB0513-FA71-4725-AC10-8CEFD90C043E}" destId="{686C560D-46BE-4C58-B1B0-F28C1DDBB264}" srcOrd="1" destOrd="0" presId="urn:microsoft.com/office/officeart/2005/8/layout/list1"/>
@@ -6056,6 +6266,13 @@
         </dgm:presLayoutVars>
       </dgm:prSet>
       <dgm:spPr/>
+      <dgm:t>
+        <a:bodyPr/>
+        <a:lstStyle/>
+        <a:p>
+          <a:endParaRPr lang="fr-FR"/>
+        </a:p>
+      </dgm:t>
     </dgm:pt>
     <dgm:pt modelId="{7FFB0513-FA71-4725-AC10-8CEFD90C043E}" type="pres">
       <dgm:prSet presAssocID="{A4BC30B5-AB2E-479D-A9D3-D3AAAE2C5ADD}" presName="parentLin" presStyleCnt="0"/>
@@ -6064,6 +6281,13 @@
     <dgm:pt modelId="{3D45623C-260D-4743-944D-FB4BA2CA5026}" type="pres">
       <dgm:prSet presAssocID="{A4BC30B5-AB2E-479D-A9D3-D3AAAE2C5ADD}" presName="parentLeftMargin" presStyleLbl="node1" presStyleIdx="0" presStyleCnt="3"/>
       <dgm:spPr/>
+      <dgm:t>
+        <a:bodyPr/>
+        <a:lstStyle/>
+        <a:p>
+          <a:endParaRPr lang="fr-FR"/>
+        </a:p>
+      </dgm:t>
     </dgm:pt>
     <dgm:pt modelId="{686C560D-46BE-4C58-B1B0-F28C1DDBB264}" type="pres">
       <dgm:prSet presAssocID="{A4BC30B5-AB2E-479D-A9D3-D3AAAE2C5ADD}" presName="parentText" presStyleLbl="node1" presStyleIdx="0" presStyleCnt="3">
@@ -6073,6 +6297,13 @@
         </dgm:presLayoutVars>
       </dgm:prSet>
       <dgm:spPr/>
+      <dgm:t>
+        <a:bodyPr/>
+        <a:lstStyle/>
+        <a:p>
+          <a:endParaRPr lang="fr-FR"/>
+        </a:p>
+      </dgm:t>
     </dgm:pt>
     <dgm:pt modelId="{955FBD61-D450-4B37-9D93-D22B894AFBD4}" type="pres">
       <dgm:prSet presAssocID="{A4BC30B5-AB2E-479D-A9D3-D3AAAE2C5ADD}" presName="negativeSpace" presStyleCnt="0"/>
@@ -6085,6 +6316,13 @@
         </dgm:presLayoutVars>
       </dgm:prSet>
       <dgm:spPr/>
+      <dgm:t>
+        <a:bodyPr/>
+        <a:lstStyle/>
+        <a:p>
+          <a:endParaRPr lang="fr-FR"/>
+        </a:p>
+      </dgm:t>
     </dgm:pt>
     <dgm:pt modelId="{8126054C-A6B5-403C-BE30-3CDD12D64FCA}" type="pres">
       <dgm:prSet presAssocID="{57C8C671-3092-477C-A770-DB83DF935346}" presName="spaceBetweenRectangles" presStyleCnt="0"/>
@@ -6097,6 +6335,13 @@
     <dgm:pt modelId="{79F5AC99-53B0-4C44-9BA2-7F3F3F9A32A8}" type="pres">
       <dgm:prSet presAssocID="{287E08E6-10BC-4C2B-833E-D58CBC2AE39F}" presName="parentLeftMargin" presStyleLbl="node1" presStyleIdx="0" presStyleCnt="3"/>
       <dgm:spPr/>
+      <dgm:t>
+        <a:bodyPr/>
+        <a:lstStyle/>
+        <a:p>
+          <a:endParaRPr lang="fr-FR"/>
+        </a:p>
+      </dgm:t>
     </dgm:pt>
     <dgm:pt modelId="{4FF9174A-CD4F-4FA6-89B1-F7A06E2BB4BB}" type="pres">
       <dgm:prSet presAssocID="{287E08E6-10BC-4C2B-833E-D58CBC2AE39F}" presName="parentText" presStyleLbl="node1" presStyleIdx="1" presStyleCnt="3">
@@ -6106,6 +6351,13 @@
         </dgm:presLayoutVars>
       </dgm:prSet>
       <dgm:spPr/>
+      <dgm:t>
+        <a:bodyPr/>
+        <a:lstStyle/>
+        <a:p>
+          <a:endParaRPr lang="fr-FR"/>
+        </a:p>
+      </dgm:t>
     </dgm:pt>
     <dgm:pt modelId="{8B159B17-90BB-410B-9643-6211D6290725}" type="pres">
       <dgm:prSet presAssocID="{287E08E6-10BC-4C2B-833E-D58CBC2AE39F}" presName="negativeSpace" presStyleCnt="0"/>
@@ -6118,6 +6370,13 @@
         </dgm:presLayoutVars>
       </dgm:prSet>
       <dgm:spPr/>
+      <dgm:t>
+        <a:bodyPr/>
+        <a:lstStyle/>
+        <a:p>
+          <a:endParaRPr lang="fr-FR"/>
+        </a:p>
+      </dgm:t>
     </dgm:pt>
     <dgm:pt modelId="{897808B2-85FE-46AB-A6FC-FF5F5E622806}" type="pres">
       <dgm:prSet presAssocID="{DBC31C62-0427-4F4E-A849-8EBB73A8F245}" presName="spaceBetweenRectangles" presStyleCnt="0"/>
@@ -6130,6 +6389,13 @@
     <dgm:pt modelId="{366908CB-19F7-4A15-A7DC-58DCBB837E27}" type="pres">
       <dgm:prSet presAssocID="{0DBE68F0-E79A-41D7-9D88-F55A953C3185}" presName="parentLeftMargin" presStyleLbl="node1" presStyleIdx="1" presStyleCnt="3"/>
       <dgm:spPr/>
+      <dgm:t>
+        <a:bodyPr/>
+        <a:lstStyle/>
+        <a:p>
+          <a:endParaRPr lang="fr-FR"/>
+        </a:p>
+      </dgm:t>
     </dgm:pt>
     <dgm:pt modelId="{1A1DCB90-3AA2-445D-BF4C-C4BFBEE4AF9C}" type="pres">
       <dgm:prSet presAssocID="{0DBE68F0-E79A-41D7-9D88-F55A953C3185}" presName="parentText" presStyleLbl="node1" presStyleIdx="2" presStyleCnt="3">
@@ -6139,6 +6405,13 @@
         </dgm:presLayoutVars>
       </dgm:prSet>
       <dgm:spPr/>
+      <dgm:t>
+        <a:bodyPr/>
+        <a:lstStyle/>
+        <a:p>
+          <a:endParaRPr lang="fr-FR"/>
+        </a:p>
+      </dgm:t>
     </dgm:pt>
     <dgm:pt modelId="{AD4A149F-267D-49E8-B11B-CA6CE54DA11F}" type="pres">
       <dgm:prSet presAssocID="{0DBE68F0-E79A-41D7-9D88-F55A953C3185}" presName="negativeSpace" presStyleCnt="0"/>
@@ -6151,39 +6424,46 @@
         </dgm:presLayoutVars>
       </dgm:prSet>
       <dgm:spPr/>
+      <dgm:t>
+        <a:bodyPr/>
+        <a:lstStyle/>
+        <a:p>
+          <a:endParaRPr lang="fr-FR"/>
+        </a:p>
+      </dgm:t>
     </dgm:pt>
   </dgm:ptLst>
   <dgm:cxnLst>
+    <dgm:cxn modelId="{BF3DDF60-FEC1-4C07-BFC3-C42A26254434}" srcId="{0DBE68F0-E79A-41D7-9D88-F55A953C3185}" destId="{2A1C540F-DBAB-449D-BB0C-0E01B8F0FE92}" srcOrd="2" destOrd="0" parTransId="{A4EC2E66-C518-43B8-88EB-EFDD47361EFD}" sibTransId="{6B8FEE4A-1F83-465E-9B4A-11CC342CFD56}"/>
+    <dgm:cxn modelId="{53F8626A-900F-469E-AE99-1B68BF64AC4D}" type="presOf" srcId="{287E08E6-10BC-4C2B-833E-D58CBC2AE39F}" destId="{79F5AC99-53B0-4C44-9BA2-7F3F3F9A32A8}" srcOrd="0" destOrd="0" presId="urn:microsoft.com/office/officeart/2005/8/layout/list1"/>
+    <dgm:cxn modelId="{8FFA6BD2-36E1-4D03-8D25-B2F26C5CEC2B}" srcId="{645C5C31-082C-4CEB-9EB5-58AC7AB1A67F}" destId="{0DBE68F0-E79A-41D7-9D88-F55A953C3185}" srcOrd="2" destOrd="0" parTransId="{42FC2F57-4922-41FC-B1FC-C5B739630F3B}" sibTransId="{E5703E3E-4CF2-4CC3-BBA5-0298D5DDB096}"/>
+    <dgm:cxn modelId="{6568B764-DCFC-4CFD-A967-A74519AB4CD7}" srcId="{0DBE68F0-E79A-41D7-9D88-F55A953C3185}" destId="{CEE9E630-BC95-430C-8EC0-E4324FC385F1}" srcOrd="3" destOrd="0" parTransId="{0C89B383-8D42-4C89-BAA9-DE37A639607E}" sibTransId="{C188FF16-9A20-47A9-B32A-7D2FAC9EBD36}"/>
+    <dgm:cxn modelId="{525F5D82-B964-4DDE-A199-986F509DC165}" srcId="{287E08E6-10BC-4C2B-833E-D58CBC2AE39F}" destId="{3EE2E2E3-C0CC-4F39-9778-B41C01F46580}" srcOrd="1" destOrd="0" parTransId="{4877CC26-EC95-4F61-9065-89D8290E57AC}" sibTransId="{25332743-AB82-48A8-92EB-D45FFAF39B12}"/>
+    <dgm:cxn modelId="{6473E8DD-7F47-4A0F-B618-2CE72CA52131}" type="presOf" srcId="{287E08E6-10BC-4C2B-833E-D58CBC2AE39F}" destId="{4FF9174A-CD4F-4FA6-89B1-F7A06E2BB4BB}" srcOrd="1" destOrd="0" presId="urn:microsoft.com/office/officeart/2005/8/layout/list1"/>
+    <dgm:cxn modelId="{166DA5BD-CDB5-47D3-AEFA-C278E1237D3F}" type="presOf" srcId="{0DBE68F0-E79A-41D7-9D88-F55A953C3185}" destId="{1A1DCB90-3AA2-445D-BF4C-C4BFBEE4AF9C}" srcOrd="1" destOrd="0" presId="urn:microsoft.com/office/officeart/2005/8/layout/list1"/>
+    <dgm:cxn modelId="{7DC4BB2C-79BC-403C-BC4A-C3A745561B87}" srcId="{645C5C31-082C-4CEB-9EB5-58AC7AB1A67F}" destId="{A4BC30B5-AB2E-479D-A9D3-D3AAAE2C5ADD}" srcOrd="0" destOrd="0" parTransId="{70A7E2F8-1CC3-4C17-83C6-1B960055188A}" sibTransId="{57C8C671-3092-477C-A770-DB83DF935346}"/>
+    <dgm:cxn modelId="{21B8AD7E-D0F0-4CA6-9D3B-9C26AA01C4DD}" type="presOf" srcId="{2A1C540F-DBAB-449D-BB0C-0E01B8F0FE92}" destId="{E47E4FE4-3D19-4889-B8D1-827F091B0FE0}" srcOrd="0" destOrd="2" presId="urn:microsoft.com/office/officeart/2005/8/layout/list1"/>
+    <dgm:cxn modelId="{41B9FCC7-3F57-4845-B4E0-8D615C2AEBFC}" srcId="{A4BC30B5-AB2E-479D-A9D3-D3AAAE2C5ADD}" destId="{1D12D819-E443-4B4C-807C-70F6AE01AFD3}" srcOrd="0" destOrd="0" parTransId="{23875108-FF22-45F9-BA09-926463B3D12B}" sibTransId="{8594B8FC-4ABD-44EB-9B11-7E2D976C1F14}"/>
+    <dgm:cxn modelId="{2AF5B974-138B-4BF3-9A78-49D403B56968}" type="presOf" srcId="{3EE2E2E3-C0CC-4F39-9778-B41C01F46580}" destId="{657BED9F-76CB-4AFC-8593-B7813B00CEC1}" srcOrd="0" destOrd="1" presId="urn:microsoft.com/office/officeart/2005/8/layout/list1"/>
+    <dgm:cxn modelId="{E93EFB1B-BD4F-4FD1-80B1-538CDAE5BD12}" srcId="{A4BC30B5-AB2E-479D-A9D3-D3AAAE2C5ADD}" destId="{8220FD00-F440-4377-B775-AD5EF1EF920F}" srcOrd="1" destOrd="0" parTransId="{201141BB-EFDD-44D4-8582-E4D5046728EE}" sibTransId="{83D72169-D576-4FC6-BC6A-63D0361E29D0}"/>
+    <dgm:cxn modelId="{24CB7EDA-4F6B-4BA7-B671-6B46634E68C9}" srcId="{287E08E6-10BC-4C2B-833E-D58CBC2AE39F}" destId="{8916ACF3-2CA2-4A98-8FD0-B38F46633D75}" srcOrd="2" destOrd="0" parTransId="{6E811762-A209-44EB-830B-64B9BFD68BFF}" sibTransId="{49E10489-1F53-4A7B-9617-346DC019BB68}"/>
+    <dgm:cxn modelId="{50D4BA66-3CD5-43D8-B36E-424B6B19E991}" srcId="{287E08E6-10BC-4C2B-833E-D58CBC2AE39F}" destId="{B0549414-53A3-4D70-8A56-97E533233F3F}" srcOrd="0" destOrd="0" parTransId="{222749BE-F0F1-4D5C-8913-F6B896D3467D}" sibTransId="{F9D12FB2-4347-4717-AF3D-1B3F5796DC44}"/>
+    <dgm:cxn modelId="{AAA64E13-2212-42B3-AB6D-0D6EBFD95A63}" type="presOf" srcId="{F05CFBF9-CC62-4D83-BAD2-6EFEB1B24ED2}" destId="{87A17971-98CC-4444-88D2-FE80BEFAF312}" srcOrd="0" destOrd="2" presId="urn:microsoft.com/office/officeart/2005/8/layout/list1"/>
+    <dgm:cxn modelId="{67EDC39A-1A65-4E7A-9C29-B9F6B09C0220}" srcId="{645C5C31-082C-4CEB-9EB5-58AC7AB1A67F}" destId="{287E08E6-10BC-4C2B-833E-D58CBC2AE39F}" srcOrd="1" destOrd="0" parTransId="{D4D7A146-3B29-42DF-87F4-613CD503BEC8}" sibTransId="{DBC31C62-0427-4F4E-A849-8EBB73A8F245}"/>
+    <dgm:cxn modelId="{0606572B-EDAA-4BE7-A4B7-EFEB73B861C7}" type="presOf" srcId="{B0549414-53A3-4D70-8A56-97E533233F3F}" destId="{657BED9F-76CB-4AFC-8593-B7813B00CEC1}" srcOrd="0" destOrd="0" presId="urn:microsoft.com/office/officeart/2005/8/layout/list1"/>
+    <dgm:cxn modelId="{41E52ECB-BEB3-4CB8-965C-AF3A3D038E8B}" type="presOf" srcId="{645C5C31-082C-4CEB-9EB5-58AC7AB1A67F}" destId="{750BEEDC-3203-4DE0-97EC-7C7D52A2A8D9}" srcOrd="0" destOrd="0" presId="urn:microsoft.com/office/officeart/2005/8/layout/list1"/>
+    <dgm:cxn modelId="{F204618A-466C-468D-B61D-4C24D03BB228}" type="presOf" srcId="{0DBE68F0-E79A-41D7-9D88-F55A953C3185}" destId="{366908CB-19F7-4A15-A7DC-58DCBB837E27}" srcOrd="0" destOrd="0" presId="urn:microsoft.com/office/officeart/2005/8/layout/list1"/>
+    <dgm:cxn modelId="{428FF511-2AD4-4F41-B288-961B5ED2F2A7}" type="presOf" srcId="{8916ACF3-2CA2-4A98-8FD0-B38F46633D75}" destId="{657BED9F-76CB-4AFC-8593-B7813B00CEC1}" srcOrd="0" destOrd="2" presId="urn:microsoft.com/office/officeart/2005/8/layout/list1"/>
+    <dgm:cxn modelId="{A64721D4-963E-4EC2-A1D2-09619D17E15C}" type="presOf" srcId="{A4BC30B5-AB2E-479D-A9D3-D3AAAE2C5ADD}" destId="{3D45623C-260D-4743-944D-FB4BA2CA5026}" srcOrd="0" destOrd="0" presId="urn:microsoft.com/office/officeart/2005/8/layout/list1"/>
+    <dgm:cxn modelId="{487746F1-3DFF-4836-B110-152611B2FDC1}" srcId="{0DBE68F0-E79A-41D7-9D88-F55A953C3185}" destId="{E99D0F6F-10FE-4101-BC75-69AD30B076CB}" srcOrd="0" destOrd="0" parTransId="{2A6727FA-A17D-4ADC-8A60-5FB39ACCF240}" sibTransId="{59C26EAF-6918-45AB-846B-409F8843F7CF}"/>
+    <dgm:cxn modelId="{4C7172C4-5591-49E1-B705-618AA7D9C443}" srcId="{A4BC30B5-AB2E-479D-A9D3-D3AAAE2C5ADD}" destId="{F05CFBF9-CC62-4D83-BAD2-6EFEB1B24ED2}" srcOrd="2" destOrd="0" parTransId="{32CE1C97-61AB-4A00-B6BA-ADECE1E4E2D6}" sibTransId="{B41884B0-548A-4A1A-BBF6-BF06B25595C1}"/>
+    <dgm:cxn modelId="{4C0D34FD-4CF6-496E-87D2-173D84192946}" type="presOf" srcId="{E99D0F6F-10FE-4101-BC75-69AD30B076CB}" destId="{E47E4FE4-3D19-4889-B8D1-827F091B0FE0}" srcOrd="0" destOrd="0" presId="urn:microsoft.com/office/officeart/2005/8/layout/list1"/>
+    <dgm:cxn modelId="{7E321DDC-B1F1-4742-B8CB-0AE393151BC8}" srcId="{0DBE68F0-E79A-41D7-9D88-F55A953C3185}" destId="{B7CBFFF5-014D-4CF7-BA58-4F00E58B034C}" srcOrd="1" destOrd="0" parTransId="{A9717DD2-1ACC-438E-9358-1B6CC68E50BA}" sibTransId="{546779E9-B03A-4F65-9785-555FC3729109}"/>
+    <dgm:cxn modelId="{8EED9715-2F2F-4F0D-8A80-EDE35D038F2C}" type="presOf" srcId="{8220FD00-F440-4377-B775-AD5EF1EF920F}" destId="{87A17971-98CC-4444-88D2-FE80BEFAF312}" srcOrd="0" destOrd="1" presId="urn:microsoft.com/office/officeart/2005/8/layout/list1"/>
     <dgm:cxn modelId="{3DE7470D-59C2-4AB3-A0B7-B4B4C337EB22}" type="presOf" srcId="{CEE9E630-BC95-430C-8EC0-E4324FC385F1}" destId="{E47E4FE4-3D19-4889-B8D1-827F091B0FE0}" srcOrd="0" destOrd="3" presId="urn:microsoft.com/office/officeart/2005/8/layout/list1"/>
-    <dgm:cxn modelId="{428FF511-2AD4-4F41-B288-961B5ED2F2A7}" type="presOf" srcId="{8916ACF3-2CA2-4A98-8FD0-B38F46633D75}" destId="{657BED9F-76CB-4AFC-8593-B7813B00CEC1}" srcOrd="0" destOrd="2" presId="urn:microsoft.com/office/officeart/2005/8/layout/list1"/>
-    <dgm:cxn modelId="{AAA64E13-2212-42B3-AB6D-0D6EBFD95A63}" type="presOf" srcId="{F05CFBF9-CC62-4D83-BAD2-6EFEB1B24ED2}" destId="{87A17971-98CC-4444-88D2-FE80BEFAF312}" srcOrd="0" destOrd="2" presId="urn:microsoft.com/office/officeart/2005/8/layout/list1"/>
-    <dgm:cxn modelId="{8EED9715-2F2F-4F0D-8A80-EDE35D038F2C}" type="presOf" srcId="{8220FD00-F440-4377-B775-AD5EF1EF920F}" destId="{87A17971-98CC-4444-88D2-FE80BEFAF312}" srcOrd="0" destOrd="1" presId="urn:microsoft.com/office/officeart/2005/8/layout/list1"/>
-    <dgm:cxn modelId="{E93EFB1B-BD4F-4FD1-80B1-538CDAE5BD12}" srcId="{A4BC30B5-AB2E-479D-A9D3-D3AAAE2C5ADD}" destId="{8220FD00-F440-4377-B775-AD5EF1EF920F}" srcOrd="1" destOrd="0" parTransId="{201141BB-EFDD-44D4-8582-E4D5046728EE}" sibTransId="{83D72169-D576-4FC6-BC6A-63D0361E29D0}"/>
-    <dgm:cxn modelId="{0606572B-EDAA-4BE7-A4B7-EFEB73B861C7}" type="presOf" srcId="{B0549414-53A3-4D70-8A56-97E533233F3F}" destId="{657BED9F-76CB-4AFC-8593-B7813B00CEC1}" srcOrd="0" destOrd="0" presId="urn:microsoft.com/office/officeart/2005/8/layout/list1"/>
-    <dgm:cxn modelId="{7DC4BB2C-79BC-403C-BC4A-C3A745561B87}" srcId="{645C5C31-082C-4CEB-9EB5-58AC7AB1A67F}" destId="{A4BC30B5-AB2E-479D-A9D3-D3AAAE2C5ADD}" srcOrd="0" destOrd="0" parTransId="{70A7E2F8-1CC3-4C17-83C6-1B960055188A}" sibTransId="{57C8C671-3092-477C-A770-DB83DF935346}"/>
+    <dgm:cxn modelId="{987BFBF7-1AD2-4F2E-B270-DC78C93885FD}" type="presOf" srcId="{1D12D819-E443-4B4C-807C-70F6AE01AFD3}" destId="{87A17971-98CC-4444-88D2-FE80BEFAF312}" srcOrd="0" destOrd="0" presId="urn:microsoft.com/office/officeart/2005/8/layout/list1"/>
+    <dgm:cxn modelId="{67082165-75C1-4D45-9503-397863F5478A}" type="presOf" srcId="{A4BC30B5-AB2E-479D-A9D3-D3AAAE2C5ADD}" destId="{686C560D-46BE-4C58-B1B0-F28C1DDBB264}" srcOrd="1" destOrd="0" presId="urn:microsoft.com/office/officeart/2005/8/layout/list1"/>
     <dgm:cxn modelId="{111BF338-F339-4C0F-9AC3-390C1B14657F}" type="presOf" srcId="{B7CBFFF5-014D-4CF7-BA58-4F00E58B034C}" destId="{E47E4FE4-3D19-4889-B8D1-827F091B0FE0}" srcOrd="0" destOrd="1" presId="urn:microsoft.com/office/officeart/2005/8/layout/list1"/>
-    <dgm:cxn modelId="{BF3DDF60-FEC1-4C07-BFC3-C42A26254434}" srcId="{0DBE68F0-E79A-41D7-9D88-F55A953C3185}" destId="{2A1C540F-DBAB-449D-BB0C-0E01B8F0FE92}" srcOrd="2" destOrd="0" parTransId="{A4EC2E66-C518-43B8-88EB-EFDD47361EFD}" sibTransId="{6B8FEE4A-1F83-465E-9B4A-11CC342CFD56}"/>
-    <dgm:cxn modelId="{6568B764-DCFC-4CFD-A967-A74519AB4CD7}" srcId="{0DBE68F0-E79A-41D7-9D88-F55A953C3185}" destId="{CEE9E630-BC95-430C-8EC0-E4324FC385F1}" srcOrd="3" destOrd="0" parTransId="{0C89B383-8D42-4C89-BAA9-DE37A639607E}" sibTransId="{C188FF16-9A20-47A9-B32A-7D2FAC9EBD36}"/>
-    <dgm:cxn modelId="{67082165-75C1-4D45-9503-397863F5478A}" type="presOf" srcId="{A4BC30B5-AB2E-479D-A9D3-D3AAAE2C5ADD}" destId="{686C560D-46BE-4C58-B1B0-F28C1DDBB264}" srcOrd="1" destOrd="0" presId="urn:microsoft.com/office/officeart/2005/8/layout/list1"/>
-    <dgm:cxn modelId="{50D4BA66-3CD5-43D8-B36E-424B6B19E991}" srcId="{287E08E6-10BC-4C2B-833E-D58CBC2AE39F}" destId="{B0549414-53A3-4D70-8A56-97E533233F3F}" srcOrd="0" destOrd="0" parTransId="{222749BE-F0F1-4D5C-8913-F6B896D3467D}" sibTransId="{F9D12FB2-4347-4717-AF3D-1B3F5796DC44}"/>
-    <dgm:cxn modelId="{53F8626A-900F-469E-AE99-1B68BF64AC4D}" type="presOf" srcId="{287E08E6-10BC-4C2B-833E-D58CBC2AE39F}" destId="{79F5AC99-53B0-4C44-9BA2-7F3F3F9A32A8}" srcOrd="0" destOrd="0" presId="urn:microsoft.com/office/officeart/2005/8/layout/list1"/>
-    <dgm:cxn modelId="{2AF5B974-138B-4BF3-9A78-49D403B56968}" type="presOf" srcId="{3EE2E2E3-C0CC-4F39-9778-B41C01F46580}" destId="{657BED9F-76CB-4AFC-8593-B7813B00CEC1}" srcOrd="0" destOrd="1" presId="urn:microsoft.com/office/officeart/2005/8/layout/list1"/>
-    <dgm:cxn modelId="{21B8AD7E-D0F0-4CA6-9D3B-9C26AA01C4DD}" type="presOf" srcId="{2A1C540F-DBAB-449D-BB0C-0E01B8F0FE92}" destId="{E47E4FE4-3D19-4889-B8D1-827F091B0FE0}" srcOrd="0" destOrd="2" presId="urn:microsoft.com/office/officeart/2005/8/layout/list1"/>
-    <dgm:cxn modelId="{525F5D82-B964-4DDE-A199-986F509DC165}" srcId="{287E08E6-10BC-4C2B-833E-D58CBC2AE39F}" destId="{3EE2E2E3-C0CC-4F39-9778-B41C01F46580}" srcOrd="1" destOrd="0" parTransId="{4877CC26-EC95-4F61-9065-89D8290E57AC}" sibTransId="{25332743-AB82-48A8-92EB-D45FFAF39B12}"/>
-    <dgm:cxn modelId="{F204618A-466C-468D-B61D-4C24D03BB228}" type="presOf" srcId="{0DBE68F0-E79A-41D7-9D88-F55A953C3185}" destId="{366908CB-19F7-4A15-A7DC-58DCBB837E27}" srcOrd="0" destOrd="0" presId="urn:microsoft.com/office/officeart/2005/8/layout/list1"/>
-    <dgm:cxn modelId="{67EDC39A-1A65-4E7A-9C29-B9F6B09C0220}" srcId="{645C5C31-082C-4CEB-9EB5-58AC7AB1A67F}" destId="{287E08E6-10BC-4C2B-833E-D58CBC2AE39F}" srcOrd="1" destOrd="0" parTransId="{D4D7A146-3B29-42DF-87F4-613CD503BEC8}" sibTransId="{DBC31C62-0427-4F4E-A849-8EBB73A8F245}"/>
-    <dgm:cxn modelId="{166DA5BD-CDB5-47D3-AEFA-C278E1237D3F}" type="presOf" srcId="{0DBE68F0-E79A-41D7-9D88-F55A953C3185}" destId="{1A1DCB90-3AA2-445D-BF4C-C4BFBEE4AF9C}" srcOrd="1" destOrd="0" presId="urn:microsoft.com/office/officeart/2005/8/layout/list1"/>
-    <dgm:cxn modelId="{4C7172C4-5591-49E1-B705-618AA7D9C443}" srcId="{A4BC30B5-AB2E-479D-A9D3-D3AAAE2C5ADD}" destId="{F05CFBF9-CC62-4D83-BAD2-6EFEB1B24ED2}" srcOrd="2" destOrd="0" parTransId="{32CE1C97-61AB-4A00-B6BA-ADECE1E4E2D6}" sibTransId="{B41884B0-548A-4A1A-BBF6-BF06B25595C1}"/>
-    <dgm:cxn modelId="{41B9FCC7-3F57-4845-B4E0-8D615C2AEBFC}" srcId="{A4BC30B5-AB2E-479D-A9D3-D3AAAE2C5ADD}" destId="{1D12D819-E443-4B4C-807C-70F6AE01AFD3}" srcOrd="0" destOrd="0" parTransId="{23875108-FF22-45F9-BA09-926463B3D12B}" sibTransId="{8594B8FC-4ABD-44EB-9B11-7E2D976C1F14}"/>
-    <dgm:cxn modelId="{41E52ECB-BEB3-4CB8-965C-AF3A3D038E8B}" type="presOf" srcId="{645C5C31-082C-4CEB-9EB5-58AC7AB1A67F}" destId="{750BEEDC-3203-4DE0-97EC-7C7D52A2A8D9}" srcOrd="0" destOrd="0" presId="urn:microsoft.com/office/officeart/2005/8/layout/list1"/>
-    <dgm:cxn modelId="{8FFA6BD2-36E1-4D03-8D25-B2F26C5CEC2B}" srcId="{645C5C31-082C-4CEB-9EB5-58AC7AB1A67F}" destId="{0DBE68F0-E79A-41D7-9D88-F55A953C3185}" srcOrd="2" destOrd="0" parTransId="{42FC2F57-4922-41FC-B1FC-C5B739630F3B}" sibTransId="{E5703E3E-4CF2-4CC3-BBA5-0298D5DDB096}"/>
-    <dgm:cxn modelId="{A64721D4-963E-4EC2-A1D2-09619D17E15C}" type="presOf" srcId="{A4BC30B5-AB2E-479D-A9D3-D3AAAE2C5ADD}" destId="{3D45623C-260D-4743-944D-FB4BA2CA5026}" srcOrd="0" destOrd="0" presId="urn:microsoft.com/office/officeart/2005/8/layout/list1"/>
-    <dgm:cxn modelId="{24CB7EDA-4F6B-4BA7-B671-6B46634E68C9}" srcId="{287E08E6-10BC-4C2B-833E-D58CBC2AE39F}" destId="{8916ACF3-2CA2-4A98-8FD0-B38F46633D75}" srcOrd="2" destOrd="0" parTransId="{6E811762-A209-44EB-830B-64B9BFD68BFF}" sibTransId="{49E10489-1F53-4A7B-9617-346DC019BB68}"/>
-    <dgm:cxn modelId="{7E321DDC-B1F1-4742-B8CB-0AE393151BC8}" srcId="{0DBE68F0-E79A-41D7-9D88-F55A953C3185}" destId="{B7CBFFF5-014D-4CF7-BA58-4F00E58B034C}" srcOrd="1" destOrd="0" parTransId="{A9717DD2-1ACC-438E-9358-1B6CC68E50BA}" sibTransId="{546779E9-B03A-4F65-9785-555FC3729109}"/>
-    <dgm:cxn modelId="{6473E8DD-7F47-4A0F-B618-2CE72CA52131}" type="presOf" srcId="{287E08E6-10BC-4C2B-833E-D58CBC2AE39F}" destId="{4FF9174A-CD4F-4FA6-89B1-F7A06E2BB4BB}" srcOrd="1" destOrd="0" presId="urn:microsoft.com/office/officeart/2005/8/layout/list1"/>
-    <dgm:cxn modelId="{487746F1-3DFF-4836-B110-152611B2FDC1}" srcId="{0DBE68F0-E79A-41D7-9D88-F55A953C3185}" destId="{E99D0F6F-10FE-4101-BC75-69AD30B076CB}" srcOrd="0" destOrd="0" parTransId="{2A6727FA-A17D-4ADC-8A60-5FB39ACCF240}" sibTransId="{59C26EAF-6918-45AB-846B-409F8843F7CF}"/>
-    <dgm:cxn modelId="{987BFBF7-1AD2-4F2E-B270-DC78C93885FD}" type="presOf" srcId="{1D12D819-E443-4B4C-807C-70F6AE01AFD3}" destId="{87A17971-98CC-4444-88D2-FE80BEFAF312}" srcOrd="0" destOrd="0" presId="urn:microsoft.com/office/officeart/2005/8/layout/list1"/>
-    <dgm:cxn modelId="{4C0D34FD-4CF6-496E-87D2-173D84192946}" type="presOf" srcId="{E99D0F6F-10FE-4101-BC75-69AD30B076CB}" destId="{E47E4FE4-3D19-4889-B8D1-827F091B0FE0}" srcOrd="0" destOrd="0" presId="urn:microsoft.com/office/officeart/2005/8/layout/list1"/>
     <dgm:cxn modelId="{8D7F0E40-01D5-4513-8E57-58E84D08A871}" type="presParOf" srcId="{750BEEDC-3203-4DE0-97EC-7C7D52A2A8D9}" destId="{7FFB0513-FA71-4725-AC10-8CEFD90C043E}" srcOrd="0" destOrd="0" presId="urn:microsoft.com/office/officeart/2005/8/layout/list1"/>
     <dgm:cxn modelId="{F8836B2C-2FC4-46FD-B884-E54B960F6AB0}" type="presParOf" srcId="{7FFB0513-FA71-4725-AC10-8CEFD90C043E}" destId="{3D45623C-260D-4743-944D-FB4BA2CA5026}" srcOrd="0" destOrd="0" presId="urn:microsoft.com/office/officeart/2005/8/layout/list1"/>
     <dgm:cxn modelId="{41D2963E-C520-45A5-9FCB-21FB8C3F6B76}" type="presParOf" srcId="{7FFB0513-FA71-4725-AC10-8CEFD90C043E}" destId="{686C560D-46BE-4C58-B1B0-F28C1DDBB264}" srcOrd="1" destOrd="0" presId="urn:microsoft.com/office/officeart/2005/8/layout/list1"/>
@@ -6377,7 +6657,7 @@
         </a:bodyPr>
         <a:lstStyle/>
         <a:p>
-          <a:pPr marL="0" lvl="0" indent="0" algn="l" defTabSz="622300">
+          <a:pPr lvl="0" algn="l" defTabSz="622300">
             <a:lnSpc>
               <a:spcPct val="90000"/>
             </a:lnSpc>
@@ -6387,7 +6667,6 @@
             <a:spcAft>
               <a:spcPct val="35000"/>
             </a:spcAft>
-            <a:buNone/>
           </a:pPr>
           <a:r>
             <a:rPr lang="fr-CH" sz="1400" kern="1200" dirty="0"/>
@@ -6557,7 +6836,7 @@
         </a:bodyPr>
         <a:lstStyle/>
         <a:p>
-          <a:pPr marL="0" lvl="0" indent="0" algn="l" defTabSz="622300">
+          <a:pPr lvl="0" algn="l" defTabSz="622300">
             <a:lnSpc>
               <a:spcPct val="90000"/>
             </a:lnSpc>
@@ -6567,7 +6846,6 @@
             <a:spcAft>
               <a:spcPct val="35000"/>
             </a:spcAft>
-            <a:buNone/>
           </a:pPr>
           <a:r>
             <a:rPr lang="fr-CH" sz="1400" kern="1200" dirty="0"/>
@@ -6755,7 +7033,7 @@
         </a:bodyPr>
         <a:lstStyle/>
         <a:p>
-          <a:pPr marL="0" lvl="0" indent="0" algn="l" defTabSz="622300">
+          <a:pPr lvl="0" algn="l" defTabSz="622300">
             <a:lnSpc>
               <a:spcPct val="90000"/>
             </a:lnSpc>
@@ -6765,7 +7043,6 @@
             <a:spcAft>
               <a:spcPct val="35000"/>
             </a:spcAft>
-            <a:buNone/>
           </a:pPr>
           <a:r>
             <a:rPr lang="fr-CH" sz="1400" kern="1200" dirty="0"/>
@@ -6947,7 +7224,7 @@
         </a:bodyPr>
         <a:lstStyle/>
         <a:p>
-          <a:pPr marL="0" lvl="0" indent="0" algn="l" defTabSz="622300">
+          <a:pPr lvl="0" algn="l" defTabSz="622300">
             <a:lnSpc>
               <a:spcPct val="90000"/>
             </a:lnSpc>
@@ -6957,7 +7234,6 @@
             <a:spcAft>
               <a:spcPct val="35000"/>
             </a:spcAft>
-            <a:buNone/>
           </a:pPr>
           <a:r>
             <a:rPr lang="fr-CH" sz="1400" kern="1200" dirty="0"/>
@@ -7119,7 +7395,7 @@
         </a:bodyPr>
         <a:lstStyle/>
         <a:p>
-          <a:pPr marL="0" lvl="0" indent="0" algn="l" defTabSz="622300">
+          <a:pPr lvl="0" algn="l" defTabSz="622300">
             <a:lnSpc>
               <a:spcPct val="90000"/>
             </a:lnSpc>
@@ -7129,7 +7405,6 @@
             <a:spcAft>
               <a:spcPct val="35000"/>
             </a:spcAft>
-            <a:buNone/>
           </a:pPr>
           <a:r>
             <a:rPr lang="fr-CH" sz="1400" kern="1200" dirty="0"/>
@@ -7309,7 +7584,7 @@
         </a:bodyPr>
         <a:lstStyle/>
         <a:p>
-          <a:pPr marL="0" lvl="0" indent="0" algn="l" defTabSz="622300">
+          <a:pPr lvl="0" algn="l" defTabSz="622300">
             <a:lnSpc>
               <a:spcPct val="90000"/>
             </a:lnSpc>
@@ -7319,7 +7594,6 @@
             <a:spcAft>
               <a:spcPct val="35000"/>
             </a:spcAft>
-            <a:buNone/>
           </a:pPr>
           <a:r>
             <a:rPr lang="fr-CH" sz="1400" kern="1200" dirty="0"/>
@@ -7493,7 +7767,7 @@
         </a:bodyPr>
         <a:lstStyle/>
         <a:p>
-          <a:pPr marL="0" lvl="0" indent="0" algn="l" defTabSz="622300">
+          <a:pPr lvl="0" algn="l" defTabSz="622300">
             <a:lnSpc>
               <a:spcPct val="90000"/>
             </a:lnSpc>
@@ -7503,7 +7777,6 @@
             <a:spcAft>
               <a:spcPct val="35000"/>
             </a:spcAft>
-            <a:buNone/>
           </a:pPr>
           <a:r>
             <a:rPr lang="fr-CH" sz="1400" kern="1200" dirty="0"/>
@@ -7673,7 +7946,7 @@
         </a:bodyPr>
         <a:lstStyle/>
         <a:p>
-          <a:pPr marL="0" lvl="0" indent="0" algn="l" defTabSz="622300">
+          <a:pPr lvl="0" algn="l" defTabSz="622300">
             <a:lnSpc>
               <a:spcPct val="90000"/>
             </a:lnSpc>
@@ -7683,7 +7956,6 @@
             <a:spcAft>
               <a:spcPct val="35000"/>
             </a:spcAft>
-            <a:buNone/>
           </a:pPr>
           <a:r>
             <a:rPr lang="fr-CH" sz="1400" kern="1200" dirty="0"/>
@@ -7863,7 +8135,7 @@
         </a:bodyPr>
         <a:lstStyle/>
         <a:p>
-          <a:pPr marL="0" lvl="0" indent="0" algn="l" defTabSz="622300">
+          <a:pPr lvl="0" algn="l" defTabSz="622300">
             <a:lnSpc>
               <a:spcPct val="90000"/>
             </a:lnSpc>
@@ -7873,7 +8145,6 @@
             <a:spcAft>
               <a:spcPct val="35000"/>
             </a:spcAft>
-            <a:buNone/>
           </a:pPr>
           <a:r>
             <a:rPr lang="fr-CH" sz="1400" kern="1200" dirty="0"/>
@@ -8047,7 +8318,7 @@
         </a:bodyPr>
         <a:lstStyle/>
         <a:p>
-          <a:pPr marL="0" lvl="0" indent="0" algn="l" defTabSz="622300">
+          <a:pPr lvl="0" algn="l" defTabSz="622300">
             <a:lnSpc>
               <a:spcPct val="90000"/>
             </a:lnSpc>
@@ -8057,7 +8328,6 @@
             <a:spcAft>
               <a:spcPct val="35000"/>
             </a:spcAft>
-            <a:buNone/>
           </a:pPr>
           <a:r>
             <a:rPr lang="fr-CH" sz="1400" kern="1200" dirty="0"/>
@@ -8219,7 +8489,7 @@
         </a:bodyPr>
         <a:lstStyle/>
         <a:p>
-          <a:pPr marL="0" lvl="0" indent="0" algn="l" defTabSz="622300">
+          <a:pPr lvl="0" algn="l" defTabSz="622300">
             <a:lnSpc>
               <a:spcPct val="90000"/>
             </a:lnSpc>
@@ -8229,7 +8499,6 @@
             <a:spcAft>
               <a:spcPct val="35000"/>
             </a:spcAft>
-            <a:buNone/>
           </a:pPr>
           <a:r>
             <a:rPr lang="fr-CH" sz="1400" kern="1200" dirty="0"/>
@@ -8417,7 +8686,7 @@
         </a:bodyPr>
         <a:lstStyle/>
         <a:p>
-          <a:pPr marL="0" lvl="0" indent="0" algn="l" defTabSz="622300">
+          <a:pPr lvl="0" algn="l" defTabSz="622300">
             <a:lnSpc>
               <a:spcPct val="90000"/>
             </a:lnSpc>
@@ -8427,7 +8696,6 @@
             <a:spcAft>
               <a:spcPct val="35000"/>
             </a:spcAft>
-            <a:buNone/>
           </a:pPr>
           <a:r>
             <a:rPr lang="fr-CH" sz="1400" kern="1200" dirty="0"/>
@@ -13502,7 +13770,7 @@
           <p:cNvPr id="2" name="Title 1">
             <a:extLst>
               <a:ext uri="{FF2B5EF4-FFF2-40B4-BE49-F238E27FC236}">
-                <a16:creationId xmlns:a16="http://schemas.microsoft.com/office/drawing/2014/main" id="{3576FFE6-2561-4672-9763-3008B8C38AEE}"/>
+                <a16:creationId xmlns:a16="http://schemas.microsoft.com/office/drawing/2014/main" xmlns="" id="{3576FFE6-2561-4672-9763-3008B8C38AEE}"/>
               </a:ext>
             </a:extLst>
           </p:cNvPr>
@@ -13540,7 +13808,7 @@
           <p:cNvPr id="3" name="Subtitle 2">
             <a:extLst>
               <a:ext uri="{FF2B5EF4-FFF2-40B4-BE49-F238E27FC236}">
-                <a16:creationId xmlns:a16="http://schemas.microsoft.com/office/drawing/2014/main" id="{CC450D80-1866-4C8E-9670-AC432D7258F1}"/>
+                <a16:creationId xmlns:a16="http://schemas.microsoft.com/office/drawing/2014/main" xmlns="" id="{CC450D80-1866-4C8E-9670-AC432D7258F1}"/>
               </a:ext>
             </a:extLst>
           </p:cNvPr>
@@ -13611,7 +13879,7 @@
           <p:cNvPr id="4" name="Date Placeholder 3">
             <a:extLst>
               <a:ext uri="{FF2B5EF4-FFF2-40B4-BE49-F238E27FC236}">
-                <a16:creationId xmlns:a16="http://schemas.microsoft.com/office/drawing/2014/main" id="{E3D8759A-1010-46A6-A994-EE8613F3447D}"/>
+                <a16:creationId xmlns:a16="http://schemas.microsoft.com/office/drawing/2014/main" xmlns="" id="{E3D8759A-1010-46A6-A994-EE8613F3447D}"/>
               </a:ext>
             </a:extLst>
           </p:cNvPr>
@@ -13629,7 +13897,7 @@
           <a:p>
             <a:fld id="{E3DEA82E-27FE-4840-872E-8DDC830CDE68}" type="datetimeFigureOut">
               <a:rPr lang="fr-CH" smtClean="0"/>
-              <a:t>21.01.2018</a:t>
+              <a:t>22.01.18</a:t>
             </a:fld>
             <a:endParaRPr lang="fr-CH"/>
           </a:p>
@@ -13640,7 +13908,7 @@
           <p:cNvPr id="5" name="Footer Placeholder 4">
             <a:extLst>
               <a:ext uri="{FF2B5EF4-FFF2-40B4-BE49-F238E27FC236}">
-                <a16:creationId xmlns:a16="http://schemas.microsoft.com/office/drawing/2014/main" id="{1E6EA373-10EA-4CE9-B259-D133CF8123FC}"/>
+                <a16:creationId xmlns:a16="http://schemas.microsoft.com/office/drawing/2014/main" xmlns="" id="{1E6EA373-10EA-4CE9-B259-D133CF8123FC}"/>
               </a:ext>
             </a:extLst>
           </p:cNvPr>
@@ -13665,7 +13933,7 @@
           <p:cNvPr id="6" name="Slide Number Placeholder 5">
             <a:extLst>
               <a:ext uri="{FF2B5EF4-FFF2-40B4-BE49-F238E27FC236}">
-                <a16:creationId xmlns:a16="http://schemas.microsoft.com/office/drawing/2014/main" id="{D6CF43C0-7266-4E4C-8BE2-C63B19BE3397}"/>
+                <a16:creationId xmlns:a16="http://schemas.microsoft.com/office/drawing/2014/main" xmlns="" id="{D6CF43C0-7266-4E4C-8BE2-C63B19BE3397}"/>
               </a:ext>
             </a:extLst>
           </p:cNvPr>
@@ -13724,7 +13992,7 @@
           <p:cNvPr id="2" name="Title 1">
             <a:extLst>
               <a:ext uri="{FF2B5EF4-FFF2-40B4-BE49-F238E27FC236}">
-                <a16:creationId xmlns:a16="http://schemas.microsoft.com/office/drawing/2014/main" id="{946127C9-F008-4CA7-A21E-6371BA129DAF}"/>
+                <a16:creationId xmlns:a16="http://schemas.microsoft.com/office/drawing/2014/main" xmlns="" id="{946127C9-F008-4CA7-A21E-6371BA129DAF}"/>
               </a:ext>
             </a:extLst>
           </p:cNvPr>
@@ -13753,7 +14021,7 @@
           <p:cNvPr id="3" name="Vertical Text Placeholder 2">
             <a:extLst>
               <a:ext uri="{FF2B5EF4-FFF2-40B4-BE49-F238E27FC236}">
-                <a16:creationId xmlns:a16="http://schemas.microsoft.com/office/drawing/2014/main" id="{49896EC3-38F6-47A6-A62F-81494A5F2D64}"/>
+                <a16:creationId xmlns:a16="http://schemas.microsoft.com/office/drawing/2014/main" xmlns="" id="{49896EC3-38F6-47A6-A62F-81494A5F2D64}"/>
               </a:ext>
             </a:extLst>
           </p:cNvPr>
@@ -13811,7 +14079,7 @@
           <p:cNvPr id="4" name="Date Placeholder 3">
             <a:extLst>
               <a:ext uri="{FF2B5EF4-FFF2-40B4-BE49-F238E27FC236}">
-                <a16:creationId xmlns:a16="http://schemas.microsoft.com/office/drawing/2014/main" id="{2990DC7D-8418-42DF-BE7D-A43BEEA79E5C}"/>
+                <a16:creationId xmlns:a16="http://schemas.microsoft.com/office/drawing/2014/main" xmlns="" id="{2990DC7D-8418-42DF-BE7D-A43BEEA79E5C}"/>
               </a:ext>
             </a:extLst>
           </p:cNvPr>
@@ -13829,7 +14097,7 @@
           <a:p>
             <a:fld id="{E3DEA82E-27FE-4840-872E-8DDC830CDE68}" type="datetimeFigureOut">
               <a:rPr lang="fr-CH" smtClean="0"/>
-              <a:t>21.01.2018</a:t>
+              <a:t>22.01.18</a:t>
             </a:fld>
             <a:endParaRPr lang="fr-CH"/>
           </a:p>
@@ -13840,7 +14108,7 @@
           <p:cNvPr id="5" name="Footer Placeholder 4">
             <a:extLst>
               <a:ext uri="{FF2B5EF4-FFF2-40B4-BE49-F238E27FC236}">
-                <a16:creationId xmlns:a16="http://schemas.microsoft.com/office/drawing/2014/main" id="{FA01B3E1-F761-4CCE-9F63-3845E35D0A58}"/>
+                <a16:creationId xmlns:a16="http://schemas.microsoft.com/office/drawing/2014/main" xmlns="" id="{FA01B3E1-F761-4CCE-9F63-3845E35D0A58}"/>
               </a:ext>
             </a:extLst>
           </p:cNvPr>
@@ -13865,7 +14133,7 @@
           <p:cNvPr id="6" name="Slide Number Placeholder 5">
             <a:extLst>
               <a:ext uri="{FF2B5EF4-FFF2-40B4-BE49-F238E27FC236}">
-                <a16:creationId xmlns:a16="http://schemas.microsoft.com/office/drawing/2014/main" id="{58CD91C0-1953-417D-89A4-4FEF2CC8D631}"/>
+                <a16:creationId xmlns:a16="http://schemas.microsoft.com/office/drawing/2014/main" xmlns="" id="{58CD91C0-1953-417D-89A4-4FEF2CC8D631}"/>
               </a:ext>
             </a:extLst>
           </p:cNvPr>
@@ -13924,7 +14192,7 @@
           <p:cNvPr id="2" name="Vertical Title 1">
             <a:extLst>
               <a:ext uri="{FF2B5EF4-FFF2-40B4-BE49-F238E27FC236}">
-                <a16:creationId xmlns:a16="http://schemas.microsoft.com/office/drawing/2014/main" id="{836405DE-E930-4C93-A4EF-C05559ADA9A4}"/>
+                <a16:creationId xmlns:a16="http://schemas.microsoft.com/office/drawing/2014/main" xmlns="" id="{836405DE-E930-4C93-A4EF-C05559ADA9A4}"/>
               </a:ext>
             </a:extLst>
           </p:cNvPr>
@@ -13958,7 +14226,7 @@
           <p:cNvPr id="3" name="Vertical Text Placeholder 2">
             <a:extLst>
               <a:ext uri="{FF2B5EF4-FFF2-40B4-BE49-F238E27FC236}">
-                <a16:creationId xmlns:a16="http://schemas.microsoft.com/office/drawing/2014/main" id="{4B948F71-2270-4C3C-B21C-E2FACA9ECB6A}"/>
+                <a16:creationId xmlns:a16="http://schemas.microsoft.com/office/drawing/2014/main" xmlns="" id="{4B948F71-2270-4C3C-B21C-E2FACA9ECB6A}"/>
               </a:ext>
             </a:extLst>
           </p:cNvPr>
@@ -14021,7 +14289,7 @@
           <p:cNvPr id="4" name="Date Placeholder 3">
             <a:extLst>
               <a:ext uri="{FF2B5EF4-FFF2-40B4-BE49-F238E27FC236}">
-                <a16:creationId xmlns:a16="http://schemas.microsoft.com/office/drawing/2014/main" id="{4AFE3CB6-07DE-4C4D-BB90-B00003ECE214}"/>
+                <a16:creationId xmlns:a16="http://schemas.microsoft.com/office/drawing/2014/main" xmlns="" id="{4AFE3CB6-07DE-4C4D-BB90-B00003ECE214}"/>
               </a:ext>
             </a:extLst>
           </p:cNvPr>
@@ -14039,7 +14307,7 @@
           <a:p>
             <a:fld id="{E3DEA82E-27FE-4840-872E-8DDC830CDE68}" type="datetimeFigureOut">
               <a:rPr lang="fr-CH" smtClean="0"/>
-              <a:t>21.01.2018</a:t>
+              <a:t>22.01.18</a:t>
             </a:fld>
             <a:endParaRPr lang="fr-CH"/>
           </a:p>
@@ -14050,7 +14318,7 @@
           <p:cNvPr id="5" name="Footer Placeholder 4">
             <a:extLst>
               <a:ext uri="{FF2B5EF4-FFF2-40B4-BE49-F238E27FC236}">
-                <a16:creationId xmlns:a16="http://schemas.microsoft.com/office/drawing/2014/main" id="{70E5E91D-0779-4006-AE3D-A0C261E0E267}"/>
+                <a16:creationId xmlns:a16="http://schemas.microsoft.com/office/drawing/2014/main" xmlns="" id="{70E5E91D-0779-4006-AE3D-A0C261E0E267}"/>
               </a:ext>
             </a:extLst>
           </p:cNvPr>
@@ -14075,7 +14343,7 @@
           <p:cNvPr id="6" name="Slide Number Placeholder 5">
             <a:extLst>
               <a:ext uri="{FF2B5EF4-FFF2-40B4-BE49-F238E27FC236}">
-                <a16:creationId xmlns:a16="http://schemas.microsoft.com/office/drawing/2014/main" id="{84223024-2A33-49E0-8AE0-50296556BD86}"/>
+                <a16:creationId xmlns:a16="http://schemas.microsoft.com/office/drawing/2014/main" xmlns="" id="{84223024-2A33-49E0-8AE0-50296556BD86}"/>
               </a:ext>
             </a:extLst>
           </p:cNvPr>
@@ -14134,7 +14402,7 @@
           <p:cNvPr id="2" name="Title 1">
             <a:extLst>
               <a:ext uri="{FF2B5EF4-FFF2-40B4-BE49-F238E27FC236}">
-                <a16:creationId xmlns:a16="http://schemas.microsoft.com/office/drawing/2014/main" id="{E0E4878A-91F5-4EA7-A889-820348B4D79B}"/>
+                <a16:creationId xmlns:a16="http://schemas.microsoft.com/office/drawing/2014/main" xmlns="" id="{E0E4878A-91F5-4EA7-A889-820348B4D79B}"/>
               </a:ext>
             </a:extLst>
           </p:cNvPr>
@@ -14163,7 +14431,7 @@
           <p:cNvPr id="3" name="Content Placeholder 2">
             <a:extLst>
               <a:ext uri="{FF2B5EF4-FFF2-40B4-BE49-F238E27FC236}">
-                <a16:creationId xmlns:a16="http://schemas.microsoft.com/office/drawing/2014/main" id="{C9D27695-837D-427F-93C4-0B06C3171136}"/>
+                <a16:creationId xmlns:a16="http://schemas.microsoft.com/office/drawing/2014/main" xmlns="" id="{C9D27695-837D-427F-93C4-0B06C3171136}"/>
               </a:ext>
             </a:extLst>
           </p:cNvPr>
@@ -14221,7 +14489,7 @@
           <p:cNvPr id="4" name="Date Placeholder 3">
             <a:extLst>
               <a:ext uri="{FF2B5EF4-FFF2-40B4-BE49-F238E27FC236}">
-                <a16:creationId xmlns:a16="http://schemas.microsoft.com/office/drawing/2014/main" id="{9898B111-D4CA-430E-A5A6-87CE49A3003C}"/>
+                <a16:creationId xmlns:a16="http://schemas.microsoft.com/office/drawing/2014/main" xmlns="" id="{9898B111-D4CA-430E-A5A6-87CE49A3003C}"/>
               </a:ext>
             </a:extLst>
           </p:cNvPr>
@@ -14239,7 +14507,7 @@
           <a:p>
             <a:fld id="{E3DEA82E-27FE-4840-872E-8DDC830CDE68}" type="datetimeFigureOut">
               <a:rPr lang="fr-CH" smtClean="0"/>
-              <a:t>21.01.2018</a:t>
+              <a:t>22.01.18</a:t>
             </a:fld>
             <a:endParaRPr lang="fr-CH"/>
           </a:p>
@@ -14250,7 +14518,7 @@
           <p:cNvPr id="5" name="Footer Placeholder 4">
             <a:extLst>
               <a:ext uri="{FF2B5EF4-FFF2-40B4-BE49-F238E27FC236}">
-                <a16:creationId xmlns:a16="http://schemas.microsoft.com/office/drawing/2014/main" id="{817F12A0-12F8-44B0-9AFA-010B4521474A}"/>
+                <a16:creationId xmlns:a16="http://schemas.microsoft.com/office/drawing/2014/main" xmlns="" id="{817F12A0-12F8-44B0-9AFA-010B4521474A}"/>
               </a:ext>
             </a:extLst>
           </p:cNvPr>
@@ -14275,7 +14543,7 @@
           <p:cNvPr id="6" name="Slide Number Placeholder 5">
             <a:extLst>
               <a:ext uri="{FF2B5EF4-FFF2-40B4-BE49-F238E27FC236}">
-                <a16:creationId xmlns:a16="http://schemas.microsoft.com/office/drawing/2014/main" id="{1952BAF8-79F5-4CC4-AF2F-29AF792FC8BC}"/>
+                <a16:creationId xmlns:a16="http://schemas.microsoft.com/office/drawing/2014/main" xmlns="" id="{1952BAF8-79F5-4CC4-AF2F-29AF792FC8BC}"/>
               </a:ext>
             </a:extLst>
           </p:cNvPr>
@@ -14334,7 +14602,7 @@
           <p:cNvPr id="2" name="Title 1">
             <a:extLst>
               <a:ext uri="{FF2B5EF4-FFF2-40B4-BE49-F238E27FC236}">
-                <a16:creationId xmlns:a16="http://schemas.microsoft.com/office/drawing/2014/main" id="{BBD85009-4C38-4D3F-827B-9155B6C2D29A}"/>
+                <a16:creationId xmlns:a16="http://schemas.microsoft.com/office/drawing/2014/main" xmlns="" id="{BBD85009-4C38-4D3F-827B-9155B6C2D29A}"/>
               </a:ext>
             </a:extLst>
           </p:cNvPr>
@@ -14372,7 +14640,7 @@
           <p:cNvPr id="3" name="Text Placeholder 2">
             <a:extLst>
               <a:ext uri="{FF2B5EF4-FFF2-40B4-BE49-F238E27FC236}">
-                <a16:creationId xmlns:a16="http://schemas.microsoft.com/office/drawing/2014/main" id="{2C8FB515-F8AC-42A1-89E1-5479FC2469BE}"/>
+                <a16:creationId xmlns:a16="http://schemas.microsoft.com/office/drawing/2014/main" xmlns="" id="{2C8FB515-F8AC-42A1-89E1-5479FC2469BE}"/>
               </a:ext>
             </a:extLst>
           </p:cNvPr>
@@ -14497,7 +14765,7 @@
           <p:cNvPr id="4" name="Date Placeholder 3">
             <a:extLst>
               <a:ext uri="{FF2B5EF4-FFF2-40B4-BE49-F238E27FC236}">
-                <a16:creationId xmlns:a16="http://schemas.microsoft.com/office/drawing/2014/main" id="{BA155D2E-90AA-4F45-850E-8C720CAA01CC}"/>
+                <a16:creationId xmlns:a16="http://schemas.microsoft.com/office/drawing/2014/main" xmlns="" id="{BA155D2E-90AA-4F45-850E-8C720CAA01CC}"/>
               </a:ext>
             </a:extLst>
           </p:cNvPr>
@@ -14515,7 +14783,7 @@
           <a:p>
             <a:fld id="{E3DEA82E-27FE-4840-872E-8DDC830CDE68}" type="datetimeFigureOut">
               <a:rPr lang="fr-CH" smtClean="0"/>
-              <a:t>21.01.2018</a:t>
+              <a:t>22.01.18</a:t>
             </a:fld>
             <a:endParaRPr lang="fr-CH"/>
           </a:p>
@@ -14526,7 +14794,7 @@
           <p:cNvPr id="5" name="Footer Placeholder 4">
             <a:extLst>
               <a:ext uri="{FF2B5EF4-FFF2-40B4-BE49-F238E27FC236}">
-                <a16:creationId xmlns:a16="http://schemas.microsoft.com/office/drawing/2014/main" id="{8592D1F1-D130-455D-92C6-A5D55D10FF09}"/>
+                <a16:creationId xmlns:a16="http://schemas.microsoft.com/office/drawing/2014/main" xmlns="" id="{8592D1F1-D130-455D-92C6-A5D55D10FF09}"/>
               </a:ext>
             </a:extLst>
           </p:cNvPr>
@@ -14551,7 +14819,7 @@
           <p:cNvPr id="6" name="Slide Number Placeholder 5">
             <a:extLst>
               <a:ext uri="{FF2B5EF4-FFF2-40B4-BE49-F238E27FC236}">
-                <a16:creationId xmlns:a16="http://schemas.microsoft.com/office/drawing/2014/main" id="{33CE23D0-BE4C-4F69-B2DE-8187C1FCB880}"/>
+                <a16:creationId xmlns:a16="http://schemas.microsoft.com/office/drawing/2014/main" xmlns="" id="{33CE23D0-BE4C-4F69-B2DE-8187C1FCB880}"/>
               </a:ext>
             </a:extLst>
           </p:cNvPr>
@@ -14610,7 +14878,7 @@
           <p:cNvPr id="2" name="Title 1">
             <a:extLst>
               <a:ext uri="{FF2B5EF4-FFF2-40B4-BE49-F238E27FC236}">
-                <a16:creationId xmlns:a16="http://schemas.microsoft.com/office/drawing/2014/main" id="{768A37AE-8A89-4FEF-ABF8-E2381AF0706B}"/>
+                <a16:creationId xmlns:a16="http://schemas.microsoft.com/office/drawing/2014/main" xmlns="" id="{768A37AE-8A89-4FEF-ABF8-E2381AF0706B}"/>
               </a:ext>
             </a:extLst>
           </p:cNvPr>
@@ -14639,7 +14907,7 @@
           <p:cNvPr id="3" name="Content Placeholder 2">
             <a:extLst>
               <a:ext uri="{FF2B5EF4-FFF2-40B4-BE49-F238E27FC236}">
-                <a16:creationId xmlns:a16="http://schemas.microsoft.com/office/drawing/2014/main" id="{9A3702B7-F066-4939-A7D0-CC028DFE1A05}"/>
+                <a16:creationId xmlns:a16="http://schemas.microsoft.com/office/drawing/2014/main" xmlns="" id="{9A3702B7-F066-4939-A7D0-CC028DFE1A05}"/>
               </a:ext>
             </a:extLst>
           </p:cNvPr>
@@ -14702,7 +14970,7 @@
           <p:cNvPr id="4" name="Content Placeholder 3">
             <a:extLst>
               <a:ext uri="{FF2B5EF4-FFF2-40B4-BE49-F238E27FC236}">
-                <a16:creationId xmlns:a16="http://schemas.microsoft.com/office/drawing/2014/main" id="{4FAC068F-BEC7-4268-AF55-82E70F27E940}"/>
+                <a16:creationId xmlns:a16="http://schemas.microsoft.com/office/drawing/2014/main" xmlns="" id="{4FAC068F-BEC7-4268-AF55-82E70F27E940}"/>
               </a:ext>
             </a:extLst>
           </p:cNvPr>
@@ -14765,7 +15033,7 @@
           <p:cNvPr id="5" name="Date Placeholder 4">
             <a:extLst>
               <a:ext uri="{FF2B5EF4-FFF2-40B4-BE49-F238E27FC236}">
-                <a16:creationId xmlns:a16="http://schemas.microsoft.com/office/drawing/2014/main" id="{50AFF703-A216-4D7A-B83B-F4CE13DB9BE0}"/>
+                <a16:creationId xmlns:a16="http://schemas.microsoft.com/office/drawing/2014/main" xmlns="" id="{50AFF703-A216-4D7A-B83B-F4CE13DB9BE0}"/>
               </a:ext>
             </a:extLst>
           </p:cNvPr>
@@ -14783,7 +15051,7 @@
           <a:p>
             <a:fld id="{E3DEA82E-27FE-4840-872E-8DDC830CDE68}" type="datetimeFigureOut">
               <a:rPr lang="fr-CH" smtClean="0"/>
-              <a:t>21.01.2018</a:t>
+              <a:t>22.01.18</a:t>
             </a:fld>
             <a:endParaRPr lang="fr-CH"/>
           </a:p>
@@ -14794,7 +15062,7 @@
           <p:cNvPr id="6" name="Footer Placeholder 5">
             <a:extLst>
               <a:ext uri="{FF2B5EF4-FFF2-40B4-BE49-F238E27FC236}">
-                <a16:creationId xmlns:a16="http://schemas.microsoft.com/office/drawing/2014/main" id="{82693E17-C00E-4EA2-AE98-1AFA9EB1B201}"/>
+                <a16:creationId xmlns:a16="http://schemas.microsoft.com/office/drawing/2014/main" xmlns="" id="{82693E17-C00E-4EA2-AE98-1AFA9EB1B201}"/>
               </a:ext>
             </a:extLst>
           </p:cNvPr>
@@ -14819,7 +15087,7 @@
           <p:cNvPr id="7" name="Slide Number Placeholder 6">
             <a:extLst>
               <a:ext uri="{FF2B5EF4-FFF2-40B4-BE49-F238E27FC236}">
-                <a16:creationId xmlns:a16="http://schemas.microsoft.com/office/drawing/2014/main" id="{64A37ACE-B272-4D31-A580-54A577DD0D84}"/>
+                <a16:creationId xmlns:a16="http://schemas.microsoft.com/office/drawing/2014/main" xmlns="" id="{64A37ACE-B272-4D31-A580-54A577DD0D84}"/>
               </a:ext>
             </a:extLst>
           </p:cNvPr>
@@ -14878,7 +15146,7 @@
           <p:cNvPr id="2" name="Title 1">
             <a:extLst>
               <a:ext uri="{FF2B5EF4-FFF2-40B4-BE49-F238E27FC236}">
-                <a16:creationId xmlns:a16="http://schemas.microsoft.com/office/drawing/2014/main" id="{CB09F7F9-C011-489D-95F3-1F6A6721ADF2}"/>
+                <a16:creationId xmlns:a16="http://schemas.microsoft.com/office/drawing/2014/main" xmlns="" id="{CB09F7F9-C011-489D-95F3-1F6A6721ADF2}"/>
               </a:ext>
             </a:extLst>
           </p:cNvPr>
@@ -14912,7 +15180,7 @@
           <p:cNvPr id="3" name="Text Placeholder 2">
             <a:extLst>
               <a:ext uri="{FF2B5EF4-FFF2-40B4-BE49-F238E27FC236}">
-                <a16:creationId xmlns:a16="http://schemas.microsoft.com/office/drawing/2014/main" id="{0241DEEC-8753-4B78-A669-3F22A6E7B5C3}"/>
+                <a16:creationId xmlns:a16="http://schemas.microsoft.com/office/drawing/2014/main" xmlns="" id="{0241DEEC-8753-4B78-A669-3F22A6E7B5C3}"/>
               </a:ext>
             </a:extLst>
           </p:cNvPr>
@@ -14983,7 +15251,7 @@
           <p:cNvPr id="4" name="Content Placeholder 3">
             <a:extLst>
               <a:ext uri="{FF2B5EF4-FFF2-40B4-BE49-F238E27FC236}">
-                <a16:creationId xmlns:a16="http://schemas.microsoft.com/office/drawing/2014/main" id="{6110F8E3-20AF-4F69-ADA8-26D8A9B282BD}"/>
+                <a16:creationId xmlns:a16="http://schemas.microsoft.com/office/drawing/2014/main" xmlns="" id="{6110F8E3-20AF-4F69-ADA8-26D8A9B282BD}"/>
               </a:ext>
             </a:extLst>
           </p:cNvPr>
@@ -15046,7 +15314,7 @@
           <p:cNvPr id="5" name="Text Placeholder 4">
             <a:extLst>
               <a:ext uri="{FF2B5EF4-FFF2-40B4-BE49-F238E27FC236}">
-                <a16:creationId xmlns:a16="http://schemas.microsoft.com/office/drawing/2014/main" id="{9B2F22C1-8425-4ADE-B445-DFE6A0FB5E99}"/>
+                <a16:creationId xmlns:a16="http://schemas.microsoft.com/office/drawing/2014/main" xmlns="" id="{9B2F22C1-8425-4ADE-B445-DFE6A0FB5E99}"/>
               </a:ext>
             </a:extLst>
           </p:cNvPr>
@@ -15117,7 +15385,7 @@
           <p:cNvPr id="6" name="Content Placeholder 5">
             <a:extLst>
               <a:ext uri="{FF2B5EF4-FFF2-40B4-BE49-F238E27FC236}">
-                <a16:creationId xmlns:a16="http://schemas.microsoft.com/office/drawing/2014/main" id="{E510088C-C8DE-43B4-BAA4-954F06AAAA18}"/>
+                <a16:creationId xmlns:a16="http://schemas.microsoft.com/office/drawing/2014/main" xmlns="" id="{E510088C-C8DE-43B4-BAA4-954F06AAAA18}"/>
               </a:ext>
             </a:extLst>
           </p:cNvPr>
@@ -15180,7 +15448,7 @@
           <p:cNvPr id="7" name="Date Placeholder 6">
             <a:extLst>
               <a:ext uri="{FF2B5EF4-FFF2-40B4-BE49-F238E27FC236}">
-                <a16:creationId xmlns:a16="http://schemas.microsoft.com/office/drawing/2014/main" id="{8D8F59D1-FD12-40F9-B94A-4DB49F9A62EA}"/>
+                <a16:creationId xmlns:a16="http://schemas.microsoft.com/office/drawing/2014/main" xmlns="" id="{8D8F59D1-FD12-40F9-B94A-4DB49F9A62EA}"/>
               </a:ext>
             </a:extLst>
           </p:cNvPr>
@@ -15198,7 +15466,7 @@
           <a:p>
             <a:fld id="{E3DEA82E-27FE-4840-872E-8DDC830CDE68}" type="datetimeFigureOut">
               <a:rPr lang="fr-CH" smtClean="0"/>
-              <a:t>21.01.2018</a:t>
+              <a:t>22.01.18</a:t>
             </a:fld>
             <a:endParaRPr lang="fr-CH"/>
           </a:p>
@@ -15209,7 +15477,7 @@
           <p:cNvPr id="8" name="Footer Placeholder 7">
             <a:extLst>
               <a:ext uri="{FF2B5EF4-FFF2-40B4-BE49-F238E27FC236}">
-                <a16:creationId xmlns:a16="http://schemas.microsoft.com/office/drawing/2014/main" id="{D3787240-19D9-42F6-80C6-795998D7C293}"/>
+                <a16:creationId xmlns:a16="http://schemas.microsoft.com/office/drawing/2014/main" xmlns="" id="{D3787240-19D9-42F6-80C6-795998D7C293}"/>
               </a:ext>
             </a:extLst>
           </p:cNvPr>
@@ -15234,7 +15502,7 @@
           <p:cNvPr id="9" name="Slide Number Placeholder 8">
             <a:extLst>
               <a:ext uri="{FF2B5EF4-FFF2-40B4-BE49-F238E27FC236}">
-                <a16:creationId xmlns:a16="http://schemas.microsoft.com/office/drawing/2014/main" id="{DAC99A14-142A-4531-8F3D-D401E0DE88F8}"/>
+                <a16:creationId xmlns:a16="http://schemas.microsoft.com/office/drawing/2014/main" xmlns="" id="{DAC99A14-142A-4531-8F3D-D401E0DE88F8}"/>
               </a:ext>
             </a:extLst>
           </p:cNvPr>
@@ -15293,7 +15561,7 @@
           <p:cNvPr id="2" name="Title 1">
             <a:extLst>
               <a:ext uri="{FF2B5EF4-FFF2-40B4-BE49-F238E27FC236}">
-                <a16:creationId xmlns:a16="http://schemas.microsoft.com/office/drawing/2014/main" id="{5F0EF018-ACFD-4433-B8C1-1D317E2FCB95}"/>
+                <a16:creationId xmlns:a16="http://schemas.microsoft.com/office/drawing/2014/main" xmlns="" id="{5F0EF018-ACFD-4433-B8C1-1D317E2FCB95}"/>
               </a:ext>
             </a:extLst>
           </p:cNvPr>
@@ -15322,7 +15590,7 @@
           <p:cNvPr id="3" name="Date Placeholder 2">
             <a:extLst>
               <a:ext uri="{FF2B5EF4-FFF2-40B4-BE49-F238E27FC236}">
-                <a16:creationId xmlns:a16="http://schemas.microsoft.com/office/drawing/2014/main" id="{6AE98E76-C5EE-49A0-AD84-CBB021224DBA}"/>
+                <a16:creationId xmlns:a16="http://schemas.microsoft.com/office/drawing/2014/main" xmlns="" id="{6AE98E76-C5EE-49A0-AD84-CBB021224DBA}"/>
               </a:ext>
             </a:extLst>
           </p:cNvPr>
@@ -15340,7 +15608,7 @@
           <a:p>
             <a:fld id="{E3DEA82E-27FE-4840-872E-8DDC830CDE68}" type="datetimeFigureOut">
               <a:rPr lang="fr-CH" smtClean="0"/>
-              <a:t>21.01.2018</a:t>
+              <a:t>22.01.18</a:t>
             </a:fld>
             <a:endParaRPr lang="fr-CH"/>
           </a:p>
@@ -15351,7 +15619,7 @@
           <p:cNvPr id="4" name="Footer Placeholder 3">
             <a:extLst>
               <a:ext uri="{FF2B5EF4-FFF2-40B4-BE49-F238E27FC236}">
-                <a16:creationId xmlns:a16="http://schemas.microsoft.com/office/drawing/2014/main" id="{06201D26-FF5B-497A-9AEC-7F6A6A64693E}"/>
+                <a16:creationId xmlns:a16="http://schemas.microsoft.com/office/drawing/2014/main" xmlns="" id="{06201D26-FF5B-497A-9AEC-7F6A6A64693E}"/>
               </a:ext>
             </a:extLst>
           </p:cNvPr>
@@ -15376,7 +15644,7 @@
           <p:cNvPr id="5" name="Slide Number Placeholder 4">
             <a:extLst>
               <a:ext uri="{FF2B5EF4-FFF2-40B4-BE49-F238E27FC236}">
-                <a16:creationId xmlns:a16="http://schemas.microsoft.com/office/drawing/2014/main" id="{4303CDAC-3BD3-4F0D-9754-4AEA77F6222B}"/>
+                <a16:creationId xmlns:a16="http://schemas.microsoft.com/office/drawing/2014/main" xmlns="" id="{4303CDAC-3BD3-4F0D-9754-4AEA77F6222B}"/>
               </a:ext>
             </a:extLst>
           </p:cNvPr>
@@ -15435,7 +15703,7 @@
           <p:cNvPr id="2" name="Date Placeholder 1">
             <a:extLst>
               <a:ext uri="{FF2B5EF4-FFF2-40B4-BE49-F238E27FC236}">
-                <a16:creationId xmlns:a16="http://schemas.microsoft.com/office/drawing/2014/main" id="{1840FD65-F2BB-432B-80F8-90923822F7CA}"/>
+                <a16:creationId xmlns:a16="http://schemas.microsoft.com/office/drawing/2014/main" xmlns="" id="{1840FD65-F2BB-432B-80F8-90923822F7CA}"/>
               </a:ext>
             </a:extLst>
           </p:cNvPr>
@@ -15453,7 +15721,7 @@
           <a:p>
             <a:fld id="{E3DEA82E-27FE-4840-872E-8DDC830CDE68}" type="datetimeFigureOut">
               <a:rPr lang="fr-CH" smtClean="0"/>
-              <a:t>21.01.2018</a:t>
+              <a:t>22.01.18</a:t>
             </a:fld>
             <a:endParaRPr lang="fr-CH"/>
           </a:p>
@@ -15464,7 +15732,7 @@
           <p:cNvPr id="3" name="Footer Placeholder 2">
             <a:extLst>
               <a:ext uri="{FF2B5EF4-FFF2-40B4-BE49-F238E27FC236}">
-                <a16:creationId xmlns:a16="http://schemas.microsoft.com/office/drawing/2014/main" id="{29EFB791-0A66-42BE-BDE4-A91653F41E08}"/>
+                <a16:creationId xmlns:a16="http://schemas.microsoft.com/office/drawing/2014/main" xmlns="" id="{29EFB791-0A66-42BE-BDE4-A91653F41E08}"/>
               </a:ext>
             </a:extLst>
           </p:cNvPr>
@@ -15489,7 +15757,7 @@
           <p:cNvPr id="4" name="Slide Number Placeholder 3">
             <a:extLst>
               <a:ext uri="{FF2B5EF4-FFF2-40B4-BE49-F238E27FC236}">
-                <a16:creationId xmlns:a16="http://schemas.microsoft.com/office/drawing/2014/main" id="{D0C7FAB6-BB18-4398-ADC5-1D37D82568BD}"/>
+                <a16:creationId xmlns:a16="http://schemas.microsoft.com/office/drawing/2014/main" xmlns="" id="{D0C7FAB6-BB18-4398-ADC5-1D37D82568BD}"/>
               </a:ext>
             </a:extLst>
           </p:cNvPr>
@@ -15548,7 +15816,7 @@
           <p:cNvPr id="2" name="Title 1">
             <a:extLst>
               <a:ext uri="{FF2B5EF4-FFF2-40B4-BE49-F238E27FC236}">
-                <a16:creationId xmlns:a16="http://schemas.microsoft.com/office/drawing/2014/main" id="{D7A15F12-8E99-4CB4-B1C8-B6D08D0520A4}"/>
+                <a16:creationId xmlns:a16="http://schemas.microsoft.com/office/drawing/2014/main" xmlns="" id="{D7A15F12-8E99-4CB4-B1C8-B6D08D0520A4}"/>
               </a:ext>
             </a:extLst>
           </p:cNvPr>
@@ -15586,7 +15854,7 @@
           <p:cNvPr id="3" name="Content Placeholder 2">
             <a:extLst>
               <a:ext uri="{FF2B5EF4-FFF2-40B4-BE49-F238E27FC236}">
-                <a16:creationId xmlns:a16="http://schemas.microsoft.com/office/drawing/2014/main" id="{4EDFA7CA-1DE2-45F4-8CCC-F1DACEC06D9E}"/>
+                <a16:creationId xmlns:a16="http://schemas.microsoft.com/office/drawing/2014/main" xmlns="" id="{4EDFA7CA-1DE2-45F4-8CCC-F1DACEC06D9E}"/>
               </a:ext>
             </a:extLst>
           </p:cNvPr>
@@ -15677,7 +15945,7 @@
           <p:cNvPr id="4" name="Text Placeholder 3">
             <a:extLst>
               <a:ext uri="{FF2B5EF4-FFF2-40B4-BE49-F238E27FC236}">
-                <a16:creationId xmlns:a16="http://schemas.microsoft.com/office/drawing/2014/main" id="{F301B3FC-A669-4F78-9B12-9E601A8499C5}"/>
+                <a16:creationId xmlns:a16="http://schemas.microsoft.com/office/drawing/2014/main" xmlns="" id="{F301B3FC-A669-4F78-9B12-9E601A8499C5}"/>
               </a:ext>
             </a:extLst>
           </p:cNvPr>
@@ -15748,7 +16016,7 @@
           <p:cNvPr id="5" name="Date Placeholder 4">
             <a:extLst>
               <a:ext uri="{FF2B5EF4-FFF2-40B4-BE49-F238E27FC236}">
-                <a16:creationId xmlns:a16="http://schemas.microsoft.com/office/drawing/2014/main" id="{D0ADABA4-C83F-40F3-9900-5A19B355B5F6}"/>
+                <a16:creationId xmlns:a16="http://schemas.microsoft.com/office/drawing/2014/main" xmlns="" id="{D0ADABA4-C83F-40F3-9900-5A19B355B5F6}"/>
               </a:ext>
             </a:extLst>
           </p:cNvPr>
@@ -15766,7 +16034,7 @@
           <a:p>
             <a:fld id="{E3DEA82E-27FE-4840-872E-8DDC830CDE68}" type="datetimeFigureOut">
               <a:rPr lang="fr-CH" smtClean="0"/>
-              <a:t>21.01.2018</a:t>
+              <a:t>22.01.18</a:t>
             </a:fld>
             <a:endParaRPr lang="fr-CH"/>
           </a:p>
@@ -15777,7 +16045,7 @@
           <p:cNvPr id="6" name="Footer Placeholder 5">
             <a:extLst>
               <a:ext uri="{FF2B5EF4-FFF2-40B4-BE49-F238E27FC236}">
-                <a16:creationId xmlns:a16="http://schemas.microsoft.com/office/drawing/2014/main" id="{2BDC652B-4E31-41A8-9CD2-374379816692}"/>
+                <a16:creationId xmlns:a16="http://schemas.microsoft.com/office/drawing/2014/main" xmlns="" id="{2BDC652B-4E31-41A8-9CD2-374379816692}"/>
               </a:ext>
             </a:extLst>
           </p:cNvPr>
@@ -15802,7 +16070,7 @@
           <p:cNvPr id="7" name="Slide Number Placeholder 6">
             <a:extLst>
               <a:ext uri="{FF2B5EF4-FFF2-40B4-BE49-F238E27FC236}">
-                <a16:creationId xmlns:a16="http://schemas.microsoft.com/office/drawing/2014/main" id="{19F539A8-D8C6-4F38-A0DB-68DFB37FEDFE}"/>
+                <a16:creationId xmlns:a16="http://schemas.microsoft.com/office/drawing/2014/main" xmlns="" id="{19F539A8-D8C6-4F38-A0DB-68DFB37FEDFE}"/>
               </a:ext>
             </a:extLst>
           </p:cNvPr>
@@ -15861,7 +16129,7 @@
           <p:cNvPr id="2" name="Title 1">
             <a:extLst>
               <a:ext uri="{FF2B5EF4-FFF2-40B4-BE49-F238E27FC236}">
-                <a16:creationId xmlns:a16="http://schemas.microsoft.com/office/drawing/2014/main" id="{6F0664CF-A0B3-4613-8E2D-E20CD4B962FD}"/>
+                <a16:creationId xmlns:a16="http://schemas.microsoft.com/office/drawing/2014/main" xmlns="" id="{6F0664CF-A0B3-4613-8E2D-E20CD4B962FD}"/>
               </a:ext>
             </a:extLst>
           </p:cNvPr>
@@ -15899,7 +16167,7 @@
           <p:cNvPr id="3" name="Picture Placeholder 2">
             <a:extLst>
               <a:ext uri="{FF2B5EF4-FFF2-40B4-BE49-F238E27FC236}">
-                <a16:creationId xmlns:a16="http://schemas.microsoft.com/office/drawing/2014/main" id="{3046CD5C-E501-45EB-925C-3F4C050F7A5E}"/>
+                <a16:creationId xmlns:a16="http://schemas.microsoft.com/office/drawing/2014/main" xmlns="" id="{3046CD5C-E501-45EB-925C-3F4C050F7A5E}"/>
               </a:ext>
             </a:extLst>
           </p:cNvPr>
@@ -15966,7 +16234,7 @@
           <p:cNvPr id="4" name="Text Placeholder 3">
             <a:extLst>
               <a:ext uri="{FF2B5EF4-FFF2-40B4-BE49-F238E27FC236}">
-                <a16:creationId xmlns:a16="http://schemas.microsoft.com/office/drawing/2014/main" id="{50D1C9FE-AA01-4770-A770-1FAAA1D4EDA8}"/>
+                <a16:creationId xmlns:a16="http://schemas.microsoft.com/office/drawing/2014/main" xmlns="" id="{50D1C9FE-AA01-4770-A770-1FAAA1D4EDA8}"/>
               </a:ext>
             </a:extLst>
           </p:cNvPr>
@@ -16037,7 +16305,7 @@
           <p:cNvPr id="5" name="Date Placeholder 4">
             <a:extLst>
               <a:ext uri="{FF2B5EF4-FFF2-40B4-BE49-F238E27FC236}">
-                <a16:creationId xmlns:a16="http://schemas.microsoft.com/office/drawing/2014/main" id="{1506BDAE-03A7-43DC-B8FC-64C48CC65648}"/>
+                <a16:creationId xmlns:a16="http://schemas.microsoft.com/office/drawing/2014/main" xmlns="" id="{1506BDAE-03A7-43DC-B8FC-64C48CC65648}"/>
               </a:ext>
             </a:extLst>
           </p:cNvPr>
@@ -16055,7 +16323,7 @@
           <a:p>
             <a:fld id="{E3DEA82E-27FE-4840-872E-8DDC830CDE68}" type="datetimeFigureOut">
               <a:rPr lang="fr-CH" smtClean="0"/>
-              <a:t>21.01.2018</a:t>
+              <a:t>22.01.18</a:t>
             </a:fld>
             <a:endParaRPr lang="fr-CH"/>
           </a:p>
@@ -16066,7 +16334,7 @@
           <p:cNvPr id="6" name="Footer Placeholder 5">
             <a:extLst>
               <a:ext uri="{FF2B5EF4-FFF2-40B4-BE49-F238E27FC236}">
-                <a16:creationId xmlns:a16="http://schemas.microsoft.com/office/drawing/2014/main" id="{EEC5D000-2911-4E6D-962D-E6FE11FA8E32}"/>
+                <a16:creationId xmlns:a16="http://schemas.microsoft.com/office/drawing/2014/main" xmlns="" id="{EEC5D000-2911-4E6D-962D-E6FE11FA8E32}"/>
               </a:ext>
             </a:extLst>
           </p:cNvPr>
@@ -16091,7 +16359,7 @@
           <p:cNvPr id="7" name="Slide Number Placeholder 6">
             <a:extLst>
               <a:ext uri="{FF2B5EF4-FFF2-40B4-BE49-F238E27FC236}">
-                <a16:creationId xmlns:a16="http://schemas.microsoft.com/office/drawing/2014/main" id="{573FE6F2-1C1A-4E19-91B1-E9630A107848}"/>
+                <a16:creationId xmlns:a16="http://schemas.microsoft.com/office/drawing/2014/main" xmlns="" id="{573FE6F2-1C1A-4E19-91B1-E9630A107848}"/>
               </a:ext>
             </a:extLst>
           </p:cNvPr>
@@ -16155,7 +16423,7 @@
           <p:cNvPr id="2" name="Title Placeholder 1">
             <a:extLst>
               <a:ext uri="{FF2B5EF4-FFF2-40B4-BE49-F238E27FC236}">
-                <a16:creationId xmlns:a16="http://schemas.microsoft.com/office/drawing/2014/main" id="{54204298-2B90-402A-8013-AFD3CC8D1CBF}"/>
+                <a16:creationId xmlns:a16="http://schemas.microsoft.com/office/drawing/2014/main" xmlns="" id="{54204298-2B90-402A-8013-AFD3CC8D1CBF}"/>
               </a:ext>
             </a:extLst>
           </p:cNvPr>
@@ -16194,7 +16462,7 @@
           <p:cNvPr id="3" name="Text Placeholder 2">
             <a:extLst>
               <a:ext uri="{FF2B5EF4-FFF2-40B4-BE49-F238E27FC236}">
-                <a16:creationId xmlns:a16="http://schemas.microsoft.com/office/drawing/2014/main" id="{ABD6C699-BB4F-4ABA-A5F8-8BBEB5A4B2F7}"/>
+                <a16:creationId xmlns:a16="http://schemas.microsoft.com/office/drawing/2014/main" xmlns="" id="{ABD6C699-BB4F-4ABA-A5F8-8BBEB5A4B2F7}"/>
               </a:ext>
             </a:extLst>
           </p:cNvPr>
@@ -16262,7 +16530,7 @@
           <p:cNvPr id="4" name="Date Placeholder 3">
             <a:extLst>
               <a:ext uri="{FF2B5EF4-FFF2-40B4-BE49-F238E27FC236}">
-                <a16:creationId xmlns:a16="http://schemas.microsoft.com/office/drawing/2014/main" id="{BB7EDB48-F71F-4174-87A4-4D5280717E6F}"/>
+                <a16:creationId xmlns:a16="http://schemas.microsoft.com/office/drawing/2014/main" xmlns="" id="{BB7EDB48-F71F-4174-87A4-4D5280717E6F}"/>
               </a:ext>
             </a:extLst>
           </p:cNvPr>
@@ -16298,7 +16566,7 @@
           <a:p>
             <a:fld id="{E3DEA82E-27FE-4840-872E-8DDC830CDE68}" type="datetimeFigureOut">
               <a:rPr lang="fr-CH" smtClean="0"/>
-              <a:t>21.01.2018</a:t>
+              <a:t>22.01.18</a:t>
             </a:fld>
             <a:endParaRPr lang="fr-CH"/>
           </a:p>
@@ -16309,7 +16577,7 @@
           <p:cNvPr id="5" name="Footer Placeholder 4">
             <a:extLst>
               <a:ext uri="{FF2B5EF4-FFF2-40B4-BE49-F238E27FC236}">
-                <a16:creationId xmlns:a16="http://schemas.microsoft.com/office/drawing/2014/main" id="{7AA3DCB4-F6DB-44B6-9C3D-E879DE154019}"/>
+                <a16:creationId xmlns:a16="http://schemas.microsoft.com/office/drawing/2014/main" xmlns="" id="{7AA3DCB4-F6DB-44B6-9C3D-E879DE154019}"/>
               </a:ext>
             </a:extLst>
           </p:cNvPr>
@@ -16352,7 +16620,7 @@
           <p:cNvPr id="6" name="Slide Number Placeholder 5">
             <a:extLst>
               <a:ext uri="{FF2B5EF4-FFF2-40B4-BE49-F238E27FC236}">
-                <a16:creationId xmlns:a16="http://schemas.microsoft.com/office/drawing/2014/main" id="{E5B66B85-4D58-4764-9F91-81B9EAB048BB}"/>
+                <a16:creationId xmlns:a16="http://schemas.microsoft.com/office/drawing/2014/main" xmlns="" id="{E5B66B85-4D58-4764-9F91-81B9EAB048BB}"/>
               </a:ext>
             </a:extLst>
           </p:cNvPr>
@@ -16720,7 +16988,7 @@
           <p:cNvPr id="8" name="Rectangle 7">
             <a:extLst>
               <a:ext uri="{FF2B5EF4-FFF2-40B4-BE49-F238E27FC236}">
-                <a16:creationId xmlns:a16="http://schemas.microsoft.com/office/drawing/2014/main" id="{6DDB4BFA-3391-4E9F-B81E-0C20B3AF5117}"/>
+                <a16:creationId xmlns:a16="http://schemas.microsoft.com/office/drawing/2014/main" xmlns="" id="{6DDB4BFA-3391-4E9F-B81E-0C20B3AF5117}"/>
               </a:ext>
             </a:extLst>
           </p:cNvPr>
@@ -16759,6 +17027,12 @@
           </a:p>
           <a:p>
             <a:pPr algn="ctr"/>
+            <a:r>
+              <a:rPr lang="fr-CH" b="0" dirty="0">
+                <a:effectLst/>
+              </a:rPr>
+              <a:t/>
+            </a:r>
             <a:br>
               <a:rPr lang="fr-CH" b="0" dirty="0">
                 <a:effectLst/>
@@ -16805,6 +17079,10 @@
             </a:endParaRPr>
           </a:p>
           <a:p>
+            <a:r>
+              <a:rPr lang="fr-CH" dirty="0"/>
+              <a:t/>
+            </a:r>
             <a:br>
               <a:rPr lang="fr-CH" dirty="0"/>
             </a:br>
@@ -16817,7 +17095,7 @@
           <p:cNvPr id="2050" name="Picture 2" descr="Image result for XML">
             <a:extLst>
               <a:ext uri="{FF2B5EF4-FFF2-40B4-BE49-F238E27FC236}">
-                <a16:creationId xmlns:a16="http://schemas.microsoft.com/office/drawing/2014/main" id="{C8FE7296-DC54-4BA2-B505-C26671DD8914}"/>
+                <a16:creationId xmlns:a16="http://schemas.microsoft.com/office/drawing/2014/main" xmlns="" id="{C8FE7296-DC54-4BA2-B505-C26671DD8914}"/>
               </a:ext>
             </a:extLst>
           </p:cNvPr>
@@ -16864,7 +17142,7 @@
           <p:cNvPr id="2052" name="Picture 4" descr="Image result for JSON">
             <a:extLst>
               <a:ext uri="{FF2B5EF4-FFF2-40B4-BE49-F238E27FC236}">
-                <a16:creationId xmlns:a16="http://schemas.microsoft.com/office/drawing/2014/main" id="{E862F138-36D1-4294-AA80-962CB4997049}"/>
+                <a16:creationId xmlns:a16="http://schemas.microsoft.com/office/drawing/2014/main" xmlns="" id="{E862F138-36D1-4294-AA80-962CB4997049}"/>
               </a:ext>
             </a:extLst>
           </p:cNvPr>
@@ -16941,7 +17219,7 @@
           <p:cNvPr id="2" name="Title 1">
             <a:extLst>
               <a:ext uri="{FF2B5EF4-FFF2-40B4-BE49-F238E27FC236}">
-                <a16:creationId xmlns:a16="http://schemas.microsoft.com/office/drawing/2014/main" id="{DB40A412-1CA3-450A-B047-CA490D04EF62}"/>
+                <a16:creationId xmlns:a16="http://schemas.microsoft.com/office/drawing/2014/main" xmlns="" id="{DB40A412-1CA3-450A-B047-CA490D04EF62}"/>
               </a:ext>
             </a:extLst>
           </p:cNvPr>
@@ -16969,7 +17247,7 @@
           <p:cNvPr id="3" name="Content Placeholder 2">
             <a:extLst>
               <a:ext uri="{FF2B5EF4-FFF2-40B4-BE49-F238E27FC236}">
-                <a16:creationId xmlns:a16="http://schemas.microsoft.com/office/drawing/2014/main" id="{7AF89537-2DF2-4F64-98A4-9304C639369C}"/>
+                <a16:creationId xmlns:a16="http://schemas.microsoft.com/office/drawing/2014/main" xmlns="" id="{7AF89537-2DF2-4F64-98A4-9304C639369C}"/>
               </a:ext>
             </a:extLst>
           </p:cNvPr>
@@ -17014,6 +17292,12 @@
             <a:pPr marL="0" indent="0">
               <a:buNone/>
             </a:pPr>
+            <a:r>
+              <a:rPr lang="fr-CH" sz="2000" b="0" dirty="0">
+                <a:effectLst/>
+              </a:rPr>
+              <a:t/>
+            </a:r>
             <a:br>
               <a:rPr lang="fr-CH" sz="2000" b="0" dirty="0">
                 <a:effectLst/>
@@ -17151,6 +17435,12 @@
             <a:pPr marL="0" indent="0">
               <a:buNone/>
             </a:pPr>
+            <a:r>
+              <a:rPr lang="fr-CH" b="0" dirty="0">
+                <a:effectLst/>
+              </a:rPr>
+              <a:t/>
+            </a:r>
             <a:br>
               <a:rPr lang="fr-CH" b="0" dirty="0">
                 <a:effectLst/>
@@ -17165,7 +17455,7 @@
           <p:cNvPr id="4" name="Rectangle 3">
             <a:extLst>
               <a:ext uri="{FF2B5EF4-FFF2-40B4-BE49-F238E27FC236}">
-                <a16:creationId xmlns:a16="http://schemas.microsoft.com/office/drawing/2014/main" id="{01F924D2-DC40-45B0-B477-B52AA96C4D48}"/>
+                <a16:creationId xmlns:a16="http://schemas.microsoft.com/office/drawing/2014/main" xmlns="" id="{01F924D2-DC40-45B0-B477-B52AA96C4D48}"/>
               </a:ext>
             </a:extLst>
           </p:cNvPr>
@@ -17247,7 +17537,7 @@
           <p:cNvPr id="2" name="Title 1">
             <a:extLst>
               <a:ext uri="{FF2B5EF4-FFF2-40B4-BE49-F238E27FC236}">
-                <a16:creationId xmlns:a16="http://schemas.microsoft.com/office/drawing/2014/main" id="{455DDD42-047A-4D42-928E-06AFAC8C3679}"/>
+                <a16:creationId xmlns:a16="http://schemas.microsoft.com/office/drawing/2014/main" xmlns="" id="{455DDD42-047A-4D42-928E-06AFAC8C3679}"/>
               </a:ext>
             </a:extLst>
           </p:cNvPr>
@@ -17275,7 +17565,7 @@
           <p:cNvPr id="1026" name="Picture 2" descr="https://lh5.googleusercontent.com/8db9TDrHnR0HV9_m-d8VBH04YwygrID26Y5e4wsy_9cP2AQLInKC-YYD6TMr6gsSWLFlc7BBeIo_zXFq7OdG64DiY0VxhkC5pIuFh89tztlN82QFN8V6-uGbExPw22Gje_dyL-ndejE">
             <a:extLst>
               <a:ext uri="{FF2B5EF4-FFF2-40B4-BE49-F238E27FC236}">
-                <a16:creationId xmlns:a16="http://schemas.microsoft.com/office/drawing/2014/main" id="{720D78FC-E517-4E9A-8B6A-41E83A649B7D}"/>
+                <a16:creationId xmlns:a16="http://schemas.microsoft.com/office/drawing/2014/main" xmlns="" id="{720D78FC-E517-4E9A-8B6A-41E83A649B7D}"/>
               </a:ext>
             </a:extLst>
           </p:cNvPr>
@@ -17322,7 +17612,7 @@
           <p:cNvPr id="5" name="Rectangle 4">
             <a:extLst>
               <a:ext uri="{FF2B5EF4-FFF2-40B4-BE49-F238E27FC236}">
-                <a16:creationId xmlns:a16="http://schemas.microsoft.com/office/drawing/2014/main" id="{A2408B6D-A60A-44A0-B791-7BB0D9C375A0}"/>
+                <a16:creationId xmlns:a16="http://schemas.microsoft.com/office/drawing/2014/main" xmlns="" id="{A2408B6D-A60A-44A0-B791-7BB0D9C375A0}"/>
               </a:ext>
             </a:extLst>
           </p:cNvPr>
@@ -17409,7 +17699,7 @@
           <p:cNvPr id="2" name="Title 1">
             <a:extLst>
               <a:ext uri="{FF2B5EF4-FFF2-40B4-BE49-F238E27FC236}">
-                <a16:creationId xmlns:a16="http://schemas.microsoft.com/office/drawing/2014/main" id="{DB40A412-1CA3-450A-B047-CA490D04EF62}"/>
+                <a16:creationId xmlns:a16="http://schemas.microsoft.com/office/drawing/2014/main" xmlns="" id="{DB40A412-1CA3-450A-B047-CA490D04EF62}"/>
               </a:ext>
             </a:extLst>
           </p:cNvPr>
@@ -17437,7 +17727,7 @@
           <p:cNvPr id="3" name="Content Placeholder 2">
             <a:extLst>
               <a:ext uri="{FF2B5EF4-FFF2-40B4-BE49-F238E27FC236}">
-                <a16:creationId xmlns:a16="http://schemas.microsoft.com/office/drawing/2014/main" id="{7AF89537-2DF2-4F64-98A4-9304C639369C}"/>
+                <a16:creationId xmlns:a16="http://schemas.microsoft.com/office/drawing/2014/main" xmlns="" id="{7AF89537-2DF2-4F64-98A4-9304C639369C}"/>
               </a:ext>
             </a:extLst>
           </p:cNvPr>
@@ -17482,6 +17772,12 @@
             <a:pPr marL="0" indent="0">
               <a:buNone/>
             </a:pPr>
+            <a:r>
+              <a:rPr lang="fr-CH" sz="2000" b="0" dirty="0">
+                <a:effectLst/>
+              </a:rPr>
+              <a:t/>
+            </a:r>
             <a:br>
               <a:rPr lang="fr-CH" sz="2000" b="0" dirty="0">
                 <a:effectLst/>
@@ -17619,6 +17915,12 @@
             <a:pPr marL="0" indent="0">
               <a:buNone/>
             </a:pPr>
+            <a:r>
+              <a:rPr lang="fr-CH" b="0" dirty="0">
+                <a:effectLst/>
+              </a:rPr>
+              <a:t/>
+            </a:r>
             <a:br>
               <a:rPr lang="fr-CH" b="0" dirty="0">
                 <a:effectLst/>
@@ -17633,7 +17935,7 @@
           <p:cNvPr id="4" name="Rectangle 3">
             <a:extLst>
               <a:ext uri="{FF2B5EF4-FFF2-40B4-BE49-F238E27FC236}">
-                <a16:creationId xmlns:a16="http://schemas.microsoft.com/office/drawing/2014/main" id="{B2258A1F-A59E-4907-96D1-C96189E03C22}"/>
+                <a16:creationId xmlns:a16="http://schemas.microsoft.com/office/drawing/2014/main" xmlns="" id="{B2258A1F-A59E-4907-96D1-C96189E03C22}"/>
               </a:ext>
             </a:extLst>
           </p:cNvPr>
@@ -17720,7 +18022,7 @@
           <p:cNvPr id="2" name="Title 1">
             <a:extLst>
               <a:ext uri="{FF2B5EF4-FFF2-40B4-BE49-F238E27FC236}">
-                <a16:creationId xmlns:a16="http://schemas.microsoft.com/office/drawing/2014/main" id="{D84B4CF3-6C00-4D81-8FF6-81863C35C270}"/>
+                <a16:creationId xmlns:a16="http://schemas.microsoft.com/office/drawing/2014/main" xmlns="" id="{D84B4CF3-6C00-4D81-8FF6-81863C35C270}"/>
               </a:ext>
             </a:extLst>
           </p:cNvPr>
@@ -17748,7 +18050,7 @@
           <p:cNvPr id="3" name="Content Placeholder 2">
             <a:extLst>
               <a:ext uri="{FF2B5EF4-FFF2-40B4-BE49-F238E27FC236}">
-                <a16:creationId xmlns:a16="http://schemas.microsoft.com/office/drawing/2014/main" id="{7B08F821-6A15-4621-BF72-5A1403E6C091}"/>
+                <a16:creationId xmlns:a16="http://schemas.microsoft.com/office/drawing/2014/main" xmlns="" id="{7B08F821-6A15-4621-BF72-5A1403E6C091}"/>
               </a:ext>
             </a:extLst>
           </p:cNvPr>
@@ -17883,24 +18185,52 @@
             <a:pPr marL="0" indent="0">
               <a:buNone/>
             </a:pPr>
+            <a:r>
+              <a:rPr lang="fr-CH" sz="3600" dirty="0"/>
+              <a:t/>
+            </a:r>
             <a:br>
               <a:rPr lang="fr-CH" sz="3600" dirty="0"/>
             </a:br>
+            <a:r>
+              <a:rPr lang="pt-BR" b="0" dirty="0">
+                <a:effectLst/>
+              </a:rPr>
+              <a:t/>
+            </a:r>
             <a:br>
               <a:rPr lang="pt-BR" b="0" dirty="0">
                 <a:effectLst/>
               </a:rPr>
             </a:br>
+            <a:r>
+              <a:rPr lang="pt-BR" b="0" dirty="0">
+                <a:effectLst/>
+              </a:rPr>
+              <a:t/>
+            </a:r>
             <a:br>
               <a:rPr lang="pt-BR" b="0" dirty="0">
                 <a:effectLst/>
               </a:rPr>
             </a:br>
+            <a:r>
+              <a:rPr lang="pt-BR" b="0" dirty="0">
+                <a:effectLst/>
+              </a:rPr>
+              <a:t/>
+            </a:r>
             <a:br>
               <a:rPr lang="pt-BR" b="0" dirty="0">
                 <a:effectLst/>
               </a:rPr>
             </a:br>
+            <a:r>
+              <a:rPr lang="pt-BR" b="0" dirty="0">
+                <a:effectLst/>
+              </a:rPr>
+              <a:t/>
+            </a:r>
             <a:br>
               <a:rPr lang="pt-BR" b="0" dirty="0">
                 <a:effectLst/>
@@ -17915,7 +18245,7 @@
           <p:cNvPr id="4" name="Content Placeholder 3">
             <a:extLst>
               <a:ext uri="{FF2B5EF4-FFF2-40B4-BE49-F238E27FC236}">
-                <a16:creationId xmlns:a16="http://schemas.microsoft.com/office/drawing/2014/main" id="{6F31182E-B03C-4F9B-A3FC-8C86F8E06081}"/>
+                <a16:creationId xmlns:a16="http://schemas.microsoft.com/office/drawing/2014/main" xmlns="" id="{6F31182E-B03C-4F9B-A3FC-8C86F8E06081}"/>
               </a:ext>
             </a:extLst>
           </p:cNvPr>
@@ -18153,7 +18483,7 @@
           <p:cNvPr id="7" name="Rectangle 6">
             <a:extLst>
               <a:ext uri="{FF2B5EF4-FFF2-40B4-BE49-F238E27FC236}">
-                <a16:creationId xmlns:a16="http://schemas.microsoft.com/office/drawing/2014/main" id="{C1D98B80-10A9-49C2-B886-31A35B06D30D}"/>
+                <a16:creationId xmlns:a16="http://schemas.microsoft.com/office/drawing/2014/main" xmlns="" id="{C1D98B80-10A9-49C2-B886-31A35B06D30D}"/>
               </a:ext>
             </a:extLst>
           </p:cNvPr>
@@ -18240,7 +18570,7 @@
           <p:cNvPr id="2" name="Title 1">
             <a:extLst>
               <a:ext uri="{FF2B5EF4-FFF2-40B4-BE49-F238E27FC236}">
-                <a16:creationId xmlns:a16="http://schemas.microsoft.com/office/drawing/2014/main" id="{DB40A412-1CA3-450A-B047-CA490D04EF62}"/>
+                <a16:creationId xmlns:a16="http://schemas.microsoft.com/office/drawing/2014/main" xmlns="" id="{DB40A412-1CA3-450A-B047-CA490D04EF62}"/>
               </a:ext>
             </a:extLst>
           </p:cNvPr>
@@ -18268,7 +18598,7 @@
           <p:cNvPr id="6" name="Content Placeholder 2">
             <a:extLst>
               <a:ext uri="{FF2B5EF4-FFF2-40B4-BE49-F238E27FC236}">
-                <a16:creationId xmlns:a16="http://schemas.microsoft.com/office/drawing/2014/main" id="{505DE64F-33C7-47B8-AE82-8A9328EB5F8A}"/>
+                <a16:creationId xmlns:a16="http://schemas.microsoft.com/office/drawing/2014/main" xmlns="" id="{505DE64F-33C7-47B8-AE82-8A9328EB5F8A}"/>
               </a:ext>
             </a:extLst>
           </p:cNvPr>
@@ -18371,16 +18701,34 @@
             <a:pPr marL="0" indent="0">
               <a:buNone/>
             </a:pPr>
+            <a:r>
+              <a:rPr lang="en-US" b="0" dirty="0">
+                <a:effectLst/>
+              </a:rPr>
+              <a:t/>
+            </a:r>
             <a:br>
               <a:rPr lang="en-US" b="0" dirty="0">
                 <a:effectLst/>
               </a:rPr>
             </a:br>
+            <a:r>
+              <a:rPr lang="en-US" b="0" dirty="0">
+                <a:effectLst/>
+              </a:rPr>
+              <a:t/>
+            </a:r>
             <a:br>
               <a:rPr lang="en-US" b="0" dirty="0">
                 <a:effectLst/>
               </a:rPr>
             </a:br>
+            <a:r>
+              <a:rPr lang="en-US" b="0" dirty="0">
+                <a:effectLst/>
+              </a:rPr>
+              <a:t/>
+            </a:r>
             <a:br>
               <a:rPr lang="en-US" b="0" dirty="0">
                 <a:effectLst/>
@@ -18395,7 +18743,7 @@
           <p:cNvPr id="8" name="Rectangle 7">
             <a:extLst>
               <a:ext uri="{FF2B5EF4-FFF2-40B4-BE49-F238E27FC236}">
-                <a16:creationId xmlns:a16="http://schemas.microsoft.com/office/drawing/2014/main" id="{DE9B53F4-C8AF-424B-B0D6-4FF2C02E395C}"/>
+                <a16:creationId xmlns:a16="http://schemas.microsoft.com/office/drawing/2014/main" xmlns="" id="{DE9B53F4-C8AF-424B-B0D6-4FF2C02E395C}"/>
               </a:ext>
             </a:extLst>
           </p:cNvPr>
@@ -18482,7 +18830,7 @@
           <p:cNvPr id="8" name="Diagram 7">
             <a:extLst>
               <a:ext uri="{FF2B5EF4-FFF2-40B4-BE49-F238E27FC236}">
-                <a16:creationId xmlns:a16="http://schemas.microsoft.com/office/drawing/2014/main" id="{CD629B42-37AC-48E0-90A1-CB8067C59FDD}"/>
+                <a16:creationId xmlns:a16="http://schemas.microsoft.com/office/drawing/2014/main" xmlns="" id="{CD629B42-37AC-48E0-90A1-CB8067C59FDD}"/>
               </a:ext>
             </a:extLst>
           </p:cNvPr>
@@ -18540,7 +18888,7 @@
           <p:cNvPr id="2" name="Title 1">
             <a:extLst>
               <a:ext uri="{FF2B5EF4-FFF2-40B4-BE49-F238E27FC236}">
-                <a16:creationId xmlns:a16="http://schemas.microsoft.com/office/drawing/2014/main" id="{E1A2EB63-A188-4863-BCC3-ED4E87A9A5FF}"/>
+                <a16:creationId xmlns:a16="http://schemas.microsoft.com/office/drawing/2014/main" xmlns="" id="{E1A2EB63-A188-4863-BCC3-ED4E87A9A5FF}"/>
               </a:ext>
             </a:extLst>
           </p:cNvPr>
@@ -18568,7 +18916,7 @@
           <p:cNvPr id="3" name="Content Placeholder 2">
             <a:extLst>
               <a:ext uri="{FF2B5EF4-FFF2-40B4-BE49-F238E27FC236}">
-                <a16:creationId xmlns:a16="http://schemas.microsoft.com/office/drawing/2014/main" id="{94A22911-C919-4953-BEB6-4C0C1E41C2ED}"/>
+                <a16:creationId xmlns:a16="http://schemas.microsoft.com/office/drawing/2014/main" xmlns="" id="{94A22911-C919-4953-BEB6-4C0C1E41C2ED}"/>
               </a:ext>
             </a:extLst>
           </p:cNvPr>
@@ -18644,7 +18992,7 @@
           <p:cNvPr id="4" name="Rectangle 3">
             <a:extLst>
               <a:ext uri="{FF2B5EF4-FFF2-40B4-BE49-F238E27FC236}">
-                <a16:creationId xmlns:a16="http://schemas.microsoft.com/office/drawing/2014/main" id="{26067CEB-3C90-4E55-82A1-9EADC3563D58}"/>
+                <a16:creationId xmlns:a16="http://schemas.microsoft.com/office/drawing/2014/main" xmlns="" id="{26067CEB-3C90-4E55-82A1-9EADC3563D58}"/>
               </a:ext>
             </a:extLst>
           </p:cNvPr>
@@ -18726,7 +19074,7 @@
           <p:cNvPr id="2" name="Title 1">
             <a:extLst>
               <a:ext uri="{FF2B5EF4-FFF2-40B4-BE49-F238E27FC236}">
-                <a16:creationId xmlns:a16="http://schemas.microsoft.com/office/drawing/2014/main" id="{AC201E15-EF9F-4AB6-8D1A-5F21105F847D}"/>
+                <a16:creationId xmlns:a16="http://schemas.microsoft.com/office/drawing/2014/main" xmlns="" id="{AC201E15-EF9F-4AB6-8D1A-5F21105F847D}"/>
               </a:ext>
             </a:extLst>
           </p:cNvPr>
@@ -18754,7 +19102,7 @@
           <p:cNvPr id="3" name="Content Placeholder 2">
             <a:extLst>
               <a:ext uri="{FF2B5EF4-FFF2-40B4-BE49-F238E27FC236}">
-                <a16:creationId xmlns:a16="http://schemas.microsoft.com/office/drawing/2014/main" id="{F8F8F85D-E444-41DE-8346-937EAD3A3BC3}"/>
+                <a16:creationId xmlns:a16="http://schemas.microsoft.com/office/drawing/2014/main" xmlns="" id="{F8F8F85D-E444-41DE-8346-937EAD3A3BC3}"/>
               </a:ext>
             </a:extLst>
           </p:cNvPr>
@@ -18779,7 +19127,7 @@
           <p:cNvPr id="4" name="Rectangle 3">
             <a:extLst>
               <a:ext uri="{FF2B5EF4-FFF2-40B4-BE49-F238E27FC236}">
-                <a16:creationId xmlns:a16="http://schemas.microsoft.com/office/drawing/2014/main" id="{76238D2C-1A35-415E-8E35-681420631F77}"/>
+                <a16:creationId xmlns:a16="http://schemas.microsoft.com/office/drawing/2014/main" xmlns="" id="{76238D2C-1A35-415E-8E35-681420631F77}"/>
               </a:ext>
             </a:extLst>
           </p:cNvPr>
@@ -18861,7 +19209,7 @@
           <p:cNvPr id="2" name="Title 1">
             <a:extLst>
               <a:ext uri="{FF2B5EF4-FFF2-40B4-BE49-F238E27FC236}">
-                <a16:creationId xmlns:a16="http://schemas.microsoft.com/office/drawing/2014/main" id="{AED20190-17DE-4ACD-B5E1-D9D275704B58}"/>
+                <a16:creationId xmlns:a16="http://schemas.microsoft.com/office/drawing/2014/main" xmlns="" id="{AED20190-17DE-4ACD-B5E1-D9D275704B58}"/>
               </a:ext>
             </a:extLst>
           </p:cNvPr>
@@ -18889,7 +19237,7 @@
           <p:cNvPr id="3" name="Content Placeholder 2">
             <a:extLst>
               <a:ext uri="{FF2B5EF4-FFF2-40B4-BE49-F238E27FC236}">
-                <a16:creationId xmlns:a16="http://schemas.microsoft.com/office/drawing/2014/main" id="{B454B07C-B3F3-46BB-A6B1-B7524BF20A71}"/>
+                <a16:creationId xmlns:a16="http://schemas.microsoft.com/office/drawing/2014/main" xmlns="" id="{B454B07C-B3F3-46BB-A6B1-B7524BF20A71}"/>
               </a:ext>
             </a:extLst>
           </p:cNvPr>
@@ -18914,7 +19262,7 @@
           <p:cNvPr id="4" name="Rectangle 3">
             <a:extLst>
               <a:ext uri="{FF2B5EF4-FFF2-40B4-BE49-F238E27FC236}">
-                <a16:creationId xmlns:a16="http://schemas.microsoft.com/office/drawing/2014/main" id="{67E8B672-99C8-49FE-942C-A8A522864F80}"/>
+                <a16:creationId xmlns:a16="http://schemas.microsoft.com/office/drawing/2014/main" xmlns="" id="{67E8B672-99C8-49FE-942C-A8A522864F80}"/>
               </a:ext>
             </a:extLst>
           </p:cNvPr>
@@ -18996,7 +19344,7 @@
           <p:cNvPr id="2" name="Title 1">
             <a:extLst>
               <a:ext uri="{FF2B5EF4-FFF2-40B4-BE49-F238E27FC236}">
-                <a16:creationId xmlns:a16="http://schemas.microsoft.com/office/drawing/2014/main" id="{9045FDD1-211F-4AFA-BB2D-D7A2587E3DD6}"/>
+                <a16:creationId xmlns:a16="http://schemas.microsoft.com/office/drawing/2014/main" xmlns="" id="{9045FDD1-211F-4AFA-BB2D-D7A2587E3DD6}"/>
               </a:ext>
             </a:extLst>
           </p:cNvPr>
@@ -19024,7 +19372,7 @@
           <p:cNvPr id="3" name="Content Placeholder 2">
             <a:extLst>
               <a:ext uri="{FF2B5EF4-FFF2-40B4-BE49-F238E27FC236}">
-                <a16:creationId xmlns:a16="http://schemas.microsoft.com/office/drawing/2014/main" id="{09E31CB3-4C28-489C-8980-60B1955C92DC}"/>
+                <a16:creationId xmlns:a16="http://schemas.microsoft.com/office/drawing/2014/main" xmlns="" id="{09E31CB3-4C28-489C-8980-60B1955C92DC}"/>
               </a:ext>
             </a:extLst>
           </p:cNvPr>
@@ -19057,8 +19405,12 @@
           <a:p>
             <a:pPr fontAlgn="base"/>
             <a:r>
+              <a:rPr lang="fr-CH"/>
+              <a:t>En JSONPATH, récupérer </a:t>
+            </a:r>
+            <a:r>
               <a:rPr lang="fr-CH" dirty="0"/>
-              <a:t>En JSONPATH, l'équivalent de XPATH, récupérer le numéro de téléphone fixe (home)</a:t>
+              <a:t>le numéro de téléphone fixe (home)</a:t>
             </a:r>
           </a:p>
           <a:p>
@@ -19085,7 +19437,7 @@
           <p:cNvPr id="4" name="Rectangle 3">
             <a:extLst>
               <a:ext uri="{FF2B5EF4-FFF2-40B4-BE49-F238E27FC236}">
-                <a16:creationId xmlns:a16="http://schemas.microsoft.com/office/drawing/2014/main" id="{4776CB1A-BAD0-414E-AF0F-739CB6C5293D}"/>
+                <a16:creationId xmlns:a16="http://schemas.microsoft.com/office/drawing/2014/main" xmlns="" id="{4776CB1A-BAD0-414E-AF0F-739CB6C5293D}"/>
               </a:ext>
             </a:extLst>
           </p:cNvPr>
@@ -19167,7 +19519,7 @@
           <p:cNvPr id="7" name="Diagram 6">
             <a:extLst>
               <a:ext uri="{FF2B5EF4-FFF2-40B4-BE49-F238E27FC236}">
-                <a16:creationId xmlns:a16="http://schemas.microsoft.com/office/drawing/2014/main" id="{6D676428-21BD-4A11-A27B-9E9633BCF34C}"/>
+                <a16:creationId xmlns:a16="http://schemas.microsoft.com/office/drawing/2014/main" xmlns="" id="{6D676428-21BD-4A11-A27B-9E9633BCF34C}"/>
               </a:ext>
             </a:extLst>
           </p:cNvPr>
@@ -19225,7 +19577,7 @@
           <p:cNvPr id="33" name="Diagram 32">
             <a:extLst>
               <a:ext uri="{FF2B5EF4-FFF2-40B4-BE49-F238E27FC236}">
-                <a16:creationId xmlns:a16="http://schemas.microsoft.com/office/drawing/2014/main" id="{CCD82A4F-179E-4DB3-A254-C0AFDF1C659B}"/>
+                <a16:creationId xmlns:a16="http://schemas.microsoft.com/office/drawing/2014/main" xmlns="" id="{CCD82A4F-179E-4DB3-A254-C0AFDF1C659B}"/>
               </a:ext>
             </a:extLst>
           </p:cNvPr>
@@ -19283,7 +19635,7 @@
           <p:cNvPr id="2" name="Title 1">
             <a:extLst>
               <a:ext uri="{FF2B5EF4-FFF2-40B4-BE49-F238E27FC236}">
-                <a16:creationId xmlns:a16="http://schemas.microsoft.com/office/drawing/2014/main" id="{1377FC41-5EB6-4EC5-B608-13C64FF55BCF}"/>
+                <a16:creationId xmlns:a16="http://schemas.microsoft.com/office/drawing/2014/main" xmlns="" id="{1377FC41-5EB6-4EC5-B608-13C64FF55BCF}"/>
               </a:ext>
             </a:extLst>
           </p:cNvPr>
@@ -19313,7 +19665,7 @@
           <p:cNvPr id="3" name="Content Placeholder 2">
             <a:extLst>
               <a:ext uri="{FF2B5EF4-FFF2-40B4-BE49-F238E27FC236}">
-                <a16:creationId xmlns:a16="http://schemas.microsoft.com/office/drawing/2014/main" id="{C3744AC0-B674-4D3E-9B37-AF59B5E5B9E2}"/>
+                <a16:creationId xmlns:a16="http://schemas.microsoft.com/office/drawing/2014/main" xmlns="" id="{C3744AC0-B674-4D3E-9B37-AF59B5E5B9E2}"/>
               </a:ext>
             </a:extLst>
           </p:cNvPr>
@@ -19354,6 +19706,12 @@
               <a:rPr lang="fr-CH" dirty="0"/>
               <a:t>Enregistrer des informations</a:t>
             </a:r>
+            <a:r>
+              <a:rPr lang="fr-CH" b="0" dirty="0">
+                <a:effectLst/>
+              </a:rPr>
+              <a:t/>
+            </a:r>
             <a:br>
               <a:rPr lang="fr-CH" b="0" dirty="0">
                 <a:effectLst/>
@@ -19368,7 +19726,7 @@
           <p:cNvPr id="3074" name="Picture 2" descr="Image result for JSON icone">
             <a:extLst>
               <a:ext uri="{FF2B5EF4-FFF2-40B4-BE49-F238E27FC236}">
-                <a16:creationId xmlns:a16="http://schemas.microsoft.com/office/drawing/2014/main" id="{26F10CEB-D8C6-4059-AC49-CCC683EA38E7}"/>
+                <a16:creationId xmlns:a16="http://schemas.microsoft.com/office/drawing/2014/main" xmlns="" id="{26F10CEB-D8C6-4059-AC49-CCC683EA38E7}"/>
               </a:ext>
             </a:extLst>
           </p:cNvPr>
@@ -19415,7 +19773,7 @@
           <p:cNvPr id="7" name="Rectangle 6">
             <a:extLst>
               <a:ext uri="{FF2B5EF4-FFF2-40B4-BE49-F238E27FC236}">
-                <a16:creationId xmlns:a16="http://schemas.microsoft.com/office/drawing/2014/main" id="{EF313A54-70B8-42A4-8938-09323E37D0F6}"/>
+                <a16:creationId xmlns:a16="http://schemas.microsoft.com/office/drawing/2014/main" xmlns="" id="{EF313A54-70B8-42A4-8938-09323E37D0F6}"/>
               </a:ext>
             </a:extLst>
           </p:cNvPr>
@@ -19502,7 +19860,7 @@
           <p:cNvPr id="2" name="Title 1">
             <a:extLst>
               <a:ext uri="{FF2B5EF4-FFF2-40B4-BE49-F238E27FC236}">
-                <a16:creationId xmlns:a16="http://schemas.microsoft.com/office/drawing/2014/main" id="{EAB1EC36-4371-42F0-9C12-3E2386CBFE34}"/>
+                <a16:creationId xmlns:a16="http://schemas.microsoft.com/office/drawing/2014/main" xmlns="" id="{EAB1EC36-4371-42F0-9C12-3E2386CBFE34}"/>
               </a:ext>
             </a:extLst>
           </p:cNvPr>
@@ -19532,7 +19890,7 @@
           <p:cNvPr id="3" name="Content Placeholder 2">
             <a:extLst>
               <a:ext uri="{FF2B5EF4-FFF2-40B4-BE49-F238E27FC236}">
-                <a16:creationId xmlns:a16="http://schemas.microsoft.com/office/drawing/2014/main" id="{D77929FD-D58D-427E-96C9-350A253E0441}"/>
+                <a16:creationId xmlns:a16="http://schemas.microsoft.com/office/drawing/2014/main" xmlns="" id="{D77929FD-D58D-427E-96C9-350A253E0441}"/>
               </a:ext>
             </a:extLst>
           </p:cNvPr>
@@ -19568,6 +19926,10 @@
             <a:pPr marL="0" indent="0">
               <a:buNone/>
             </a:pPr>
+            <a:r>
+              <a:rPr lang="fr-CH" dirty="0"/>
+              <a:t/>
+            </a:r>
             <a:br>
               <a:rPr lang="fr-CH" dirty="0"/>
             </a:br>
@@ -19580,7 +19942,7 @@
           <p:cNvPr id="4" name="Content Placeholder 3">
             <a:extLst>
               <a:ext uri="{FF2B5EF4-FFF2-40B4-BE49-F238E27FC236}">
-                <a16:creationId xmlns:a16="http://schemas.microsoft.com/office/drawing/2014/main" id="{64AA2F89-2B7C-402A-A368-7485943A9B9B}"/>
+                <a16:creationId xmlns:a16="http://schemas.microsoft.com/office/drawing/2014/main" xmlns="" id="{64AA2F89-2B7C-402A-A368-7485943A9B9B}"/>
               </a:ext>
             </a:extLst>
           </p:cNvPr>
@@ -19622,7 +19984,7 @@
           <p:cNvPr id="5" name="Rectangle 4">
             <a:extLst>
               <a:ext uri="{FF2B5EF4-FFF2-40B4-BE49-F238E27FC236}">
-                <a16:creationId xmlns:a16="http://schemas.microsoft.com/office/drawing/2014/main" id="{F0B9DF2A-6C9B-4F6C-A87D-ACDCBE9D4DE7}"/>
+                <a16:creationId xmlns:a16="http://schemas.microsoft.com/office/drawing/2014/main" xmlns="" id="{F0B9DF2A-6C9B-4F6C-A87D-ACDCBE9D4DE7}"/>
               </a:ext>
             </a:extLst>
           </p:cNvPr>
@@ -19679,7 +20041,7 @@
           <p:cNvPr id="7" name="TextBox 6">
             <a:extLst>
               <a:ext uri="{FF2B5EF4-FFF2-40B4-BE49-F238E27FC236}">
-                <a16:creationId xmlns:a16="http://schemas.microsoft.com/office/drawing/2014/main" id="{A5335E0A-C6F1-41DF-9F47-CC461A1227ED}"/>
+                <a16:creationId xmlns:a16="http://schemas.microsoft.com/office/drawing/2014/main" xmlns="" id="{A5335E0A-C6F1-41DF-9F47-CC461A1227ED}"/>
               </a:ext>
             </a:extLst>
           </p:cNvPr>
@@ -19752,7 +20114,7 @@
           <p:cNvPr id="2" name="Title 1">
             <a:extLst>
               <a:ext uri="{FF2B5EF4-FFF2-40B4-BE49-F238E27FC236}">
-                <a16:creationId xmlns:a16="http://schemas.microsoft.com/office/drawing/2014/main" id="{5B2651E3-A570-4474-8F54-C13F559A0E5D}"/>
+                <a16:creationId xmlns:a16="http://schemas.microsoft.com/office/drawing/2014/main" xmlns="" id="{5B2651E3-A570-4474-8F54-C13F559A0E5D}"/>
               </a:ext>
             </a:extLst>
           </p:cNvPr>
@@ -19782,7 +20144,7 @@
           <p:cNvPr id="4" name="Content Placeholder 2">
             <a:extLst>
               <a:ext uri="{FF2B5EF4-FFF2-40B4-BE49-F238E27FC236}">
-                <a16:creationId xmlns:a16="http://schemas.microsoft.com/office/drawing/2014/main" id="{2C7A908D-13B3-4D13-B18B-87F1F98895F4}"/>
+                <a16:creationId xmlns:a16="http://schemas.microsoft.com/office/drawing/2014/main" xmlns="" id="{2C7A908D-13B3-4D13-B18B-87F1F98895F4}"/>
               </a:ext>
             </a:extLst>
           </p:cNvPr>
@@ -20028,6 +20390,12 @@
             <a:pPr marL="0" indent="0">
               <a:buNone/>
             </a:pPr>
+            <a:r>
+              <a:rPr lang="fr-CH" b="0" dirty="0">
+                <a:effectLst/>
+              </a:rPr>
+              <a:t/>
+            </a:r>
             <a:br>
               <a:rPr lang="fr-CH" b="0" dirty="0">
                 <a:effectLst/>
@@ -20042,7 +20410,7 @@
           <p:cNvPr id="5" name="Content Placeholder 3">
             <a:extLst>
               <a:ext uri="{FF2B5EF4-FFF2-40B4-BE49-F238E27FC236}">
-                <a16:creationId xmlns:a16="http://schemas.microsoft.com/office/drawing/2014/main" id="{9443DF04-D326-4C99-86BA-F66E668E2ABF}"/>
+                <a16:creationId xmlns:a16="http://schemas.microsoft.com/office/drawing/2014/main" xmlns="" id="{9443DF04-D326-4C99-86BA-F66E668E2ABF}"/>
               </a:ext>
             </a:extLst>
           </p:cNvPr>
@@ -20547,6 +20915,12 @@
             <a:pPr marL="0" indent="0">
               <a:buNone/>
             </a:pPr>
+            <a:r>
+              <a:rPr lang="fr-CH" sz="1400" b="0" dirty="0">
+                <a:effectLst/>
+              </a:rPr>
+              <a:t/>
+            </a:r>
             <a:br>
               <a:rPr lang="fr-CH" sz="1400" b="0" dirty="0">
                 <a:effectLst/>
@@ -20561,7 +20935,7 @@
           <p:cNvPr id="6" name="Rectangle 5">
             <a:extLst>
               <a:ext uri="{FF2B5EF4-FFF2-40B4-BE49-F238E27FC236}">
-                <a16:creationId xmlns:a16="http://schemas.microsoft.com/office/drawing/2014/main" id="{D77AD198-23B1-4CE1-A093-6CB265C43C26}"/>
+                <a16:creationId xmlns:a16="http://schemas.microsoft.com/office/drawing/2014/main" xmlns="" id="{D77AD198-23B1-4CE1-A093-6CB265C43C26}"/>
               </a:ext>
             </a:extLst>
           </p:cNvPr>
@@ -20648,7 +21022,7 @@
           <p:cNvPr id="2" name="Title 1">
             <a:extLst>
               <a:ext uri="{FF2B5EF4-FFF2-40B4-BE49-F238E27FC236}">
-                <a16:creationId xmlns:a16="http://schemas.microsoft.com/office/drawing/2014/main" id="{6D1B2553-B514-44F5-8F3C-D9D359CCD0B0}"/>
+                <a16:creationId xmlns:a16="http://schemas.microsoft.com/office/drawing/2014/main" xmlns="" id="{6D1B2553-B514-44F5-8F3C-D9D359CCD0B0}"/>
               </a:ext>
             </a:extLst>
           </p:cNvPr>
@@ -20678,7 +21052,7 @@
           <p:cNvPr id="3" name="Content Placeholder 2">
             <a:extLst>
               <a:ext uri="{FF2B5EF4-FFF2-40B4-BE49-F238E27FC236}">
-                <a16:creationId xmlns:a16="http://schemas.microsoft.com/office/drawing/2014/main" id="{19E7DEB4-47C6-43C6-9BB2-7F22F5E598D8}"/>
+                <a16:creationId xmlns:a16="http://schemas.microsoft.com/office/drawing/2014/main" xmlns="" id="{19E7DEB4-47C6-43C6-9BB2-7F22F5E598D8}"/>
               </a:ext>
             </a:extLst>
           </p:cNvPr>
@@ -20735,7 +21109,7 @@
           <p:cNvPr id="4" name="Rectangle 3">
             <a:extLst>
               <a:ext uri="{FF2B5EF4-FFF2-40B4-BE49-F238E27FC236}">
-                <a16:creationId xmlns:a16="http://schemas.microsoft.com/office/drawing/2014/main" id="{86B40CE5-A62E-4565-8D64-DD2F63AB0E01}"/>
+                <a16:creationId xmlns:a16="http://schemas.microsoft.com/office/drawing/2014/main" xmlns="" id="{86B40CE5-A62E-4565-8D64-DD2F63AB0E01}"/>
               </a:ext>
             </a:extLst>
           </p:cNvPr>
@@ -20822,7 +21196,7 @@
           <p:cNvPr id="8" name="Diagram 7">
             <a:extLst>
               <a:ext uri="{FF2B5EF4-FFF2-40B4-BE49-F238E27FC236}">
-                <a16:creationId xmlns:a16="http://schemas.microsoft.com/office/drawing/2014/main" id="{7537CA20-B0B9-4077-9ABA-1ED518597299}"/>
+                <a16:creationId xmlns:a16="http://schemas.microsoft.com/office/drawing/2014/main" xmlns="" id="{7537CA20-B0B9-4077-9ABA-1ED518597299}"/>
               </a:ext>
             </a:extLst>
           </p:cNvPr>
@@ -20880,7 +21254,7 @@
           <p:cNvPr id="2" name="Title 1">
             <a:extLst>
               <a:ext uri="{FF2B5EF4-FFF2-40B4-BE49-F238E27FC236}">
-                <a16:creationId xmlns:a16="http://schemas.microsoft.com/office/drawing/2014/main" id="{7989BDD9-6A55-4584-89C5-5A53C705CA60}"/>
+                <a16:creationId xmlns:a16="http://schemas.microsoft.com/office/drawing/2014/main" xmlns="" id="{7989BDD9-6A55-4584-89C5-5A53C705CA60}"/>
               </a:ext>
             </a:extLst>
           </p:cNvPr>
@@ -20910,7 +21284,7 @@
           <p:cNvPr id="3" name="Content Placeholder 2">
             <a:extLst>
               <a:ext uri="{FF2B5EF4-FFF2-40B4-BE49-F238E27FC236}">
-                <a16:creationId xmlns:a16="http://schemas.microsoft.com/office/drawing/2014/main" id="{31603116-7070-429B-BCCD-88D972A35766}"/>
+                <a16:creationId xmlns:a16="http://schemas.microsoft.com/office/drawing/2014/main" xmlns="" id="{31603116-7070-429B-BCCD-88D972A35766}"/>
               </a:ext>
             </a:extLst>
           </p:cNvPr>
@@ -20988,7 +21362,7 @@
           <p:cNvPr id="6" name="Rectangle 5">
             <a:extLst>
               <a:ext uri="{FF2B5EF4-FFF2-40B4-BE49-F238E27FC236}">
-                <a16:creationId xmlns:a16="http://schemas.microsoft.com/office/drawing/2014/main" id="{3596170D-4168-4C17-94A2-4199F82AF965}"/>
+                <a16:creationId xmlns:a16="http://schemas.microsoft.com/office/drawing/2014/main" xmlns="" id="{3596170D-4168-4C17-94A2-4199F82AF965}"/>
               </a:ext>
             </a:extLst>
           </p:cNvPr>

--- a/Présentation/XML_VS_JSON.pptx
+++ b/Présentation/XML_VS_JSON.pptx
@@ -19118,7 +19118,32 @@
           <a:bodyPr/>
           <a:lstStyle/>
           <a:p>
-            <a:endParaRPr lang="fr-CH"/>
+            <a:r>
+              <a:rPr lang="fr-CH" dirty="0"/>
+              <a:t>JSON</a:t>
+            </a:r>
+          </a:p>
+          <a:p>
+            <a:endParaRPr lang="fr-CH" dirty="0"/>
+          </a:p>
+          <a:p>
+            <a:r>
+              <a:rPr lang="fr-CH" dirty="0"/>
+              <a:t>JSONPATH</a:t>
+            </a:r>
+          </a:p>
+          <a:p>
+            <a:pPr lvl="1"/>
+            <a:r>
+              <a:rPr lang="fr-CH" dirty="0">
+                <a:hlinkClick r:id="rId2"/>
+              </a:rPr>
+              <a:t>https://jsonpath.com</a:t>
+            </a:r>
+            <a:endParaRPr lang="fr-CH" dirty="0"/>
+          </a:p>
+          <a:p>
+            <a:endParaRPr lang="fr-CH" dirty="0"/>
           </a:p>
         </p:txBody>
       </p:sp>
@@ -19184,6 +19209,13 @@
   <p:clrMapOvr>
     <a:masterClrMapping/>
   </p:clrMapOvr>
+  <p:timing>
+    <p:tnLst>
+      <p:par>
+        <p:cTn id="1" dur="indefinite" restart="never" nodeType="tmRoot"/>
+      </p:par>
+    </p:tnLst>
+  </p:timing>
 </p:sld>
 </file>
 
@@ -19229,6 +19261,7 @@
               <a:rPr lang="fr-CH" dirty="0"/>
               <a:t>Questions ?</a:t>
             </a:r>
+            <a:endParaRPr lang="fr-CH" dirty="0"/>
           </a:p>
         </p:txBody>
       </p:sp>
@@ -19248,12 +19281,54 @@
             <p:ph idx="1"/>
           </p:nvPr>
         </p:nvSpPr>
-        <p:spPr/>
+        <p:spPr>
+          <a:xfrm>
+            <a:off x="3881337" y="1825625"/>
+            <a:ext cx="7472462" cy="4351338"/>
+          </a:xfrm>
+        </p:spPr>
         <p:txBody>
-          <a:bodyPr/>
+          <a:bodyPr>
+            <a:normAutofit/>
+          </a:bodyPr>
           <a:lstStyle/>
           <a:p>
-            <a:endParaRPr lang="fr-CH"/>
+            <a:pPr marL="457200" lvl="1" indent="0">
+              <a:buNone/>
+            </a:pPr>
+            <a:endParaRPr lang="fr-CH" sz="4400" dirty="0" smtClean="0"/>
+          </a:p>
+          <a:p>
+            <a:pPr marL="457200" lvl="1" indent="0">
+              <a:buNone/>
+            </a:pPr>
+            <a:endParaRPr lang="fr-CH" sz="4400" dirty="0"/>
+          </a:p>
+          <a:p>
+            <a:pPr marL="457200" lvl="1" indent="0">
+              <a:buNone/>
+            </a:pPr>
+            <a:r>
+              <a:rPr lang="fr-CH" sz="4400" dirty="0" smtClean="0"/>
+              <a:t>Questions </a:t>
+            </a:r>
+            <a:r>
+              <a:rPr lang="fr-CH" sz="4400" dirty="0"/>
+              <a:t>?</a:t>
+            </a:r>
+            <a:endParaRPr lang="fr-CH" sz="4400" dirty="0" smtClean="0"/>
+          </a:p>
+          <a:p>
+            <a:pPr marL="457200" lvl="1" indent="0">
+              <a:buNone/>
+            </a:pPr>
+            <a:endParaRPr lang="fr-CH" sz="4400" dirty="0" smtClean="0"/>
+          </a:p>
+          <a:p>
+            <a:pPr marL="457200" lvl="1" indent="0">
+              <a:buNone/>
+            </a:pPr>
+            <a:endParaRPr lang="fr-CH" sz="4400" dirty="0" smtClean="0"/>
           </a:p>
         </p:txBody>
       </p:sp>
@@ -19319,6 +19394,13 @@
   <p:clrMapOvr>
     <a:masterClrMapping/>
   </p:clrMapOvr>
+  <p:timing>
+    <p:tnLst>
+      <p:par>
+        <p:cTn id="1" dur="indefinite" restart="never" nodeType="tmRoot"/>
+      </p:par>
+    </p:tnLst>
+  </p:timing>
 </p:sld>
 </file>
 
@@ -19405,12 +19487,8 @@
           <a:p>
             <a:pPr fontAlgn="base"/>
             <a:r>
-              <a:rPr lang="fr-CH"/>
-              <a:t>En JSONPATH, récupérer </a:t>
-            </a:r>
-            <a:r>
               <a:rPr lang="fr-CH" dirty="0"/>
-              <a:t>le numéro de téléphone fixe (home)</a:t>
+              <a:t>En JSONPATH, l'équivalent de XPATH, récupérer le numéro de téléphone fixe (home)</a:t>
             </a:r>
           </a:p>
           <a:p>
@@ -19494,6 +19572,13 @@
   <p:clrMapOvr>
     <a:masterClrMapping/>
   </p:clrMapOvr>
+  <p:timing>
+    <p:tnLst>
+      <p:par>
+        <p:cTn id="1" dur="indefinite" restart="never" nodeType="tmRoot"/>
+      </p:par>
+    </p:tnLst>
+  </p:timing>
 </p:sld>
 </file>
 

--- a/Présentation/XML_VS_JSON.pptx
+++ b/Présentation/XML_VS_JSON.pptx
@@ -17105,7 +17105,7 @@
           <p:nvPr/>
         </p:nvPicPr>
         <p:blipFill>
-          <a:blip r:embed="rId2">
+          <a:blip r:embed="rId2" cstate="hqprint">
             <a:extLst>
               <a:ext uri="{28A0092B-C50C-407E-A947-70E740481C1C}">
                 <a14:useLocalDpi xmlns:a14="http://schemas.microsoft.com/office/drawing/2010/main" val="0"/>
@@ -18069,7 +18069,7 @@
         </p:spPr>
         <p:txBody>
           <a:bodyPr>
-            <a:normAutofit fontScale="55000" lnSpcReduction="20000"/>
+            <a:normAutofit fontScale="92500" lnSpcReduction="10000"/>
           </a:bodyPr>
           <a:lstStyle/>
           <a:p>
@@ -18077,15 +18077,15 @@
               <a:buNone/>
             </a:pPr>
             <a:r>
-              <a:rPr lang="pt-BR" sz="4400" dirty="0"/>
-              <a:t>Requête n°1</a:t>
+              <a:rPr lang="pt-BR" sz="4400" dirty="0" smtClean="0"/>
+              <a:t>Résultat n°1</a:t>
             </a:r>
           </a:p>
           <a:p>
             <a:pPr marL="0" indent="0">
               <a:buNone/>
             </a:pPr>
-            <a:endParaRPr lang="pt-BR" b="0" dirty="0">
+            <a:endParaRPr lang="pt-BR" b="0" dirty="0" smtClean="0">
               <a:effectLst/>
             </a:endParaRPr>
           </a:p>
@@ -18094,145 +18094,101 @@
               <a:buNone/>
             </a:pPr>
             <a:r>
-              <a:rPr lang="fr-CH" sz="3300" dirty="0"/>
-              <a:t>{"</a:t>
-            </a:r>
-            <a:r>
-              <a:rPr lang="fr-CH" sz="3300" dirty="0" err="1"/>
-              <a:t>employees</a:t>
-            </a:r>
-            <a:r>
-              <a:rPr lang="fr-CH" sz="3300" dirty="0"/>
-              <a:t>" : [</a:t>
-            </a:r>
-            <a:endParaRPr lang="fr-CH" sz="3300" b="0" dirty="0">
-              <a:effectLst/>
-            </a:endParaRPr>
-          </a:p>
-          <a:p>
-            <a:pPr marL="457200" lvl="1" indent="0">
-              <a:buNone/>
-            </a:pPr>
-            <a:r>
-              <a:rPr lang="fr-CH" sz="3300" dirty="0"/>
-              <a:t> { "</a:t>
-            </a:r>
-            <a:r>
-              <a:rPr lang="fr-CH" sz="3300" dirty="0" err="1"/>
-              <a:t>firstName</a:t>
-            </a:r>
-            <a:r>
-              <a:rPr lang="fr-CH" sz="3300" dirty="0"/>
-              <a:t>":"John" },</a:t>
-            </a:r>
-            <a:endParaRPr lang="fr-CH" sz="3300" b="0" dirty="0">
-              <a:effectLst/>
-            </a:endParaRPr>
-          </a:p>
-          <a:p>
-            <a:pPr marL="457200" lvl="1" indent="0">
-              <a:buNone/>
-            </a:pPr>
-            <a:r>
-              <a:rPr lang="fr-CH" sz="3300" dirty="0"/>
-              <a:t> { "</a:t>
-            </a:r>
-            <a:r>
-              <a:rPr lang="fr-CH" sz="3300" dirty="0" err="1"/>
-              <a:t>firstName</a:t>
-            </a:r>
-            <a:r>
-              <a:rPr lang="fr-CH" sz="3300" dirty="0"/>
-              <a:t>":"Anna" },</a:t>
-            </a:r>
-            <a:endParaRPr lang="fr-CH" sz="3300" b="0" dirty="0">
-              <a:effectLst/>
-            </a:endParaRPr>
-          </a:p>
-          <a:p>
-            <a:pPr marL="457200" lvl="1" indent="0">
-              <a:buNone/>
-            </a:pPr>
-            <a:r>
-              <a:rPr lang="fr-CH" sz="3300" dirty="0"/>
-              <a:t> { "</a:t>
-            </a:r>
-            <a:r>
-              <a:rPr lang="fr-CH" sz="3300" dirty="0" err="1"/>
-              <a:t>firstName</a:t>
-            </a:r>
-            <a:r>
-              <a:rPr lang="fr-CH" sz="3300" dirty="0"/>
-              <a:t>":"Peter" }</a:t>
-            </a:r>
-            <a:endParaRPr lang="fr-CH" sz="3300" b="0" dirty="0">
-              <a:effectLst/>
-            </a:endParaRPr>
-          </a:p>
-          <a:p>
-            <a:pPr marL="0" indent="0">
-              <a:buNone/>
-            </a:pPr>
-            <a:r>
-              <a:rPr lang="fr-CH" sz="3300" dirty="0"/>
-              <a:t>]}</a:t>
-            </a:r>
-            <a:endParaRPr lang="fr-CH" sz="3300" b="0" dirty="0">
-              <a:effectLst/>
-            </a:endParaRPr>
-          </a:p>
-          <a:p>
-            <a:pPr marL="0" indent="0">
-              <a:buNone/>
-            </a:pPr>
-            <a:r>
-              <a:rPr lang="fr-CH" sz="3600" dirty="0"/>
+              <a:rPr lang="fr-CH" dirty="0" smtClean="0"/>
+              <a:t>[  </a:t>
+            </a:r>
+            <a:r>
+              <a:rPr lang="fr-CH" sz="3600" dirty="0" smtClean="0"/>
               <a:t/>
             </a:r>
             <a:br>
-              <a:rPr lang="fr-CH" sz="3600" dirty="0"/>
+              <a:rPr lang="fr-CH" sz="3600" dirty="0" smtClean="0"/>
             </a:br>
             <a:r>
-              <a:rPr lang="pt-BR" b="0" dirty="0">
+              <a:rPr lang="fr-CH" dirty="0" smtClean="0"/>
+              <a:t>   "John",</a:t>
+            </a:r>
+            <a:r>
+              <a:rPr lang="fr-CH" sz="3600" dirty="0" smtClean="0"/>
+              <a:t/>
+            </a:r>
+            <a:br>
+              <a:rPr lang="fr-CH" sz="3600" dirty="0" smtClean="0"/>
+            </a:br>
+            <a:r>
+              <a:rPr lang="fr-CH" dirty="0" smtClean="0"/>
+              <a:t>   "Anna",</a:t>
+            </a:r>
+            <a:r>
+              <a:rPr lang="fr-CH" sz="3600" dirty="0" smtClean="0"/>
+              <a:t/>
+            </a:r>
+            <a:br>
+              <a:rPr lang="fr-CH" sz="3600" dirty="0" smtClean="0"/>
+            </a:br>
+            <a:r>
+              <a:rPr lang="fr-CH" dirty="0" smtClean="0"/>
+              <a:t>   "Peter"</a:t>
+            </a:r>
+            <a:r>
+              <a:rPr lang="fr-CH" sz="3600" dirty="0" smtClean="0"/>
+              <a:t/>
+            </a:r>
+            <a:br>
+              <a:rPr lang="fr-CH" sz="3600" dirty="0" smtClean="0"/>
+            </a:br>
+            <a:r>
+              <a:rPr lang="fr-CH" dirty="0" smtClean="0"/>
+              <a:t>]</a:t>
+            </a:r>
+            <a:r>
+              <a:rPr lang="fr-CH" sz="3600" dirty="0" smtClean="0"/>
+              <a:t/>
+            </a:r>
+            <a:br>
+              <a:rPr lang="fr-CH" sz="3600" dirty="0" smtClean="0"/>
+            </a:br>
+            <a:r>
+              <a:rPr lang="pt-BR" b="0" dirty="0" smtClean="0">
                 <a:effectLst/>
               </a:rPr>
               <a:t/>
             </a:r>
             <a:br>
-              <a:rPr lang="pt-BR" b="0" dirty="0">
+              <a:rPr lang="pt-BR" b="0" dirty="0" smtClean="0">
                 <a:effectLst/>
               </a:rPr>
             </a:br>
             <a:r>
-              <a:rPr lang="pt-BR" b="0" dirty="0">
+              <a:rPr lang="pt-BR" b="0" dirty="0" smtClean="0">
                 <a:effectLst/>
               </a:rPr>
               <a:t/>
             </a:r>
             <a:br>
-              <a:rPr lang="pt-BR" b="0" dirty="0">
+              <a:rPr lang="pt-BR" b="0" dirty="0" smtClean="0">
                 <a:effectLst/>
               </a:rPr>
             </a:br>
             <a:r>
-              <a:rPr lang="pt-BR" b="0" dirty="0">
+              <a:rPr lang="pt-BR" b="0" dirty="0" smtClean="0">
                 <a:effectLst/>
               </a:rPr>
               <a:t/>
             </a:r>
             <a:br>
-              <a:rPr lang="pt-BR" b="0" dirty="0">
+              <a:rPr lang="pt-BR" b="0" dirty="0" smtClean="0">
                 <a:effectLst/>
               </a:rPr>
             </a:br>
             <a:r>
-              <a:rPr lang="pt-BR" b="0" dirty="0">
+              <a:rPr lang="pt-BR" b="0" dirty="0" smtClean="0">
                 <a:effectLst/>
               </a:rPr>
               <a:t/>
             </a:r>
             <a:br>
-              <a:rPr lang="pt-BR" b="0" dirty="0">
+              <a:rPr lang="pt-BR" b="0" dirty="0" smtClean="0">
                 <a:effectLst/>
               </a:rPr>
             </a:br>
@@ -18264,7 +18220,7 @@
         </p:spPr>
         <p:txBody>
           <a:bodyPr>
-            <a:normAutofit fontScale="55000" lnSpcReduction="20000"/>
+            <a:normAutofit fontScale="92500" lnSpcReduction="10000"/>
           </a:bodyPr>
           <a:lstStyle/>
           <a:p>
@@ -18272,209 +18228,32 @@
               <a:buNone/>
             </a:pPr>
             <a:r>
-              <a:rPr lang="fr-CH" sz="4400" dirty="0"/>
-              <a:t>Requête n°2</a:t>
-            </a:r>
+              <a:rPr lang="en-US" sz="4400" dirty="0" err="1" smtClean="0"/>
+              <a:t>Requête</a:t>
+            </a:r>
+            <a:r>
+              <a:rPr lang="en-US" sz="4400" dirty="0" smtClean="0"/>
+              <a:t> n°1</a:t>
+            </a:r>
+            <a:endParaRPr lang="en-US" sz="4400" dirty="0"/>
           </a:p>
           <a:p>
             <a:pPr marL="0" indent="0">
               <a:buNone/>
             </a:pPr>
-            <a:r>
-              <a:rPr lang="fr-CH" sz="3200" dirty="0"/>
-              <a:t>{"</a:t>
-            </a:r>
-            <a:r>
-              <a:rPr lang="fr-CH" sz="3200" dirty="0" err="1"/>
-              <a:t>employees</a:t>
-            </a:r>
-            <a:r>
-              <a:rPr lang="fr-CH" sz="3200" dirty="0"/>
-              <a:t>" : [</a:t>
-            </a:r>
-            <a:endParaRPr lang="fr-CH" sz="3200" b="0" dirty="0">
-              <a:effectLst/>
-            </a:endParaRPr>
-          </a:p>
-          <a:p>
-            <a:pPr marL="0" indent="0">
-              <a:buNone/>
-            </a:pPr>
-            <a:r>
-              <a:rPr lang="fr-CH" sz="3200" dirty="0"/>
-              <a:t> {</a:t>
-            </a:r>
-            <a:endParaRPr lang="fr-CH" sz="3200" b="0" dirty="0">
-              <a:effectLst/>
-            </a:endParaRPr>
-          </a:p>
-          <a:p>
-            <a:pPr marL="0" indent="0">
-              <a:buNone/>
-            </a:pPr>
-            <a:r>
-              <a:rPr lang="fr-CH" sz="3200" dirty="0"/>
-              <a:t>   "</a:t>
-            </a:r>
-            <a:r>
-              <a:rPr lang="fr-CH" sz="3200" dirty="0" err="1"/>
+            <a:endParaRPr lang="en-US" sz="4400" dirty="0"/>
+          </a:p>
+          <a:p>
+            <a:pPr fontAlgn="base"/>
+            <a:r>
+              <a:rPr lang="en-US" dirty="0"/>
+              <a:t>$.employees[*].</a:t>
+            </a:r>
+            <a:r>
+              <a:rPr lang="en-US" dirty="0" err="1"/>
               <a:t>firstName</a:t>
             </a:r>
-            <a:r>
-              <a:rPr lang="fr-CH" sz="3200" dirty="0"/>
-              <a:t>": "Anna",</a:t>
-            </a:r>
-            <a:endParaRPr lang="fr-CH" sz="3200" b="0" dirty="0">
-              <a:effectLst/>
-            </a:endParaRPr>
-          </a:p>
-          <a:p>
-            <a:pPr marL="0" indent="0">
-              <a:buNone/>
-            </a:pPr>
-            <a:r>
-              <a:rPr lang="fr-CH" sz="3200" dirty="0"/>
-              <a:t>   "</a:t>
-            </a:r>
-            <a:r>
-              <a:rPr lang="fr-CH" sz="3200" dirty="0" err="1"/>
-              <a:t>lastName</a:t>
-            </a:r>
-            <a:r>
-              <a:rPr lang="fr-CH" sz="3200" dirty="0"/>
-              <a:t>": "Smith",</a:t>
-            </a:r>
-            <a:endParaRPr lang="fr-CH" sz="3200" b="0" dirty="0">
-              <a:effectLst/>
-            </a:endParaRPr>
-          </a:p>
-          <a:p>
-            <a:pPr marL="0" indent="0">
-              <a:buNone/>
-            </a:pPr>
-            <a:r>
-              <a:rPr lang="fr-CH" sz="3200" dirty="0"/>
-              <a:t>   "</a:t>
-            </a:r>
-            <a:r>
-              <a:rPr lang="fr-CH" sz="3200" dirty="0" err="1"/>
-              <a:t>phoneNumber</a:t>
-            </a:r>
-            <a:r>
-              <a:rPr lang="fr-CH" sz="3200" dirty="0"/>
-              <a:t>": "078 123 45 67"</a:t>
-            </a:r>
-            <a:endParaRPr lang="fr-CH" sz="3200" b="0" dirty="0">
-              <a:effectLst/>
-            </a:endParaRPr>
-          </a:p>
-          <a:p>
-            <a:pPr marL="0" indent="0">
-              <a:buNone/>
-            </a:pPr>
-            <a:r>
-              <a:rPr lang="fr-CH" sz="3200" dirty="0"/>
-              <a:t> },</a:t>
-            </a:r>
-            <a:endParaRPr lang="fr-CH" sz="3200" b="0" dirty="0">
-              <a:effectLst/>
-            </a:endParaRPr>
-          </a:p>
-          <a:p>
-            <a:pPr marL="0" indent="0">
-              <a:buNone/>
-            </a:pPr>
-            <a:r>
-              <a:rPr lang="fr-CH" sz="3200" dirty="0"/>
-              <a:t> {</a:t>
-            </a:r>
-            <a:endParaRPr lang="fr-CH" sz="3200" b="0" dirty="0">
-              <a:effectLst/>
-            </a:endParaRPr>
-          </a:p>
-          <a:p>
-            <a:pPr marL="0" indent="0">
-              <a:buNone/>
-            </a:pPr>
-            <a:r>
-              <a:rPr lang="fr-CH" sz="3200" dirty="0"/>
-              <a:t>   "</a:t>
-            </a:r>
-            <a:r>
-              <a:rPr lang="fr-CH" sz="3200" dirty="0" err="1"/>
-              <a:t>firstName</a:t>
-            </a:r>
-            <a:r>
-              <a:rPr lang="fr-CH" sz="3200" dirty="0"/>
-              <a:t>": "Peter",</a:t>
-            </a:r>
-            <a:endParaRPr lang="fr-CH" sz="3200" b="0" dirty="0">
-              <a:effectLst/>
-            </a:endParaRPr>
-          </a:p>
-          <a:p>
-            <a:pPr marL="0" indent="0">
-              <a:buNone/>
-            </a:pPr>
-            <a:r>
-              <a:rPr lang="fr-CH" sz="3200" dirty="0"/>
-              <a:t>   "</a:t>
-            </a:r>
-            <a:r>
-              <a:rPr lang="fr-CH" sz="3200" dirty="0" err="1"/>
-              <a:t>lastName</a:t>
-            </a:r>
-            <a:r>
-              <a:rPr lang="fr-CH" sz="3200" dirty="0"/>
-              <a:t>": "Jones",</a:t>
-            </a:r>
-            <a:endParaRPr lang="fr-CH" sz="3200" b="0" dirty="0">
-              <a:effectLst/>
-            </a:endParaRPr>
-          </a:p>
-          <a:p>
-            <a:pPr marL="0" indent="0">
-              <a:buNone/>
-            </a:pPr>
-            <a:r>
-              <a:rPr lang="fr-CH" sz="3200" dirty="0"/>
-              <a:t>   "</a:t>
-            </a:r>
-            <a:r>
-              <a:rPr lang="fr-CH" sz="3200" dirty="0" err="1"/>
-              <a:t>phoneNumber</a:t>
-            </a:r>
-            <a:r>
-              <a:rPr lang="fr-CH" sz="3200" dirty="0"/>
-              <a:t>": "078 123 45 68"</a:t>
-            </a:r>
-            <a:endParaRPr lang="fr-CH" sz="3200" b="0" dirty="0">
-              <a:effectLst/>
-            </a:endParaRPr>
-          </a:p>
-          <a:p>
-            <a:pPr marL="0" indent="0">
-              <a:buNone/>
-            </a:pPr>
-            <a:r>
-              <a:rPr lang="fr-CH" sz="3200" dirty="0"/>
-              <a:t> }</a:t>
-            </a:r>
-            <a:endParaRPr lang="fr-CH" sz="3200" b="0" dirty="0">
-              <a:effectLst/>
-            </a:endParaRPr>
-          </a:p>
-          <a:p>
-            <a:pPr marL="0" indent="0">
-              <a:buNone/>
-            </a:pPr>
-            <a:r>
-              <a:rPr lang="fr-CH" sz="3200" dirty="0"/>
-              <a:t>]}</a:t>
-            </a:r>
-            <a:endParaRPr lang="fr-CH" sz="3200" b="0" dirty="0">
-              <a:effectLst/>
-            </a:endParaRPr>
+            <a:endParaRPr lang="en-US" dirty="0"/>
           </a:p>
         </p:txBody>
       </p:sp>
@@ -18611,89 +18390,61 @@
         </p:nvSpPr>
         <p:spPr>
           <a:xfrm>
-            <a:off x="838200" y="1825625"/>
-            <a:ext cx="10515600" cy="4351338"/>
+            <a:off x="838200" y="1690686"/>
+            <a:ext cx="10515600" cy="1734158"/>
           </a:xfrm>
         </p:spPr>
         <p:txBody>
           <a:bodyPr>
-            <a:normAutofit fontScale="92500" lnSpcReduction="20000"/>
+            <a:normAutofit fontScale="25000" lnSpcReduction="20000"/>
           </a:bodyPr>
           <a:lstStyle/>
           <a:p>
             <a:pPr marL="0" indent="0">
+              <a:lnSpc>
+                <a:spcPct val="110000"/>
+              </a:lnSpc>
               <a:buNone/>
             </a:pPr>
             <a:r>
-              <a:rPr lang="en-US" dirty="0" err="1"/>
-              <a:t>Requête</a:t>
-            </a:r>
-            <a:endParaRPr lang="en-US" dirty="0"/>
+              <a:rPr lang="en-US" sz="16400" dirty="0" err="1"/>
+              <a:t>Résultat</a:t>
+            </a:r>
+            <a:r>
+              <a:rPr lang="en-US" sz="16400" dirty="0"/>
+              <a:t> </a:t>
+            </a:r>
+            <a:r>
+              <a:rPr lang="en-US" sz="16400" dirty="0" smtClean="0"/>
+              <a:t>n°2</a:t>
+            </a:r>
+            <a:endParaRPr lang="en-US" sz="11200" dirty="0"/>
           </a:p>
           <a:p>
             <a:pPr marL="0" indent="0">
+              <a:lnSpc>
+                <a:spcPct val="110000"/>
+              </a:lnSpc>
               <a:buNone/>
             </a:pPr>
-            <a:endParaRPr lang="en-US" b="0" dirty="0">
-              <a:effectLst/>
-            </a:endParaRPr>
-          </a:p>
-          <a:p>
-            <a:pPr fontAlgn="base"/>
-            <a:r>
-              <a:rPr lang="en-US" dirty="0"/>
-              <a:t>$.employees[*].</a:t>
-            </a:r>
-            <a:r>
-              <a:rPr lang="en-US" dirty="0" err="1"/>
+            <a:r>
+              <a:rPr lang="en-US" sz="11200" dirty="0"/>
+              <a:t>$.employees[?(@.</a:t>
+            </a:r>
+            <a:r>
+              <a:rPr lang="en-US" sz="11200" dirty="0" err="1"/>
+              <a:t>phoneNumber</a:t>
+            </a:r>
+            <a:r>
+              <a:rPr lang="en-US" sz="11200" dirty="0"/>
+              <a:t> == 078 123 45 67)].['</a:t>
+            </a:r>
+            <a:r>
+              <a:rPr lang="en-US" sz="11200" dirty="0" err="1"/>
               <a:t>firstName</a:t>
             </a:r>
-            <a:endParaRPr lang="en-US" dirty="0"/>
-          </a:p>
-          <a:p>
-            <a:pPr marL="0" indent="0">
-              <a:buNone/>
-            </a:pPr>
-            <a:endParaRPr lang="en-US" dirty="0"/>
-          </a:p>
-          <a:p>
-            <a:pPr marL="0" indent="0">
-              <a:buNone/>
-            </a:pPr>
-            <a:r>
-              <a:rPr lang="en-US" dirty="0" err="1"/>
-              <a:t>Requête</a:t>
-            </a:r>
-            <a:r>
-              <a:rPr lang="en-US" dirty="0"/>
-              <a:t> n°2</a:t>
-            </a:r>
-          </a:p>
-          <a:p>
-            <a:pPr marL="0" indent="0">
-              <a:buNone/>
-            </a:pPr>
-            <a:endParaRPr lang="en-US" dirty="0"/>
-          </a:p>
-          <a:p>
-            <a:r>
-              <a:rPr lang="en-US" dirty="0"/>
-              <a:t>$.employees[?(@.</a:t>
-            </a:r>
-            <a:r>
-              <a:rPr lang="en-US" dirty="0" err="1"/>
-              <a:t>phoneNumber</a:t>
-            </a:r>
-            <a:r>
-              <a:rPr lang="en-US" dirty="0"/>
-              <a:t> == 078 123 45 67)].['</a:t>
-            </a:r>
-            <a:r>
-              <a:rPr lang="en-US" dirty="0" err="1"/>
-              <a:t>firstName</a:t>
-            </a:r>
-            <a:r>
-              <a:rPr lang="en-US" dirty="0"/>
+            <a:r>
+              <a:rPr lang="en-US" sz="11200" dirty="0"/>
               <a:t>']</a:t>
             </a:r>
           </a:p>
@@ -18791,6 +18542,233 @@
             <a:r>
               <a:rPr lang="fr-CH" dirty="0"/>
               <a:t>6 / 6</a:t>
+            </a:r>
+          </a:p>
+        </p:txBody>
+      </p:sp>
+      <p:sp>
+        <p:nvSpPr>
+          <p:cNvPr id="5" name="Content Placeholder 3">
+            <a:extLst>
+              <a:ext uri="{FF2B5EF4-FFF2-40B4-BE49-F238E27FC236}">
+                <a16:creationId xmlns:a16="http://schemas.microsoft.com/office/drawing/2014/main" xmlns="" id="{6F31182E-B03C-4F9B-A3FC-8C86F8E06081}"/>
+              </a:ext>
+            </a:extLst>
+          </p:cNvPr>
+          <p:cNvSpPr txBox="1">
+            <a:spLocks/>
+          </p:cNvSpPr>
+          <p:nvPr/>
+        </p:nvSpPr>
+        <p:spPr>
+          <a:xfrm>
+            <a:off x="838200" y="3515649"/>
+            <a:ext cx="9776214" cy="2796251"/>
+          </a:xfrm>
+          <a:prstGeom prst="rect">
+            <a:avLst/>
+          </a:prstGeom>
+        </p:spPr>
+        <p:txBody>
+          <a:bodyPr>
+            <a:normAutofit/>
+          </a:bodyPr>
+          <a:lstStyle>
+            <a:lvl1pPr marL="228600" indent="-228600" algn="l" defTabSz="914400" rtl="0" eaLnBrk="1" latinLnBrk="0" hangingPunct="1">
+              <a:lnSpc>
+                <a:spcPct val="90000"/>
+              </a:lnSpc>
+              <a:spcBef>
+                <a:spcPts val="1000"/>
+              </a:spcBef>
+              <a:buFont typeface="Arial" panose="020B0604020202020204" pitchFamily="34" charset="0"/>
+              <a:buChar char="•"/>
+              <a:defRPr sz="2800" kern="1200">
+                <a:solidFill>
+                  <a:schemeClr val="tx1"/>
+                </a:solidFill>
+                <a:latin typeface="+mn-lt"/>
+                <a:ea typeface="+mn-ea"/>
+                <a:cs typeface="+mn-cs"/>
+              </a:defRPr>
+            </a:lvl1pPr>
+            <a:lvl2pPr marL="685800" indent="-228600" algn="l" defTabSz="914400" rtl="0" eaLnBrk="1" latinLnBrk="0" hangingPunct="1">
+              <a:lnSpc>
+                <a:spcPct val="90000"/>
+              </a:lnSpc>
+              <a:spcBef>
+                <a:spcPts val="500"/>
+              </a:spcBef>
+              <a:buFont typeface="Arial" panose="020B0604020202020204" pitchFamily="34" charset="0"/>
+              <a:buChar char="•"/>
+              <a:defRPr sz="2400" kern="1200">
+                <a:solidFill>
+                  <a:schemeClr val="tx1"/>
+                </a:solidFill>
+                <a:latin typeface="+mn-lt"/>
+                <a:ea typeface="+mn-ea"/>
+                <a:cs typeface="+mn-cs"/>
+              </a:defRPr>
+            </a:lvl2pPr>
+            <a:lvl3pPr marL="1143000" indent="-228600" algn="l" defTabSz="914400" rtl="0" eaLnBrk="1" latinLnBrk="0" hangingPunct="1">
+              <a:lnSpc>
+                <a:spcPct val="90000"/>
+              </a:lnSpc>
+              <a:spcBef>
+                <a:spcPts val="500"/>
+              </a:spcBef>
+              <a:buFont typeface="Arial" panose="020B0604020202020204" pitchFamily="34" charset="0"/>
+              <a:buChar char="•"/>
+              <a:defRPr sz="2000" kern="1200">
+                <a:solidFill>
+                  <a:schemeClr val="tx1"/>
+                </a:solidFill>
+                <a:latin typeface="+mn-lt"/>
+                <a:ea typeface="+mn-ea"/>
+                <a:cs typeface="+mn-cs"/>
+              </a:defRPr>
+            </a:lvl3pPr>
+            <a:lvl4pPr marL="1600200" indent="-228600" algn="l" defTabSz="914400" rtl="0" eaLnBrk="1" latinLnBrk="0" hangingPunct="1">
+              <a:lnSpc>
+                <a:spcPct val="90000"/>
+              </a:lnSpc>
+              <a:spcBef>
+                <a:spcPts val="500"/>
+              </a:spcBef>
+              <a:buFont typeface="Arial" panose="020B0604020202020204" pitchFamily="34" charset="0"/>
+              <a:buChar char="•"/>
+              <a:defRPr sz="1800" kern="1200">
+                <a:solidFill>
+                  <a:schemeClr val="tx1"/>
+                </a:solidFill>
+                <a:latin typeface="+mn-lt"/>
+                <a:ea typeface="+mn-ea"/>
+                <a:cs typeface="+mn-cs"/>
+              </a:defRPr>
+            </a:lvl4pPr>
+            <a:lvl5pPr marL="2057400" indent="-228600" algn="l" defTabSz="914400" rtl="0" eaLnBrk="1" latinLnBrk="0" hangingPunct="1">
+              <a:lnSpc>
+                <a:spcPct val="90000"/>
+              </a:lnSpc>
+              <a:spcBef>
+                <a:spcPts val="500"/>
+              </a:spcBef>
+              <a:buFont typeface="Arial" panose="020B0604020202020204" pitchFamily="34" charset="0"/>
+              <a:buChar char="•"/>
+              <a:defRPr sz="1800" kern="1200">
+                <a:solidFill>
+                  <a:schemeClr val="tx1"/>
+                </a:solidFill>
+                <a:latin typeface="+mn-lt"/>
+                <a:ea typeface="+mn-ea"/>
+                <a:cs typeface="+mn-cs"/>
+              </a:defRPr>
+            </a:lvl5pPr>
+            <a:lvl6pPr marL="2514600" indent="-228600" algn="l" defTabSz="914400" rtl="0" eaLnBrk="1" latinLnBrk="0" hangingPunct="1">
+              <a:lnSpc>
+                <a:spcPct val="90000"/>
+              </a:lnSpc>
+              <a:spcBef>
+                <a:spcPts val="500"/>
+              </a:spcBef>
+              <a:buFont typeface="Arial" panose="020B0604020202020204" pitchFamily="34" charset="0"/>
+              <a:buChar char="•"/>
+              <a:defRPr sz="1800" kern="1200">
+                <a:solidFill>
+                  <a:schemeClr val="tx1"/>
+                </a:solidFill>
+                <a:latin typeface="+mn-lt"/>
+                <a:ea typeface="+mn-ea"/>
+                <a:cs typeface="+mn-cs"/>
+              </a:defRPr>
+            </a:lvl6pPr>
+            <a:lvl7pPr marL="2971800" indent="-228600" algn="l" defTabSz="914400" rtl="0" eaLnBrk="1" latinLnBrk="0" hangingPunct="1">
+              <a:lnSpc>
+                <a:spcPct val="90000"/>
+              </a:lnSpc>
+              <a:spcBef>
+                <a:spcPts val="500"/>
+              </a:spcBef>
+              <a:buFont typeface="Arial" panose="020B0604020202020204" pitchFamily="34" charset="0"/>
+              <a:buChar char="•"/>
+              <a:defRPr sz="1800" kern="1200">
+                <a:solidFill>
+                  <a:schemeClr val="tx1"/>
+                </a:solidFill>
+                <a:latin typeface="+mn-lt"/>
+                <a:ea typeface="+mn-ea"/>
+                <a:cs typeface="+mn-cs"/>
+              </a:defRPr>
+            </a:lvl7pPr>
+            <a:lvl8pPr marL="3429000" indent="-228600" algn="l" defTabSz="914400" rtl="0" eaLnBrk="1" latinLnBrk="0" hangingPunct="1">
+              <a:lnSpc>
+                <a:spcPct val="90000"/>
+              </a:lnSpc>
+              <a:spcBef>
+                <a:spcPts val="500"/>
+              </a:spcBef>
+              <a:buFont typeface="Arial" panose="020B0604020202020204" pitchFamily="34" charset="0"/>
+              <a:buChar char="•"/>
+              <a:defRPr sz="1800" kern="1200">
+                <a:solidFill>
+                  <a:schemeClr val="tx1"/>
+                </a:solidFill>
+                <a:latin typeface="+mn-lt"/>
+                <a:ea typeface="+mn-ea"/>
+                <a:cs typeface="+mn-cs"/>
+              </a:defRPr>
+            </a:lvl8pPr>
+            <a:lvl9pPr marL="3886200" indent="-228600" algn="l" defTabSz="914400" rtl="0" eaLnBrk="1" latinLnBrk="0" hangingPunct="1">
+              <a:lnSpc>
+                <a:spcPct val="90000"/>
+              </a:lnSpc>
+              <a:spcBef>
+                <a:spcPts val="500"/>
+              </a:spcBef>
+              <a:buFont typeface="Arial" panose="020B0604020202020204" pitchFamily="34" charset="0"/>
+              <a:buChar char="•"/>
+              <a:defRPr sz="1800" kern="1200">
+                <a:solidFill>
+                  <a:schemeClr val="tx1"/>
+                </a:solidFill>
+                <a:latin typeface="+mn-lt"/>
+                <a:ea typeface="+mn-ea"/>
+                <a:cs typeface="+mn-cs"/>
+              </a:defRPr>
+            </a:lvl9pPr>
+          </a:lstStyle>
+          <a:p>
+            <a:pPr marL="0" indent="0">
+              <a:buFont typeface="Arial" panose="020B0604020202020204" pitchFamily="34" charset="0"/>
+              <a:buNone/>
+            </a:pPr>
+            <a:r>
+              <a:rPr lang="fr-CH" sz="4100" dirty="0"/>
+              <a:t>Requête n°2</a:t>
+            </a:r>
+          </a:p>
+          <a:p>
+            <a:pPr marL="0" indent="0">
+              <a:buFont typeface="Arial" panose="020B0604020202020204" pitchFamily="34" charset="0"/>
+              <a:buNone/>
+            </a:pPr>
+            <a:r>
+              <a:rPr lang="fr-CH" dirty="0"/>
+              <a:t>[  </a:t>
+            </a:r>
+            <a:br>
+              <a:rPr lang="fr-CH" dirty="0"/>
+            </a:br>
+            <a:r>
+              <a:rPr lang="fr-CH" dirty="0"/>
+              <a:t>   "Anna"</a:t>
+            </a:r>
+            <a:br>
+              <a:rPr lang="fr-CH" dirty="0"/>
+            </a:br>
+            <a:r>
+              <a:rPr lang="fr-CH" dirty="0"/>
+              <a:t>]</a:t>
             </a:r>
           </a:p>
         </p:txBody>
@@ -19140,10 +19118,10 @@
               </a:rPr>
               <a:t>https://jsonpath.com</a:t>
             </a:r>
-            <a:endParaRPr lang="fr-CH" dirty="0"/>
-          </a:p>
-          <a:p>
-            <a:endParaRPr lang="fr-CH" dirty="0"/>
+            <a:endParaRPr lang="fr-CH"/>
+          </a:p>
+          <a:p>
+            <a:endParaRPr lang="fr-CH"/>
           </a:p>
         </p:txBody>
       </p:sp>
@@ -19209,13 +19187,6 @@
   <p:clrMapOvr>
     <a:masterClrMapping/>
   </p:clrMapOvr>
-  <p:timing>
-    <p:tnLst>
-      <p:par>
-        <p:cTn id="1" dur="indefinite" restart="never" nodeType="tmRoot"/>
-      </p:par>
-    </p:tnLst>
-  </p:timing>
 </p:sld>
 </file>
 
@@ -19261,7 +19232,6 @@
               <a:rPr lang="fr-CH" dirty="0"/>
               <a:t>Questions ?</a:t>
             </a:r>
-            <a:endParaRPr lang="fr-CH" dirty="0"/>
           </a:p>
         </p:txBody>
       </p:sp>
@@ -19281,54 +19251,12 @@
             <p:ph idx="1"/>
           </p:nvPr>
         </p:nvSpPr>
-        <p:spPr>
-          <a:xfrm>
-            <a:off x="3881337" y="1825625"/>
-            <a:ext cx="7472462" cy="4351338"/>
-          </a:xfrm>
-        </p:spPr>
+        <p:spPr/>
         <p:txBody>
-          <a:bodyPr>
-            <a:normAutofit/>
-          </a:bodyPr>
+          <a:bodyPr/>
           <a:lstStyle/>
           <a:p>
-            <a:pPr marL="457200" lvl="1" indent="0">
-              <a:buNone/>
-            </a:pPr>
-            <a:endParaRPr lang="fr-CH" sz="4400" dirty="0" smtClean="0"/>
-          </a:p>
-          <a:p>
-            <a:pPr marL="457200" lvl="1" indent="0">
-              <a:buNone/>
-            </a:pPr>
-            <a:endParaRPr lang="fr-CH" sz="4400" dirty="0"/>
-          </a:p>
-          <a:p>
-            <a:pPr marL="457200" lvl="1" indent="0">
-              <a:buNone/>
-            </a:pPr>
-            <a:r>
-              <a:rPr lang="fr-CH" sz="4400" dirty="0" smtClean="0"/>
-              <a:t>Questions </a:t>
-            </a:r>
-            <a:r>
-              <a:rPr lang="fr-CH" sz="4400" dirty="0"/>
-              <a:t>?</a:t>
-            </a:r>
-            <a:endParaRPr lang="fr-CH" sz="4400" dirty="0" smtClean="0"/>
-          </a:p>
-          <a:p>
-            <a:pPr marL="457200" lvl="1" indent="0">
-              <a:buNone/>
-            </a:pPr>
-            <a:endParaRPr lang="fr-CH" sz="4400" dirty="0" smtClean="0"/>
-          </a:p>
-          <a:p>
-            <a:pPr marL="457200" lvl="1" indent="0">
-              <a:buNone/>
-            </a:pPr>
-            <a:endParaRPr lang="fr-CH" sz="4400" dirty="0" smtClean="0"/>
+            <a:endParaRPr lang="fr-CH"/>
           </a:p>
         </p:txBody>
       </p:sp>
@@ -19394,13 +19322,6 @@
   <p:clrMapOvr>
     <a:masterClrMapping/>
   </p:clrMapOvr>
-  <p:timing>
-    <p:tnLst>
-      <p:par>
-        <p:cTn id="1" dur="indefinite" restart="never" nodeType="tmRoot"/>
-      </p:par>
-    </p:tnLst>
-  </p:timing>
 </p:sld>
 </file>
 
@@ -19572,13 +19493,6 @@
   <p:clrMapOvr>
     <a:masterClrMapping/>
   </p:clrMapOvr>
-  <p:timing>
-    <p:tnLst>
-      <p:par>
-        <p:cTn id="1" dur="indefinite" restart="never" nodeType="tmRoot"/>
-      </p:par>
-    </p:tnLst>
-  </p:timing>
 </p:sld>
 </file>
 
@@ -19763,7 +19677,9 @@
         </p:nvSpPr>
         <p:spPr/>
         <p:txBody>
-          <a:bodyPr/>
+          <a:bodyPr>
+            <a:normAutofit lnSpcReduction="10000"/>
+          </a:bodyPr>
           <a:lstStyle/>
           <a:p>
             <a:r>
@@ -19789,8 +19705,28 @@
           <a:p>
             <a:r>
               <a:rPr lang="fr-CH" dirty="0"/>
-              <a:t>Enregistrer des informations</a:t>
-            </a:r>
+              <a:t>Enregistrer des </a:t>
+            </a:r>
+            <a:r>
+              <a:rPr lang="fr-CH" dirty="0" smtClean="0"/>
+              <a:t>informations</a:t>
+            </a:r>
+          </a:p>
+          <a:p>
+            <a:endParaRPr lang="fr-CH" b="0" dirty="0">
+              <a:effectLst/>
+            </a:endParaRPr>
+          </a:p>
+          <a:p>
+            <a:r>
+              <a:rPr lang="fr-CH" dirty="0"/>
+              <a:t>Simple à utiliser</a:t>
+            </a:r>
+          </a:p>
+          <a:p>
+            <a:pPr marL="0" indent="0">
+              <a:buNone/>
+            </a:pPr>
             <a:r>
               <a:rPr lang="fr-CH" b="0" dirty="0">
                 <a:effectLst/>
@@ -20136,7 +20072,7 @@
         <p:spPr>
           <a:xfrm>
             <a:off x="3665958" y="3858177"/>
-            <a:ext cx="3000313" cy="523220"/>
+            <a:ext cx="3291795" cy="523220"/>
           </a:xfrm>
           <a:prstGeom prst="rect">
             <a:avLst/>
@@ -20155,11 +20091,11 @@
             </a:r>
             <a:r>
               <a:rPr lang="fr-CH" dirty="0"/>
-              <a:t> «</a:t>
+              <a:t> </a:t>
             </a:r>
             <a:r>
               <a:rPr lang="fr-CH" sz="2800" dirty="0"/>
-              <a:t>partout»</a:t>
+              <a:t>«partout»</a:t>
             </a:r>
           </a:p>
         </p:txBody>
@@ -21154,9 +21090,13 @@
           <a:lstStyle/>
           <a:p>
             <a:pPr fontAlgn="base"/>
+            <a:endParaRPr lang="fr-CH" dirty="0"/>
+          </a:p>
+          <a:p>
+            <a:pPr fontAlgn="base"/>
             <a:r>
               <a:rPr lang="fr-CH" dirty="0"/>
-              <a:t>Simple à utiliser</a:t>
+              <a:t>Stocker des données</a:t>
             </a:r>
           </a:p>
           <a:p>
@@ -21166,20 +21106,14 @@
           <a:p>
             <a:pPr fontAlgn="base"/>
             <a:r>
-              <a:rPr lang="fr-CH" dirty="0"/>
-              <a:t>Stocker des données</a:t>
-            </a:r>
-          </a:p>
-          <a:p>
-            <a:pPr fontAlgn="base"/>
+              <a:rPr lang="fr-CH" dirty="0" smtClean="0"/>
+              <a:t>Remplacer une base </a:t>
+            </a:r>
+            <a:r>
+              <a:rPr lang="fr-CH" smtClean="0"/>
+              <a:t>de données</a:t>
+            </a:r>
             <a:endParaRPr lang="fr-CH" dirty="0"/>
-          </a:p>
-          <a:p>
-            <a:pPr fontAlgn="base"/>
-            <a:r>
-              <a:rPr lang="fr-CH" dirty="0"/>
-              <a:t>Nouveaux utilisateurs</a:t>
-            </a:r>
           </a:p>
           <a:p>
             <a:pPr marL="0" indent="0">
